--- a/Presentation.pptx
+++ b/Presentation.pptx
@@ -1,43 +1,43 @@
 
 <file path=ppt/presentation.xml><?xml version="1.0" encoding="utf-8"?>
-<p:presentation xmlns:a="http://schemas.openxmlformats.org/drawingml/2006/main" xmlns:r="http://schemas.openxmlformats.org/officeDocument/2006/relationships" xmlns:p="http://schemas.openxmlformats.org/presentationml/2006/main" saveSubsetFonts="1">
+<p:presentation xmlns:a="http://schemas.openxmlformats.org/drawingml/2006/main" xmlns:r="http://schemas.openxmlformats.org/officeDocument/2006/relationships" xmlns:p="http://schemas.openxmlformats.org/presentationml/2006/main">
   <p:sldMasterIdLst>
-    <p:sldMasterId id="2147483678" r:id="rId1"/>
+    <p:sldMasterId id="2147483648" r:id="rId1"/>
   </p:sldMasterIdLst>
   <p:sldIdLst>
-    <p:sldId id="256" r:id="rId2"/>
-    <p:sldId id="268" r:id="rId3"/>
-    <p:sldId id="272" r:id="rId4"/>
-    <p:sldId id="274" r:id="rId5"/>
-    <p:sldId id="273" r:id="rId6"/>
-    <p:sldId id="275" r:id="rId7"/>
-    <p:sldId id="276" r:id="rId8"/>
-    <p:sldId id="280" r:id="rId9"/>
-    <p:sldId id="259" r:id="rId10"/>
-    <p:sldId id="281" r:id="rId11"/>
-    <p:sldId id="282" r:id="rId12"/>
-    <p:sldId id="283" r:id="rId13"/>
-    <p:sldId id="284" r:id="rId14"/>
-    <p:sldId id="285" r:id="rId15"/>
-    <p:sldId id="286" r:id="rId16"/>
-    <p:sldId id="287" r:id="rId17"/>
-    <p:sldId id="288" r:id="rId18"/>
-    <p:sldId id="289" r:id="rId19"/>
-    <p:sldId id="290" r:id="rId20"/>
-    <p:sldId id="291" r:id="rId21"/>
-    <p:sldId id="297" r:id="rId22"/>
-    <p:sldId id="292" r:id="rId23"/>
-    <p:sldId id="296" r:id="rId24"/>
-    <p:sldId id="293" r:id="rId25"/>
-    <p:sldId id="294" r:id="rId26"/>
-    <p:sldId id="295" r:id="rId27"/>
-    <p:sldId id="261" r:id="rId28"/>
-    <p:sldId id="262" r:id="rId29"/>
-    <p:sldId id="265" r:id="rId30"/>
-    <p:sldId id="263" r:id="rId31"/>
-    <p:sldId id="266" r:id="rId32"/>
-    <p:sldId id="264" r:id="rId33"/>
-    <p:sldId id="267" r:id="rId34"/>
+    <p:sldId id="256" r:id="rId3"/>
+    <p:sldId id="268" r:id="rId4"/>
+    <p:sldId id="272" r:id="rId5"/>
+    <p:sldId id="274" r:id="rId6"/>
+    <p:sldId id="273" r:id="rId7"/>
+    <p:sldId id="275" r:id="rId8"/>
+    <p:sldId id="276" r:id="rId9"/>
+    <p:sldId id="280" r:id="rId10"/>
+    <p:sldId id="259" r:id="rId11"/>
+    <p:sldId id="281" r:id="rId12"/>
+    <p:sldId id="282" r:id="rId13"/>
+    <p:sldId id="283" r:id="rId14"/>
+    <p:sldId id="284" r:id="rId15"/>
+    <p:sldId id="285" r:id="rId16"/>
+    <p:sldId id="286" r:id="rId17"/>
+    <p:sldId id="287" r:id="rId18"/>
+    <p:sldId id="288" r:id="rId19"/>
+    <p:sldId id="289" r:id="rId20"/>
+    <p:sldId id="290" r:id="rId21"/>
+    <p:sldId id="291" r:id="rId22"/>
+    <p:sldId id="297" r:id="rId23"/>
+    <p:sldId id="292" r:id="rId24"/>
+    <p:sldId id="296" r:id="rId25"/>
+    <p:sldId id="293" r:id="rId26"/>
+    <p:sldId id="294" r:id="rId27"/>
+    <p:sldId id="295" r:id="rId28"/>
+    <p:sldId id="261" r:id="rId29"/>
+    <p:sldId id="262" r:id="rId30"/>
+    <p:sldId id="265" r:id="rId31"/>
+    <p:sldId id="263" r:id="rId32"/>
+    <p:sldId id="266" r:id="rId33"/>
+    <p:sldId id="264" r:id="rId34"/>
+    <p:sldId id="267" r:id="rId35"/>
   </p:sldIdLst>
   <p:sldSz cx="12192000" cy="6858000"/>
   <p:notesSz cx="6858000" cy="9144000"/>
@@ -136,16 +136,11 @@
       </a:defRPr>
     </a:lvl9pPr>
   </p:defaultTextStyle>
-  <p:extLst>
-    <p:ext uri="{EFAFB233-063F-42B5-8137-9DF3F51BA10A}">
-      <p15:sldGuideLst xmlns:p15="http://schemas.microsoft.com/office/powerpoint/2012/main"/>
-    </p:ext>
-  </p:extLst>
 </p:presentation>
 </file>
 
 <file path=ppt/slideLayouts/slideLayout1.xml><?xml version="1.0" encoding="utf-8"?>
-<p:sldLayout xmlns:a="http://schemas.openxmlformats.org/drawingml/2006/main" xmlns:r="http://schemas.openxmlformats.org/officeDocument/2006/relationships" xmlns:p="http://schemas.openxmlformats.org/presentationml/2006/main" showMasterSp="0" type="title" preserve="1">
+<p:sldLayout xmlns:a="http://schemas.openxmlformats.org/drawingml/2006/main" xmlns:r="http://schemas.openxmlformats.org/officeDocument/2006/relationships" xmlns:p="http://schemas.openxmlformats.org/presentationml/2006/main" type="title" preserve="1" showMasterSp="0">
   <p:cSld name="Title Slide">
     <p:spTree>
       <p:nvGrpSpPr>
@@ -646,7 +641,6 @@
           <a:p>
             <a:fld id="{FD7AC5BF-86F1-495D-9D33-01F38BC8B725}" type="datetimeFigureOut">
               <a:rPr lang="en-IN" smtClean="0"/>
-              <a:t>22-07-2020</a:t>
             </a:fld>
             <a:endParaRPr lang="en-IN"/>
           </a:p>
@@ -693,18 +687,12 @@
           <a:p>
             <a:fld id="{CED509DE-6E5A-4701-B22F-14AE7E9AF877}" type="slidenum">
               <a:rPr lang="en-IN" smtClean="0"/>
-              <a:t>‹#›</a:t>
             </a:fld>
             <a:endParaRPr lang="en-IN"/>
           </a:p>
         </p:txBody>
       </p:sp>
     </p:spTree>
-    <p:extLst>
-      <p:ext uri="{BB962C8B-B14F-4D97-AF65-F5344CB8AC3E}">
-        <p14:creationId xmlns:p14="http://schemas.microsoft.com/office/powerpoint/2010/main" val="2894817011"/>
-      </p:ext>
-    </p:extLst>
   </p:cSld>
   <p:clrMapOvr>
     <a:masterClrMapping/>
@@ -922,6 +910,7 @@
               <a:rPr lang="en-US"/>
               <a:t>Click to edit Master text styles</a:t>
             </a:r>
+            <a:endParaRPr lang="en-US"/>
           </a:p>
         </p:txBody>
       </p:sp>
@@ -942,7 +931,6 @@
           <a:p>
             <a:fld id="{FD7AC5BF-86F1-495D-9D33-01F38BC8B725}" type="datetimeFigureOut">
               <a:rPr lang="en-IN" smtClean="0"/>
-              <a:t>22-07-2020</a:t>
             </a:fld>
             <a:endParaRPr lang="en-IN"/>
           </a:p>
@@ -984,18 +972,12 @@
           <a:p>
             <a:fld id="{CED509DE-6E5A-4701-B22F-14AE7E9AF877}" type="slidenum">
               <a:rPr lang="en-IN" smtClean="0"/>
-              <a:t>‹#›</a:t>
             </a:fld>
             <a:endParaRPr lang="en-IN"/>
           </a:p>
         </p:txBody>
       </p:sp>
     </p:spTree>
-    <p:extLst>
-      <p:ext uri="{BB962C8B-B14F-4D97-AF65-F5344CB8AC3E}">
-        <p14:creationId xmlns:p14="http://schemas.microsoft.com/office/powerpoint/2010/main" val="2206900128"/>
-      </p:ext>
-    </p:extLst>
   </p:cSld>
   <p:clrMapOvr>
     <a:masterClrMapping/>
@@ -1170,6 +1152,7 @@
               <a:rPr lang="en-US"/>
               <a:t>Click to edit Master text styles</a:t>
             </a:r>
+            <a:endParaRPr lang="en-US"/>
           </a:p>
         </p:txBody>
       </p:sp>
@@ -1190,7 +1173,6 @@
           <a:p>
             <a:fld id="{FD7AC5BF-86F1-495D-9D33-01F38BC8B725}" type="datetimeFigureOut">
               <a:rPr lang="en-IN" smtClean="0"/>
-              <a:t>22-07-2020</a:t>
             </a:fld>
             <a:endParaRPr lang="en-IN"/>
           </a:p>
@@ -1232,18 +1214,12 @@
           <a:p>
             <a:fld id="{CED509DE-6E5A-4701-B22F-14AE7E9AF877}" type="slidenum">
               <a:rPr lang="en-IN" smtClean="0"/>
-              <a:t>‹#›</a:t>
             </a:fld>
             <a:endParaRPr lang="en-IN"/>
           </a:p>
         </p:txBody>
       </p:sp>
     </p:spTree>
-    <p:extLst>
-      <p:ext uri="{BB962C8B-B14F-4D97-AF65-F5344CB8AC3E}">
-        <p14:creationId xmlns:p14="http://schemas.microsoft.com/office/powerpoint/2010/main" val="4265124695"/>
-      </p:ext>
-    </p:extLst>
   </p:cSld>
   <p:clrMapOvr>
     <a:masterClrMapping/>
@@ -1381,6 +1357,12 @@
               </a:rPr>
               <a:t>“</a:t>
             </a:r>
+            <a:endParaRPr lang="en-US" sz="8000" dirty="0">
+              <a:solidFill>
+                <a:schemeClr val="tx1"/>
+              </a:solidFill>
+              <a:effectLst/>
+            </a:endParaRPr>
           </a:p>
         </p:txBody>
       </p:sp>
@@ -1497,6 +1479,12 @@
               </a:rPr>
               <a:t>”</a:t>
             </a:r>
+            <a:endParaRPr lang="en-US" sz="8000" dirty="0">
+              <a:solidFill>
+                <a:schemeClr val="tx1"/>
+              </a:solidFill>
+              <a:effectLst/>
+            </a:endParaRPr>
           </a:p>
         </p:txBody>
       </p:sp>
@@ -1591,6 +1579,7 @@
               <a:rPr lang="en-US"/>
               <a:t>Click to edit Master text styles</a:t>
             </a:r>
+            <a:endParaRPr lang="en-US"/>
           </a:p>
         </p:txBody>
       </p:sp>
@@ -1710,6 +1699,7 @@
               <a:rPr lang="en-US"/>
               <a:t>Click to edit Master text styles</a:t>
             </a:r>
+            <a:endParaRPr lang="en-US"/>
           </a:p>
         </p:txBody>
       </p:sp>
@@ -1730,7 +1720,6 @@
           <a:p>
             <a:fld id="{FD7AC5BF-86F1-495D-9D33-01F38BC8B725}" type="datetimeFigureOut">
               <a:rPr lang="en-IN" smtClean="0"/>
-              <a:t>22-07-2020</a:t>
             </a:fld>
             <a:endParaRPr lang="en-IN"/>
           </a:p>
@@ -1772,18 +1761,12 @@
           <a:p>
             <a:fld id="{CED509DE-6E5A-4701-B22F-14AE7E9AF877}" type="slidenum">
               <a:rPr lang="en-IN" smtClean="0"/>
-              <a:t>‹#›</a:t>
             </a:fld>
             <a:endParaRPr lang="en-IN"/>
           </a:p>
         </p:txBody>
       </p:sp>
     </p:spTree>
-    <p:extLst>
-      <p:ext uri="{BB962C8B-B14F-4D97-AF65-F5344CB8AC3E}">
-        <p14:creationId xmlns:p14="http://schemas.microsoft.com/office/powerpoint/2010/main" val="2346372319"/>
-      </p:ext>
-    </p:extLst>
   </p:cSld>
   <p:clrMapOvr>
     <a:masterClrMapping/>
@@ -1958,6 +1941,7 @@
               <a:rPr lang="en-US"/>
               <a:t>Click to edit Master text styles</a:t>
             </a:r>
+            <a:endParaRPr lang="en-US"/>
           </a:p>
         </p:txBody>
       </p:sp>
@@ -1978,7 +1962,6 @@
           <a:p>
             <a:fld id="{FD7AC5BF-86F1-495D-9D33-01F38BC8B725}" type="datetimeFigureOut">
               <a:rPr lang="en-IN" smtClean="0"/>
-              <a:t>22-07-2020</a:t>
             </a:fld>
             <a:endParaRPr lang="en-IN"/>
           </a:p>
@@ -2020,18 +2003,12 @@
           <a:p>
             <a:fld id="{CED509DE-6E5A-4701-B22F-14AE7E9AF877}" type="slidenum">
               <a:rPr lang="en-IN" smtClean="0"/>
-              <a:t>‹#›</a:t>
             </a:fld>
             <a:endParaRPr lang="en-IN"/>
           </a:p>
         </p:txBody>
       </p:sp>
     </p:spTree>
-    <p:extLst>
-      <p:ext uri="{BB962C8B-B14F-4D97-AF65-F5344CB8AC3E}">
-        <p14:creationId xmlns:p14="http://schemas.microsoft.com/office/powerpoint/2010/main" val="2136908626"/>
-      </p:ext>
-    </p:extLst>
   </p:cSld>
   <p:clrMapOvr>
     <a:masterClrMapping/>
@@ -2169,6 +2146,12 @@
               </a:rPr>
               <a:t>“</a:t>
             </a:r>
+            <a:endParaRPr lang="en-US" sz="8000" dirty="0">
+              <a:solidFill>
+                <a:schemeClr val="tx1"/>
+              </a:solidFill>
+              <a:effectLst/>
+            </a:endParaRPr>
           </a:p>
         </p:txBody>
       </p:sp>
@@ -2285,6 +2268,12 @@
               </a:rPr>
               <a:t>”</a:t>
             </a:r>
+            <a:endParaRPr lang="en-US" sz="8000" dirty="0">
+              <a:solidFill>
+                <a:schemeClr val="tx1"/>
+              </a:solidFill>
+              <a:effectLst/>
+            </a:endParaRPr>
           </a:p>
         </p:txBody>
       </p:sp>
@@ -2371,6 +2360,7 @@
               <a:rPr lang="en-US"/>
               <a:t>Click to edit Master text styles</a:t>
             </a:r>
+            <a:endParaRPr lang="en-US"/>
           </a:p>
         </p:txBody>
       </p:sp>
@@ -2490,6 +2480,7 @@
               <a:rPr lang="en-US"/>
               <a:t>Click to edit Master text styles</a:t>
             </a:r>
+            <a:endParaRPr lang="en-US"/>
           </a:p>
         </p:txBody>
       </p:sp>
@@ -2510,7 +2501,6 @@
           <a:p>
             <a:fld id="{FD7AC5BF-86F1-495D-9D33-01F38BC8B725}" type="datetimeFigureOut">
               <a:rPr lang="en-IN" smtClean="0"/>
-              <a:t>22-07-2020</a:t>
             </a:fld>
             <a:endParaRPr lang="en-IN"/>
           </a:p>
@@ -2552,18 +2542,12 @@
           <a:p>
             <a:fld id="{CED509DE-6E5A-4701-B22F-14AE7E9AF877}" type="slidenum">
               <a:rPr lang="en-IN" smtClean="0"/>
-              <a:t>‹#›</a:t>
             </a:fld>
             <a:endParaRPr lang="en-IN"/>
           </a:p>
         </p:txBody>
       </p:sp>
     </p:spTree>
-    <p:extLst>
-      <p:ext uri="{BB962C8B-B14F-4D97-AF65-F5344CB8AC3E}">
-        <p14:creationId xmlns:p14="http://schemas.microsoft.com/office/powerpoint/2010/main" val="1494826033"/>
-      </p:ext>
-    </p:extLst>
   </p:cSld>
   <p:clrMapOvr>
     <a:masterClrMapping/>
@@ -2668,6 +2652,7 @@
               <a:rPr lang="en-US"/>
               <a:t>Click to edit Master text styles</a:t>
             </a:r>
+            <a:endParaRPr lang="en-US"/>
           </a:p>
         </p:txBody>
       </p:sp>
@@ -2787,6 +2772,7 @@
               <a:rPr lang="en-US"/>
               <a:t>Click to edit Master text styles</a:t>
             </a:r>
+            <a:endParaRPr lang="en-US"/>
           </a:p>
         </p:txBody>
       </p:sp>
@@ -2807,7 +2793,6 @@
           <a:p>
             <a:fld id="{FD7AC5BF-86F1-495D-9D33-01F38BC8B725}" type="datetimeFigureOut">
               <a:rPr lang="en-IN" smtClean="0"/>
-              <a:t>22-07-2020</a:t>
             </a:fld>
             <a:endParaRPr lang="en-IN"/>
           </a:p>
@@ -2849,18 +2834,12 @@
           <a:p>
             <a:fld id="{CED509DE-6E5A-4701-B22F-14AE7E9AF877}" type="slidenum">
               <a:rPr lang="en-IN" smtClean="0"/>
-              <a:t>‹#›</a:t>
             </a:fld>
             <a:endParaRPr lang="en-IN"/>
           </a:p>
         </p:txBody>
       </p:sp>
     </p:spTree>
-    <p:extLst>
-      <p:ext uri="{BB962C8B-B14F-4D97-AF65-F5344CB8AC3E}">
-        <p14:creationId xmlns:p14="http://schemas.microsoft.com/office/powerpoint/2010/main" val="4144475539"/>
-      </p:ext>
-    </p:extLst>
   </p:cSld>
   <p:clrMapOvr>
     <a:masterClrMapping/>
@@ -2932,6 +2911,7 @@
               <a:rPr lang="en-US"/>
               <a:t>Click to edit Master text styles</a:t>
             </a:r>
+            <a:endParaRPr lang="en-US"/>
           </a:p>
           <a:p>
             <a:pPr lvl="1"/>
@@ -2939,6 +2919,7 @@
               <a:rPr lang="en-US"/>
               <a:t>Second level</a:t>
             </a:r>
+            <a:endParaRPr lang="en-US"/>
           </a:p>
           <a:p>
             <a:pPr lvl="2"/>
@@ -2946,6 +2927,7 @@
               <a:rPr lang="en-US"/>
               <a:t>Third level</a:t>
             </a:r>
+            <a:endParaRPr lang="en-US"/>
           </a:p>
           <a:p>
             <a:pPr lvl="3"/>
@@ -2953,6 +2935,7 @@
               <a:rPr lang="en-US"/>
               <a:t>Fourth level</a:t>
             </a:r>
+            <a:endParaRPr lang="en-US"/>
           </a:p>
           <a:p>
             <a:pPr lvl="4"/>
@@ -2981,7 +2964,6 @@
           <a:p>
             <a:fld id="{FD7AC5BF-86F1-495D-9D33-01F38BC8B725}" type="datetimeFigureOut">
               <a:rPr lang="en-IN" smtClean="0"/>
-              <a:t>22-07-2020</a:t>
             </a:fld>
             <a:endParaRPr lang="en-IN"/>
           </a:p>
@@ -3023,18 +3005,12 @@
           <a:p>
             <a:fld id="{CED509DE-6E5A-4701-B22F-14AE7E9AF877}" type="slidenum">
               <a:rPr lang="en-IN" smtClean="0"/>
-              <a:t>‹#›</a:t>
             </a:fld>
             <a:endParaRPr lang="en-IN"/>
           </a:p>
         </p:txBody>
       </p:sp>
     </p:spTree>
-    <p:extLst>
-      <p:ext uri="{BB962C8B-B14F-4D97-AF65-F5344CB8AC3E}">
-        <p14:creationId xmlns:p14="http://schemas.microsoft.com/office/powerpoint/2010/main" val="2161395124"/>
-      </p:ext>
-    </p:extLst>
   </p:cSld>
   <p:clrMapOvr>
     <a:masterClrMapping/>
@@ -3112,6 +3088,7 @@
               <a:rPr lang="en-US"/>
               <a:t>Click to edit Master text styles</a:t>
             </a:r>
+            <a:endParaRPr lang="en-US"/>
           </a:p>
           <a:p>
             <a:pPr lvl="1"/>
@@ -3119,6 +3096,7 @@
               <a:rPr lang="en-US"/>
               <a:t>Second level</a:t>
             </a:r>
+            <a:endParaRPr lang="en-US"/>
           </a:p>
           <a:p>
             <a:pPr lvl="2"/>
@@ -3126,6 +3104,7 @@
               <a:rPr lang="en-US"/>
               <a:t>Third level</a:t>
             </a:r>
+            <a:endParaRPr lang="en-US"/>
           </a:p>
           <a:p>
             <a:pPr lvl="3"/>
@@ -3133,6 +3112,7 @@
               <a:rPr lang="en-US"/>
               <a:t>Fourth level</a:t>
             </a:r>
+            <a:endParaRPr lang="en-US"/>
           </a:p>
           <a:p>
             <a:pPr lvl="4"/>
@@ -3161,7 +3141,6 @@
           <a:p>
             <a:fld id="{FD7AC5BF-86F1-495D-9D33-01F38BC8B725}" type="datetimeFigureOut">
               <a:rPr lang="en-IN" smtClean="0"/>
-              <a:t>22-07-2020</a:t>
             </a:fld>
             <a:endParaRPr lang="en-IN"/>
           </a:p>
@@ -3203,18 +3182,12 @@
           <a:p>
             <a:fld id="{CED509DE-6E5A-4701-B22F-14AE7E9AF877}" type="slidenum">
               <a:rPr lang="en-IN" smtClean="0"/>
-              <a:t>‹#›</a:t>
             </a:fld>
             <a:endParaRPr lang="en-IN"/>
           </a:p>
         </p:txBody>
       </p:sp>
     </p:spTree>
-    <p:extLst>
-      <p:ext uri="{BB962C8B-B14F-4D97-AF65-F5344CB8AC3E}">
-        <p14:creationId xmlns:p14="http://schemas.microsoft.com/office/powerpoint/2010/main" val="2373968090"/>
-      </p:ext>
-    </p:extLst>
   </p:cSld>
   <p:clrMapOvr>
     <a:masterClrMapping/>
@@ -3282,6 +3255,7 @@
               <a:rPr lang="en-US"/>
               <a:t>Click to edit Master text styles</a:t>
             </a:r>
+            <a:endParaRPr lang="en-US"/>
           </a:p>
           <a:p>
             <a:pPr lvl="1"/>
@@ -3289,6 +3263,7 @@
               <a:rPr lang="en-US"/>
               <a:t>Second level</a:t>
             </a:r>
+            <a:endParaRPr lang="en-US"/>
           </a:p>
           <a:p>
             <a:pPr lvl="2"/>
@@ -3296,6 +3271,7 @@
               <a:rPr lang="en-US"/>
               <a:t>Third level</a:t>
             </a:r>
+            <a:endParaRPr lang="en-US"/>
           </a:p>
           <a:p>
             <a:pPr lvl="3"/>
@@ -3303,6 +3279,7 @@
               <a:rPr lang="en-US"/>
               <a:t>Fourth level</a:t>
             </a:r>
+            <a:endParaRPr lang="en-US"/>
           </a:p>
           <a:p>
             <a:pPr lvl="4"/>
@@ -3331,7 +3308,6 @@
           <a:p>
             <a:fld id="{FD7AC5BF-86F1-495D-9D33-01F38BC8B725}" type="datetimeFigureOut">
               <a:rPr lang="en-IN" smtClean="0"/>
-              <a:t>22-07-2020</a:t>
             </a:fld>
             <a:endParaRPr lang="en-IN"/>
           </a:p>
@@ -3378,18 +3354,12 @@
           <a:p>
             <a:fld id="{CED509DE-6E5A-4701-B22F-14AE7E9AF877}" type="slidenum">
               <a:rPr lang="en-IN" smtClean="0"/>
-              <a:t>‹#›</a:t>
             </a:fld>
             <a:endParaRPr lang="en-IN"/>
           </a:p>
         </p:txBody>
       </p:sp>
     </p:spTree>
-    <p:extLst>
-      <p:ext uri="{BB962C8B-B14F-4D97-AF65-F5344CB8AC3E}">
-        <p14:creationId xmlns:p14="http://schemas.microsoft.com/office/powerpoint/2010/main" val="1513636921"/>
-      </p:ext>
-    </p:extLst>
   </p:cSld>
   <p:clrMapOvr>
     <a:masterClrMapping/>
@@ -3562,6 +3532,7 @@
               <a:rPr lang="en-US"/>
               <a:t>Click to edit Master text styles</a:t>
             </a:r>
+            <a:endParaRPr lang="en-US"/>
           </a:p>
         </p:txBody>
       </p:sp>
@@ -3582,7 +3553,6 @@
           <a:p>
             <a:fld id="{FD7AC5BF-86F1-495D-9D33-01F38BC8B725}" type="datetimeFigureOut">
               <a:rPr lang="en-IN" smtClean="0"/>
-              <a:t>22-07-2020</a:t>
             </a:fld>
             <a:endParaRPr lang="en-IN"/>
           </a:p>
@@ -3624,18 +3594,12 @@
           <a:p>
             <a:fld id="{CED509DE-6E5A-4701-B22F-14AE7E9AF877}" type="slidenum">
               <a:rPr lang="en-IN" smtClean="0"/>
-              <a:t>‹#›</a:t>
             </a:fld>
             <a:endParaRPr lang="en-IN"/>
           </a:p>
         </p:txBody>
       </p:sp>
     </p:spTree>
-    <p:extLst>
-      <p:ext uri="{BB962C8B-B14F-4D97-AF65-F5344CB8AC3E}">
-        <p14:creationId xmlns:p14="http://schemas.microsoft.com/office/powerpoint/2010/main" val="23941264"/>
-      </p:ext>
-    </p:extLst>
   </p:cSld>
   <p:clrMapOvr>
     <a:masterClrMapping/>
@@ -3743,6 +3707,7 @@
               <a:rPr lang="en-US"/>
               <a:t>Click to edit Master text styles</a:t>
             </a:r>
+            <a:endParaRPr lang="en-US"/>
           </a:p>
           <a:p>
             <a:pPr lvl="1"/>
@@ -3750,6 +3715,7 @@
               <a:rPr lang="en-US"/>
               <a:t>Second level</a:t>
             </a:r>
+            <a:endParaRPr lang="en-US"/>
           </a:p>
           <a:p>
             <a:pPr lvl="2"/>
@@ -3757,6 +3723,7 @@
               <a:rPr lang="en-US"/>
               <a:t>Third level</a:t>
             </a:r>
+            <a:endParaRPr lang="en-US"/>
           </a:p>
           <a:p>
             <a:pPr lvl="3"/>
@@ -3764,6 +3731,7 @@
               <a:rPr lang="en-US"/>
               <a:t>Fourth level</a:t>
             </a:r>
+            <a:endParaRPr lang="en-US"/>
           </a:p>
           <a:p>
             <a:pPr lvl="4"/>
@@ -3830,6 +3798,7 @@
               <a:rPr lang="en-US"/>
               <a:t>Click to edit Master text styles</a:t>
             </a:r>
+            <a:endParaRPr lang="en-US"/>
           </a:p>
           <a:p>
             <a:pPr lvl="1"/>
@@ -3837,6 +3806,7 @@
               <a:rPr lang="en-US"/>
               <a:t>Second level</a:t>
             </a:r>
+            <a:endParaRPr lang="en-US"/>
           </a:p>
           <a:p>
             <a:pPr lvl="2"/>
@@ -3844,6 +3814,7 @@
               <a:rPr lang="en-US"/>
               <a:t>Third level</a:t>
             </a:r>
+            <a:endParaRPr lang="en-US"/>
           </a:p>
           <a:p>
             <a:pPr lvl="3"/>
@@ -3851,6 +3822,7 @@
               <a:rPr lang="en-US"/>
               <a:t>Fourth level</a:t>
             </a:r>
+            <a:endParaRPr lang="en-US"/>
           </a:p>
           <a:p>
             <a:pPr lvl="4"/>
@@ -3879,7 +3851,6 @@
           <a:p>
             <a:fld id="{FD7AC5BF-86F1-495D-9D33-01F38BC8B725}" type="datetimeFigureOut">
               <a:rPr lang="en-IN" smtClean="0"/>
-              <a:t>22-07-2020</a:t>
             </a:fld>
             <a:endParaRPr lang="en-IN"/>
           </a:p>
@@ -3921,18 +3892,12 @@
           <a:p>
             <a:fld id="{CED509DE-6E5A-4701-B22F-14AE7E9AF877}" type="slidenum">
               <a:rPr lang="en-IN" smtClean="0"/>
-              <a:t>‹#›</a:t>
             </a:fld>
             <a:endParaRPr lang="en-IN"/>
           </a:p>
         </p:txBody>
       </p:sp>
     </p:spTree>
-    <p:extLst>
-      <p:ext uri="{BB962C8B-B14F-4D97-AF65-F5344CB8AC3E}">
-        <p14:creationId xmlns:p14="http://schemas.microsoft.com/office/powerpoint/2010/main" val="3441098277"/>
-      </p:ext>
-    </p:extLst>
   </p:cSld>
   <p:clrMapOvr>
     <a:masterClrMapping/>
@@ -4054,6 +4019,7 @@
               <a:rPr lang="en-US"/>
               <a:t>Click to edit Master text styles</a:t>
             </a:r>
+            <a:endParaRPr lang="en-US"/>
           </a:p>
         </p:txBody>
       </p:sp>
@@ -4112,6 +4078,7 @@
               <a:rPr lang="en-US"/>
               <a:t>Click to edit Master text styles</a:t>
             </a:r>
+            <a:endParaRPr lang="en-US"/>
           </a:p>
           <a:p>
             <a:pPr lvl="1"/>
@@ -4119,6 +4086,7 @@
               <a:rPr lang="en-US"/>
               <a:t>Second level</a:t>
             </a:r>
+            <a:endParaRPr lang="en-US"/>
           </a:p>
           <a:p>
             <a:pPr lvl="2"/>
@@ -4126,6 +4094,7 @@
               <a:rPr lang="en-US"/>
               <a:t>Third level</a:t>
             </a:r>
+            <a:endParaRPr lang="en-US"/>
           </a:p>
           <a:p>
             <a:pPr lvl="3"/>
@@ -4133,6 +4102,7 @@
               <a:rPr lang="en-US"/>
               <a:t>Fourth level</a:t>
             </a:r>
+            <a:endParaRPr lang="en-US"/>
           </a:p>
           <a:p>
             <a:pPr lvl="4"/>
@@ -4214,6 +4184,7 @@
               <a:rPr lang="en-US"/>
               <a:t>Click to edit Master text styles</a:t>
             </a:r>
+            <a:endParaRPr lang="en-US"/>
           </a:p>
         </p:txBody>
       </p:sp>
@@ -4272,6 +4243,7 @@
               <a:rPr lang="en-US"/>
               <a:t>Click to edit Master text styles</a:t>
             </a:r>
+            <a:endParaRPr lang="en-US"/>
           </a:p>
           <a:p>
             <a:pPr lvl="1"/>
@@ -4279,6 +4251,7 @@
               <a:rPr lang="en-US"/>
               <a:t>Second level</a:t>
             </a:r>
+            <a:endParaRPr lang="en-US"/>
           </a:p>
           <a:p>
             <a:pPr lvl="2"/>
@@ -4286,6 +4259,7 @@
               <a:rPr lang="en-US"/>
               <a:t>Third level</a:t>
             </a:r>
+            <a:endParaRPr lang="en-US"/>
           </a:p>
           <a:p>
             <a:pPr lvl="3"/>
@@ -4293,6 +4267,7 @@
               <a:rPr lang="en-US"/>
               <a:t>Fourth level</a:t>
             </a:r>
+            <a:endParaRPr lang="en-US"/>
           </a:p>
           <a:p>
             <a:pPr lvl="4"/>
@@ -4321,7 +4296,6 @@
           <a:p>
             <a:fld id="{FD7AC5BF-86F1-495D-9D33-01F38BC8B725}" type="datetimeFigureOut">
               <a:rPr lang="en-IN" smtClean="0"/>
-              <a:t>22-07-2020</a:t>
             </a:fld>
             <a:endParaRPr lang="en-IN"/>
           </a:p>
@@ -4363,18 +4337,12 @@
           <a:p>
             <a:fld id="{CED509DE-6E5A-4701-B22F-14AE7E9AF877}" type="slidenum">
               <a:rPr lang="en-IN" smtClean="0"/>
-              <a:t>‹#›</a:t>
             </a:fld>
             <a:endParaRPr lang="en-IN"/>
           </a:p>
         </p:txBody>
       </p:sp>
     </p:spTree>
-    <p:extLst>
-      <p:ext uri="{BB962C8B-B14F-4D97-AF65-F5344CB8AC3E}">
-        <p14:creationId xmlns:p14="http://schemas.microsoft.com/office/powerpoint/2010/main" val="4170245868"/>
-      </p:ext>
-    </p:extLst>
   </p:cSld>
   <p:clrMapOvr>
     <a:masterClrMapping/>
@@ -4439,7 +4407,6 @@
           <a:p>
             <a:fld id="{FD7AC5BF-86F1-495D-9D33-01F38BC8B725}" type="datetimeFigureOut">
               <a:rPr lang="en-IN" smtClean="0"/>
-              <a:t>22-07-2020</a:t>
             </a:fld>
             <a:endParaRPr lang="en-IN"/>
           </a:p>
@@ -4481,18 +4448,12 @@
           <a:p>
             <a:fld id="{CED509DE-6E5A-4701-B22F-14AE7E9AF877}" type="slidenum">
               <a:rPr lang="en-IN" smtClean="0"/>
-              <a:t>‹#›</a:t>
             </a:fld>
             <a:endParaRPr lang="en-IN"/>
           </a:p>
         </p:txBody>
       </p:sp>
     </p:spTree>
-    <p:extLst>
-      <p:ext uri="{BB962C8B-B14F-4D97-AF65-F5344CB8AC3E}">
-        <p14:creationId xmlns:p14="http://schemas.microsoft.com/office/powerpoint/2010/main" val="352180059"/>
-      </p:ext>
-    </p:extLst>
   </p:cSld>
   <p:clrMapOvr>
     <a:masterClrMapping/>
@@ -4534,7 +4495,6 @@
           <a:p>
             <a:fld id="{FD7AC5BF-86F1-495D-9D33-01F38BC8B725}" type="datetimeFigureOut">
               <a:rPr lang="en-IN" smtClean="0"/>
-              <a:t>22-07-2020</a:t>
             </a:fld>
             <a:endParaRPr lang="en-IN"/>
           </a:p>
@@ -4576,18 +4536,12 @@
           <a:p>
             <a:fld id="{CED509DE-6E5A-4701-B22F-14AE7E9AF877}" type="slidenum">
               <a:rPr lang="en-IN" smtClean="0"/>
-              <a:t>‹#›</a:t>
             </a:fld>
             <a:endParaRPr lang="en-IN"/>
           </a:p>
         </p:txBody>
       </p:sp>
     </p:spTree>
-    <p:extLst>
-      <p:ext uri="{BB962C8B-B14F-4D97-AF65-F5344CB8AC3E}">
-        <p14:creationId xmlns:p14="http://schemas.microsoft.com/office/powerpoint/2010/main" val="1990420838"/>
-      </p:ext>
-    </p:extLst>
   </p:cSld>
   <p:clrMapOvr>
     <a:masterClrMapping/>
@@ -4701,6 +4655,7 @@
               <a:rPr lang="en-US"/>
               <a:t>Click to edit Master text styles</a:t>
             </a:r>
+            <a:endParaRPr lang="en-US"/>
           </a:p>
           <a:p>
             <a:pPr lvl="1"/>
@@ -4708,6 +4663,7 @@
               <a:rPr lang="en-US"/>
               <a:t>Second level</a:t>
             </a:r>
+            <a:endParaRPr lang="en-US"/>
           </a:p>
           <a:p>
             <a:pPr lvl="2"/>
@@ -4715,6 +4671,7 @@
               <a:rPr lang="en-US"/>
               <a:t>Third level</a:t>
             </a:r>
+            <a:endParaRPr lang="en-US"/>
           </a:p>
           <a:p>
             <a:pPr lvl="3"/>
@@ -4722,6 +4679,7 @@
               <a:rPr lang="en-US"/>
               <a:t>Fourth level</a:t>
             </a:r>
+            <a:endParaRPr lang="en-US"/>
           </a:p>
           <a:p>
             <a:pPr lvl="4"/>
@@ -4797,6 +4755,7 @@
               <a:rPr lang="en-US"/>
               <a:t>Click to edit Master text styles</a:t>
             </a:r>
+            <a:endParaRPr lang="en-US"/>
           </a:p>
         </p:txBody>
       </p:sp>
@@ -4817,7 +4776,6 @@
           <a:p>
             <a:fld id="{FD7AC5BF-86F1-495D-9D33-01F38BC8B725}" type="datetimeFigureOut">
               <a:rPr lang="en-IN" smtClean="0"/>
-              <a:t>22-07-2020</a:t>
             </a:fld>
             <a:endParaRPr lang="en-IN"/>
           </a:p>
@@ -4859,18 +4817,12 @@
           <a:p>
             <a:fld id="{CED509DE-6E5A-4701-B22F-14AE7E9AF877}" type="slidenum">
               <a:rPr lang="en-IN" smtClean="0"/>
-              <a:t>‹#›</a:t>
             </a:fld>
             <a:endParaRPr lang="en-IN"/>
           </a:p>
         </p:txBody>
       </p:sp>
     </p:spTree>
-    <p:extLst>
-      <p:ext uri="{BB962C8B-B14F-4D97-AF65-F5344CB8AC3E}">
-        <p14:creationId xmlns:p14="http://schemas.microsoft.com/office/powerpoint/2010/main" val="3314244284"/>
-      </p:ext>
-    </p:extLst>
   </p:cSld>
   <p:clrMapOvr>
     <a:masterClrMapping/>
@@ -5088,6 +5040,7 @@
               <a:rPr lang="en-US"/>
               <a:t>Click to edit Master text styles</a:t>
             </a:r>
+            <a:endParaRPr lang="en-US"/>
           </a:p>
         </p:txBody>
       </p:sp>
@@ -5108,7 +5061,6 @@
           <a:p>
             <a:fld id="{FD7AC5BF-86F1-495D-9D33-01F38BC8B725}" type="datetimeFigureOut">
               <a:rPr lang="en-IN" smtClean="0"/>
-              <a:t>22-07-2020</a:t>
             </a:fld>
             <a:endParaRPr lang="en-IN"/>
           </a:p>
@@ -5150,18 +5102,12 @@
           <a:p>
             <a:fld id="{CED509DE-6E5A-4701-B22F-14AE7E9AF877}" type="slidenum">
               <a:rPr lang="en-IN" smtClean="0"/>
-              <a:t>‹#›</a:t>
             </a:fld>
             <a:endParaRPr lang="en-IN"/>
           </a:p>
         </p:txBody>
       </p:sp>
     </p:spTree>
-    <p:extLst>
-      <p:ext uri="{BB962C8B-B14F-4D97-AF65-F5344CB8AC3E}">
-        <p14:creationId xmlns:p14="http://schemas.microsoft.com/office/powerpoint/2010/main" val="487765920"/>
-      </p:ext>
-    </p:extLst>
   </p:cSld>
   <p:clrMapOvr>
     <a:masterClrMapping/>
@@ -5571,6 +5517,7 @@
               <a:rPr lang="en-US"/>
               <a:t>Click to edit Master text styles</a:t>
             </a:r>
+            <a:endParaRPr lang="en-US"/>
           </a:p>
           <a:p>
             <a:pPr lvl="1"/>
@@ -5578,6 +5525,7 @@
               <a:rPr lang="en-US"/>
               <a:t>Second level</a:t>
             </a:r>
+            <a:endParaRPr lang="en-US"/>
           </a:p>
           <a:p>
             <a:pPr lvl="2"/>
@@ -5585,6 +5533,7 @@
               <a:rPr lang="en-US"/>
               <a:t>Third level</a:t>
             </a:r>
+            <a:endParaRPr lang="en-US"/>
           </a:p>
           <a:p>
             <a:pPr lvl="3"/>
@@ -5592,6 +5541,7 @@
               <a:rPr lang="en-US"/>
               <a:t>Fourth level</a:t>
             </a:r>
+            <a:endParaRPr lang="en-US"/>
           </a:p>
           <a:p>
             <a:pPr lvl="4"/>
@@ -5638,7 +5588,6 @@
           <a:p>
             <a:fld id="{FD7AC5BF-86F1-495D-9D33-01F38BC8B725}" type="datetimeFigureOut">
               <a:rPr lang="en-IN" smtClean="0"/>
-              <a:t>22-07-2020</a:t>
             </a:fld>
             <a:endParaRPr lang="en-IN"/>
           </a:p>
@@ -5716,38 +5665,32 @@
           <a:p>
             <a:fld id="{CED509DE-6E5A-4701-B22F-14AE7E9AF877}" type="slidenum">
               <a:rPr lang="en-IN" smtClean="0"/>
-              <a:t>‹#›</a:t>
             </a:fld>
             <a:endParaRPr lang="en-IN"/>
           </a:p>
         </p:txBody>
       </p:sp>
     </p:spTree>
-    <p:extLst>
-      <p:ext uri="{BB962C8B-B14F-4D97-AF65-F5344CB8AC3E}">
-        <p14:creationId xmlns:p14="http://schemas.microsoft.com/office/powerpoint/2010/main" val="192796390"/>
-      </p:ext>
-    </p:extLst>
   </p:cSld>
   <p:clrMap bg1="lt1" tx1="dk1" bg2="lt2" tx2="dk2" accent1="accent1" accent2="accent2" accent3="accent3" accent4="accent4" accent5="accent5" accent6="accent6" hlink="hlink" folHlink="folHlink"/>
   <p:sldLayoutIdLst>
-    <p:sldLayoutId id="2147483679" r:id="rId1"/>
-    <p:sldLayoutId id="2147483680" r:id="rId2"/>
-    <p:sldLayoutId id="2147483681" r:id="rId3"/>
-    <p:sldLayoutId id="2147483682" r:id="rId4"/>
-    <p:sldLayoutId id="2147483683" r:id="rId5"/>
-    <p:sldLayoutId id="2147483684" r:id="rId6"/>
-    <p:sldLayoutId id="2147483685" r:id="rId7"/>
-    <p:sldLayoutId id="2147483686" r:id="rId8"/>
-    <p:sldLayoutId id="2147483687" r:id="rId9"/>
-    <p:sldLayoutId id="2147483688" r:id="rId10"/>
-    <p:sldLayoutId id="2147483689" r:id="rId11"/>
-    <p:sldLayoutId id="2147483690" r:id="rId12"/>
-    <p:sldLayoutId id="2147483691" r:id="rId13"/>
-    <p:sldLayoutId id="2147483692" r:id="rId14"/>
-    <p:sldLayoutId id="2147483693" r:id="rId15"/>
-    <p:sldLayoutId id="2147483694" r:id="rId16"/>
-    <p:sldLayoutId id="2147483695" r:id="rId17"/>
+    <p:sldLayoutId id="2147483649" r:id="rId1"/>
+    <p:sldLayoutId id="2147483650" r:id="rId2"/>
+    <p:sldLayoutId id="2147483651" r:id="rId3"/>
+    <p:sldLayoutId id="2147483652" r:id="rId4"/>
+    <p:sldLayoutId id="2147483653" r:id="rId5"/>
+    <p:sldLayoutId id="2147483654" r:id="rId6"/>
+    <p:sldLayoutId id="2147483655" r:id="rId7"/>
+    <p:sldLayoutId id="2147483656" r:id="rId8"/>
+    <p:sldLayoutId id="2147483657" r:id="rId9"/>
+    <p:sldLayoutId id="2147483658" r:id="rId10"/>
+    <p:sldLayoutId id="2147483659" r:id="rId11"/>
+    <p:sldLayoutId id="2147483660" r:id="rId12"/>
+    <p:sldLayoutId id="2147483661" r:id="rId13"/>
+    <p:sldLayoutId id="2147483662" r:id="rId14"/>
+    <p:sldLayoutId id="2147483663" r:id="rId15"/>
+    <p:sldLayoutId id="2147483664" r:id="rId16"/>
+    <p:sldLayoutId id="2147483665" r:id="rId17"/>
   </p:sldLayoutIdLst>
   <p:txStyles>
     <p:titleStyle>
@@ -5840,7 +5783,7 @@
           </a:schemeClr>
         </a:buClr>
         <a:buSzPct val="145000"/>
-        <a:buFont typeface="Arial"/>
+        <a:buFont typeface="Arial" panose="020B0604020202020204"/>
         <a:buChar char="•"/>
         <a:defRPr sz="2400" kern="1200" cap="none">
           <a:solidFill>
@@ -5865,7 +5808,7 @@
           </a:schemeClr>
         </a:buClr>
         <a:buSzPct val="145000"/>
-        <a:buFont typeface="Arial"/>
+        <a:buFont typeface="Arial" panose="020B0604020202020204"/>
         <a:buChar char="•"/>
         <a:defRPr sz="2000" kern="1200" cap="none">
           <a:solidFill>
@@ -5890,7 +5833,7 @@
           </a:schemeClr>
         </a:buClr>
         <a:buSzPct val="145000"/>
-        <a:buFont typeface="Arial"/>
+        <a:buFont typeface="Arial" panose="020B0604020202020204"/>
         <a:buChar char="•"/>
         <a:defRPr sz="1800" kern="1200" cap="none">
           <a:solidFill>
@@ -5915,7 +5858,7 @@
           </a:schemeClr>
         </a:buClr>
         <a:buSzPct val="145000"/>
-        <a:buFont typeface="Arial"/>
+        <a:buFont typeface="Arial" panose="020B0604020202020204"/>
         <a:buChar char="•"/>
         <a:defRPr sz="1600" kern="1200" cap="none">
           <a:solidFill>
@@ -5940,7 +5883,7 @@
           </a:schemeClr>
         </a:buClr>
         <a:buSzPct val="145000"/>
-        <a:buFont typeface="Arial"/>
+        <a:buFont typeface="Arial" panose="020B0604020202020204"/>
         <a:buChar char="•"/>
         <a:defRPr sz="1400" kern="1200" cap="none">
           <a:solidFill>
@@ -5965,7 +5908,7 @@
           </a:schemeClr>
         </a:buClr>
         <a:buSzPct val="145000"/>
-        <a:buFont typeface="Arial"/>
+        <a:buFont typeface="Arial" panose="020B0604020202020204"/>
         <a:buChar char="•"/>
         <a:defRPr sz="1400" kern="1200" cap="none">
           <a:solidFill>
@@ -5990,7 +5933,7 @@
           </a:schemeClr>
         </a:buClr>
         <a:buSzPct val="145000"/>
-        <a:buFont typeface="Arial"/>
+        <a:buFont typeface="Arial" panose="020B0604020202020204"/>
         <a:buChar char="•"/>
         <a:defRPr sz="1400" kern="1200" cap="none">
           <a:solidFill>
@@ -6015,7 +5958,7 @@
           </a:schemeClr>
         </a:buClr>
         <a:buSzPct val="145000"/>
-        <a:buFont typeface="Arial"/>
+        <a:buFont typeface="Arial" panose="020B0604020202020204"/>
         <a:buChar char="•"/>
         <a:defRPr sz="1400" kern="1200" cap="none">
           <a:solidFill>
@@ -6040,7 +5983,7 @@
           </a:schemeClr>
         </a:buClr>
         <a:buSzPct val="145000"/>
-        <a:buFont typeface="Arial"/>
+        <a:buFont typeface="Arial" panose="020B0604020202020204"/>
         <a:buChar char="•"/>
         <a:defRPr sz="1400" kern="1200" cap="none">
           <a:solidFill>
@@ -6171,13 +6114,7 @@
       </p:grpSpPr>
       <p:sp>
         <p:nvSpPr>
-          <p:cNvPr id="2" name="Title 1">
-            <a:extLst>
-              <a:ext uri="{FF2B5EF4-FFF2-40B4-BE49-F238E27FC236}">
-                <a16:creationId xmlns:a16="http://schemas.microsoft.com/office/drawing/2014/main" id="{FFFEBDDD-1EA2-467F-ADF5-94A0BA3F8140}"/>
-              </a:ext>
-            </a:extLst>
-          </p:cNvPr>
+          <p:cNvPr id="2" name="Title 1"/>
           <p:cNvSpPr>
             <a:spLocks noGrp="1"/>
           </p:cNvSpPr>
@@ -6200,13 +6137,7 @@
       </p:sp>
       <p:sp>
         <p:nvSpPr>
-          <p:cNvPr id="3" name="Subtitle 2">
-            <a:extLst>
-              <a:ext uri="{FF2B5EF4-FFF2-40B4-BE49-F238E27FC236}">
-                <a16:creationId xmlns:a16="http://schemas.microsoft.com/office/drawing/2014/main" id="{DB553BF1-4C5F-40C3-B6AC-6B4830EFBCBE}"/>
-              </a:ext>
-            </a:extLst>
-          </p:cNvPr>
+          <p:cNvPr id="3" name="Subtitle 2"/>
           <p:cNvSpPr>
             <a:spLocks noGrp="1"/>
           </p:cNvSpPr>
@@ -6214,15 +6145,23 @@
             <p:ph type="subTitle" idx="1"/>
           </p:nvPr>
         </p:nvSpPr>
-        <p:spPr/>
-        <p:txBody>
-          <a:bodyPr/>
+        <p:spPr>
+          <a:xfrm>
+            <a:off x="3812540" y="4144010"/>
+            <a:ext cx="7690485" cy="1739900"/>
+          </a:xfrm>
+        </p:spPr>
+        <p:txBody>
+          <a:bodyPr>
+            <a:normAutofit/>
+          </a:bodyPr>
           <a:lstStyle/>
           <a:p>
             <a:r>
               <a:rPr lang="en-IN" dirty="0"/>
               <a:t>Shubham Gupta M190718CS </a:t>
             </a:r>
+            <a:endParaRPr lang="en-IN" dirty="0"/>
           </a:p>
           <a:p>
             <a:r>
@@ -6233,15 +6172,29 @@
               <a:rPr lang="en-IN" dirty="0"/>
               <a:t> Langhe M190737CS</a:t>
             </a:r>
+            <a:endParaRPr lang="en-IN" dirty="0"/>
+          </a:p>
+          <a:p>
+            <a:br>
+              <a:rPr lang="en-IN" dirty="0"/>
+            </a:br>
+            <a:r>
+              <a:rPr lang="en-IN" dirty="0">
+                <a:solidFill>
+                  <a:schemeClr val="accent6"/>
+                </a:solidFill>
+              </a:rPr>
+              <a:t>https://github.com/shubhamg199630/heart_disease_detection</a:t>
+            </a:r>
+            <a:endParaRPr lang="en-IN" dirty="0">
+              <a:solidFill>
+                <a:schemeClr val="accent6"/>
+              </a:solidFill>
+            </a:endParaRPr>
           </a:p>
         </p:txBody>
       </p:sp>
     </p:spTree>
-    <p:extLst>
-      <p:ext uri="{BB962C8B-B14F-4D97-AF65-F5344CB8AC3E}">
-        <p14:creationId xmlns:p14="http://schemas.microsoft.com/office/powerpoint/2010/main" val="1326746367"/>
-      </p:ext>
-    </p:extLst>
   </p:cSld>
   <p:clrMapOvr>
     <a:masterClrMapping/>
@@ -6268,13 +6221,7 @@
       </p:grpSpPr>
       <p:sp>
         <p:nvSpPr>
-          <p:cNvPr id="2" name="Title 1">
-            <a:extLst>
-              <a:ext uri="{FF2B5EF4-FFF2-40B4-BE49-F238E27FC236}">
-                <a16:creationId xmlns:a16="http://schemas.microsoft.com/office/drawing/2014/main" id="{06EEFC6C-96F7-46D4-BCDA-23074730CDED}"/>
-              </a:ext>
-            </a:extLst>
-          </p:cNvPr>
+          <p:cNvPr id="2" name="Title 1"/>
           <p:cNvSpPr>
             <a:spLocks noGrp="1"/>
           </p:cNvSpPr>
@@ -6291,18 +6238,13 @@
               <a:rPr lang="en-IN" dirty="0"/>
               <a:t>a) Exploratory Data Analysis (EDA) </a:t>
             </a:r>
-          </a:p>
-        </p:txBody>
-      </p:sp>
-      <p:sp>
-        <p:nvSpPr>
-          <p:cNvPr id="3" name="Content Placeholder 2">
-            <a:extLst>
-              <a:ext uri="{FF2B5EF4-FFF2-40B4-BE49-F238E27FC236}">
-                <a16:creationId xmlns:a16="http://schemas.microsoft.com/office/drawing/2014/main" id="{D3E5514F-2E9B-4D28-9913-E6518DAD874C}"/>
-              </a:ext>
-            </a:extLst>
-          </p:cNvPr>
+            <a:endParaRPr lang="en-IN" dirty="0"/>
+          </a:p>
+        </p:txBody>
+      </p:sp>
+      <p:sp>
+        <p:nvSpPr>
+          <p:cNvPr id="3" name="Content Placeholder 2"/>
           <p:cNvSpPr>
             <a:spLocks noGrp="1"/>
           </p:cNvSpPr>
@@ -6321,45 +6263,46 @@
               <a:rPr lang="en-IN" dirty="0"/>
               <a:t>The goal here is to find out more about the data and become a subject matter export on the dataset we are working with.</a:t>
             </a:r>
+            <a:endParaRPr lang="en-IN" dirty="0"/>
           </a:p>
           <a:p>
             <a:r>
               <a:rPr lang="en-IN" dirty="0"/>
               <a:t>1. What question(s) are you trying to solve?</a:t>
             </a:r>
+            <a:endParaRPr lang="en-IN" dirty="0"/>
           </a:p>
           <a:p>
             <a:r>
               <a:rPr lang="en-IN" dirty="0"/>
               <a:t>2. What kind of data do we have and how do we treat different types? Etc.</a:t>
             </a:r>
+            <a:endParaRPr lang="en-IN" dirty="0"/>
           </a:p>
           <a:p>
             <a:r>
               <a:rPr lang="en-IN" dirty="0"/>
               <a:t>3. How can you add, change or remove features to get more out of your data. Etc</a:t>
             </a:r>
+            <a:endParaRPr lang="en-IN" dirty="0"/>
           </a:p>
           <a:p>
             <a:r>
               <a:rPr lang="en-IN" dirty="0"/>
               <a:t>4. What's missing from the data and how do you deal with it?</a:t>
             </a:r>
+            <a:endParaRPr lang="en-IN" dirty="0"/>
           </a:p>
           <a:p>
             <a:r>
               <a:rPr lang="en-IN" dirty="0"/>
               <a:t>5. Where are the outliers and why should you care about them?</a:t>
             </a:r>
+            <a:endParaRPr lang="en-IN" dirty="0"/>
           </a:p>
         </p:txBody>
       </p:sp>
     </p:spTree>
-    <p:extLst>
-      <p:ext uri="{BB962C8B-B14F-4D97-AF65-F5344CB8AC3E}">
-        <p14:creationId xmlns:p14="http://schemas.microsoft.com/office/powerpoint/2010/main" val="1469680043"/>
-      </p:ext>
-    </p:extLst>
   </p:cSld>
   <p:clrMapOvr>
     <a:masterClrMapping/>
@@ -6386,13 +6329,7 @@
       </p:grpSpPr>
       <p:sp>
         <p:nvSpPr>
-          <p:cNvPr id="2" name="Title 1">
-            <a:extLst>
-              <a:ext uri="{FF2B5EF4-FFF2-40B4-BE49-F238E27FC236}">
-                <a16:creationId xmlns:a16="http://schemas.microsoft.com/office/drawing/2014/main" id="{6E6E308D-7EA1-446E-B2EB-EBD563A0D318}"/>
-              </a:ext>
-            </a:extLst>
-          </p:cNvPr>
+          <p:cNvPr id="2" name="Title 1"/>
           <p:cNvSpPr>
             <a:spLocks noGrp="1"/>
           </p:cNvSpPr>
@@ -6418,13 +6355,7 @@
       </p:sp>
       <p:sp>
         <p:nvSpPr>
-          <p:cNvPr id="3" name="Content Placeholder 2">
-            <a:extLst>
-              <a:ext uri="{FF2B5EF4-FFF2-40B4-BE49-F238E27FC236}">
-                <a16:creationId xmlns:a16="http://schemas.microsoft.com/office/drawing/2014/main" id="{6CF55412-1A41-4513-98FE-E29B0F848F59}"/>
-              </a:ext>
-            </a:extLst>
-          </p:cNvPr>
+          <p:cNvPr id="3" name="Content Placeholder 2"/>
           <p:cNvSpPr>
             <a:spLocks noGrp="1"/>
           </p:cNvSpPr>
@@ -6448,36 +6379,35 @@
               <a:rPr lang="en-IN" dirty="0"/>
               <a:t>Pre-processing refers to the transformations applied to our data before feeding it to the algorithm.</a:t>
             </a:r>
+            <a:endParaRPr lang="en-IN" dirty="0"/>
           </a:p>
           <a:p>
             <a:r>
               <a:rPr lang="en-IN" dirty="0"/>
               <a:t> Main aim of Data Pre-processing is to remove unnecessary values, so that it can be given as input to your machine learning algorithm. </a:t>
             </a:r>
+            <a:endParaRPr lang="en-IN" dirty="0"/>
           </a:p>
           <a:p>
             <a:r>
               <a:rPr lang="en-IN" dirty="0"/>
               <a:t>For achieving better results from the applied model in Machine Learning projects the format of the data has to be in a proper manner. </a:t>
             </a:r>
+            <a:endParaRPr lang="en-IN" dirty="0"/>
           </a:p>
           <a:p>
             <a:r>
               <a:rPr lang="en-IN" dirty="0"/>
               <a:t>Some specified Machine Learning model needs information in a specified format, for example, Random Forest algorithm does not support null values.</a:t>
             </a:r>
-          </a:p>
-          <a:p>
             <a:endParaRPr lang="en-IN" dirty="0"/>
           </a:p>
+          <a:p>
+            <a:endParaRPr lang="en-IN" dirty="0"/>
+          </a:p>
         </p:txBody>
       </p:sp>
     </p:spTree>
-    <p:extLst>
-      <p:ext uri="{BB962C8B-B14F-4D97-AF65-F5344CB8AC3E}">
-        <p14:creationId xmlns:p14="http://schemas.microsoft.com/office/powerpoint/2010/main" val="3057159246"/>
-      </p:ext>
-    </p:extLst>
   </p:cSld>
   <p:clrMapOvr>
     <a:masterClrMapping/>
@@ -6504,13 +6434,7 @@
       </p:grpSpPr>
       <p:sp>
         <p:nvSpPr>
-          <p:cNvPr id="2" name="Title 1">
-            <a:extLst>
-              <a:ext uri="{FF2B5EF4-FFF2-40B4-BE49-F238E27FC236}">
-                <a16:creationId xmlns:a16="http://schemas.microsoft.com/office/drawing/2014/main" id="{F2DE4907-95EB-44D6-9D0B-B22CFF777D6E}"/>
-              </a:ext>
-            </a:extLst>
-          </p:cNvPr>
+          <p:cNvPr id="2" name="Title 1"/>
           <p:cNvSpPr>
             <a:spLocks noGrp="1"/>
           </p:cNvSpPr>
@@ -6535,13 +6459,7 @@
       </p:sp>
       <p:sp>
         <p:nvSpPr>
-          <p:cNvPr id="3" name="Content Placeholder 2">
-            <a:extLst>
-              <a:ext uri="{FF2B5EF4-FFF2-40B4-BE49-F238E27FC236}">
-                <a16:creationId xmlns:a16="http://schemas.microsoft.com/office/drawing/2014/main" id="{DE66C578-7006-4980-A8B3-7D9D1996CCB1}"/>
-              </a:ext>
-            </a:extLst>
-          </p:cNvPr>
+          <p:cNvPr id="3" name="Content Placeholder 2"/>
           <p:cNvSpPr>
             <a:spLocks noGrp="1"/>
           </p:cNvSpPr>
@@ -6571,24 +6489,28 @@
               <a:rPr lang="en-IN" dirty="0"/>
               <a:t>     This is the main part of the project. </a:t>
             </a:r>
+            <a:endParaRPr lang="en-IN" dirty="0"/>
           </a:p>
           <a:p>
             <a:r>
               <a:rPr lang="en-IN" dirty="0"/>
               <a:t>Here dataset is divided into 3 parts, Training, testing, and validation. </a:t>
             </a:r>
+            <a:endParaRPr lang="en-IN" dirty="0"/>
           </a:p>
           <a:p>
             <a:r>
               <a:rPr lang="en-IN" dirty="0"/>
               <a:t>We will train our model using Training data set. Ratio of training to testing dataset is 80:20.</a:t>
             </a:r>
+            <a:endParaRPr lang="en-IN" dirty="0"/>
           </a:p>
           <a:p>
             <a:r>
               <a:rPr lang="en-IN" dirty="0"/>
               <a:t> Using that we test our model using testing dataset and validating. </a:t>
             </a:r>
+            <a:endParaRPr lang="en-IN" dirty="0"/>
           </a:p>
           <a:p>
             <a:r>
@@ -6611,24 +6533,21 @@
               <a:rPr lang="en-IN" b="1" dirty="0"/>
               <a:t> </a:t>
             </a:r>
+            <a:endParaRPr lang="en-IN" b="1" dirty="0"/>
           </a:p>
           <a:p>
             <a:r>
               <a:rPr lang="en-IN" dirty="0"/>
               <a:t>More the accuracy more is the accuracy of the results we can get. After that we make model for general input.</a:t>
             </a:r>
-          </a:p>
-          <a:p>
             <a:endParaRPr lang="en-IN" dirty="0"/>
           </a:p>
+          <a:p>
+            <a:endParaRPr lang="en-IN" dirty="0"/>
+          </a:p>
         </p:txBody>
       </p:sp>
     </p:spTree>
-    <p:extLst>
-      <p:ext uri="{BB962C8B-B14F-4D97-AF65-F5344CB8AC3E}">
-        <p14:creationId xmlns:p14="http://schemas.microsoft.com/office/powerpoint/2010/main" val="2044974816"/>
-      </p:ext>
-    </p:extLst>
   </p:cSld>
   <p:clrMapOvr>
     <a:masterClrMapping/>
@@ -6655,13 +6574,7 @@
       </p:grpSpPr>
       <p:sp>
         <p:nvSpPr>
-          <p:cNvPr id="2" name="Title 1">
-            <a:extLst>
-              <a:ext uri="{FF2B5EF4-FFF2-40B4-BE49-F238E27FC236}">
-                <a16:creationId xmlns:a16="http://schemas.microsoft.com/office/drawing/2014/main" id="{30E13758-D2AF-4324-8A92-9646FB34048A}"/>
-              </a:ext>
-            </a:extLst>
-          </p:cNvPr>
+          <p:cNvPr id="2" name="Title 1"/>
           <p:cNvSpPr>
             <a:spLocks noGrp="1"/>
           </p:cNvSpPr>
@@ -6688,11 +6601,6 @@
         </p:txBody>
       </p:sp>
     </p:spTree>
-    <p:extLst>
-      <p:ext uri="{BB962C8B-B14F-4D97-AF65-F5344CB8AC3E}">
-        <p14:creationId xmlns:p14="http://schemas.microsoft.com/office/powerpoint/2010/main" val="2977149108"/>
-      </p:ext>
-    </p:extLst>
   </p:cSld>
   <p:clrMapOvr>
     <a:masterClrMapping/>
@@ -6719,13 +6627,7 @@
       </p:grpSpPr>
       <p:sp>
         <p:nvSpPr>
-          <p:cNvPr id="2" name="Title 1">
-            <a:extLst>
-              <a:ext uri="{FF2B5EF4-FFF2-40B4-BE49-F238E27FC236}">
-                <a16:creationId xmlns:a16="http://schemas.microsoft.com/office/drawing/2014/main" id="{AC3500C2-A7CA-473E-96CA-E246999B5E4E}"/>
-              </a:ext>
-            </a:extLst>
-          </p:cNvPr>
+          <p:cNvPr id="2" name="Title 1"/>
           <p:cNvSpPr>
             <a:spLocks noGrp="1"/>
           </p:cNvSpPr>
@@ -6742,18 +6644,13 @@
               <a:rPr lang="en-IN" dirty="0"/>
               <a:t>WORK PLANS</a:t>
             </a:r>
-          </a:p>
-        </p:txBody>
-      </p:sp>
-      <p:sp>
-        <p:nvSpPr>
-          <p:cNvPr id="3" name="Content Placeholder 2">
-            <a:extLst>
-              <a:ext uri="{FF2B5EF4-FFF2-40B4-BE49-F238E27FC236}">
-                <a16:creationId xmlns:a16="http://schemas.microsoft.com/office/drawing/2014/main" id="{DBD60076-E060-4903-A511-2D390B787CBC}"/>
-              </a:ext>
-            </a:extLst>
-          </p:cNvPr>
+            <a:endParaRPr lang="en-IN" dirty="0"/>
+          </a:p>
+        </p:txBody>
+      </p:sp>
+      <p:sp>
+        <p:nvSpPr>
+          <p:cNvPr id="3" name="Content Placeholder 2"/>
           <p:cNvSpPr>
             <a:spLocks noGrp="1"/>
           </p:cNvSpPr>
@@ -6773,6 +6670,7 @@
               <a:rPr lang="en-GB" dirty="0"/>
               <a:t>We divided work as follows-</a:t>
             </a:r>
+            <a:endParaRPr lang="en-GB" dirty="0"/>
           </a:p>
           <a:p>
             <a:r>
@@ -6787,18 +6685,21 @@
               <a:rPr lang="en-IN" i="1" dirty="0"/>
               <a:t>)-Data Analysis</a:t>
             </a:r>
+            <a:endParaRPr lang="en-IN" i="1" dirty="0"/>
           </a:p>
           <a:p>
             <a:r>
               <a:rPr lang="en-IN" i="1" dirty="0"/>
               <a:t>(ii)- Data Pre-processing</a:t>
             </a:r>
+            <a:endParaRPr lang="en-IN" i="1" dirty="0"/>
           </a:p>
           <a:p>
             <a:r>
               <a:rPr lang="en-IN" i="1" dirty="0"/>
               <a:t>(iii)- Building an actual system</a:t>
             </a:r>
+            <a:endParaRPr lang="en-IN" i="1" dirty="0"/>
           </a:p>
           <a:p>
             <a:r>
@@ -6810,11 +6711,6 @@
         </p:txBody>
       </p:sp>
     </p:spTree>
-    <p:extLst>
-      <p:ext uri="{BB962C8B-B14F-4D97-AF65-F5344CB8AC3E}">
-        <p14:creationId xmlns:p14="http://schemas.microsoft.com/office/powerpoint/2010/main" val="671523211"/>
-      </p:ext>
-    </p:extLst>
   </p:cSld>
   <p:clrMapOvr>
     <a:masterClrMapping/>
@@ -6841,13 +6737,7 @@
       </p:grpSpPr>
       <p:sp>
         <p:nvSpPr>
-          <p:cNvPr id="2" name="Title 1">
-            <a:extLst>
-              <a:ext uri="{FF2B5EF4-FFF2-40B4-BE49-F238E27FC236}">
-                <a16:creationId xmlns:a16="http://schemas.microsoft.com/office/drawing/2014/main" id="{D40FAC1B-2174-46B3-8E96-2A5D5ECA4E76}"/>
-              </a:ext>
-            </a:extLst>
-          </p:cNvPr>
+          <p:cNvPr id="2" name="Title 1"/>
           <p:cNvSpPr>
             <a:spLocks noGrp="1"/>
           </p:cNvSpPr>
@@ -6870,13 +6760,7 @@
       </p:sp>
       <p:sp>
         <p:nvSpPr>
-          <p:cNvPr id="3" name="Content Placeholder 2">
-            <a:extLst>
-              <a:ext uri="{FF2B5EF4-FFF2-40B4-BE49-F238E27FC236}">
-                <a16:creationId xmlns:a16="http://schemas.microsoft.com/office/drawing/2014/main" id="{68023F19-EAF5-47B9-A424-A57B93DB6550}"/>
-              </a:ext>
-            </a:extLst>
-          </p:cNvPr>
+          <p:cNvPr id="3" name="Content Placeholder 2"/>
           <p:cNvSpPr>
             <a:spLocks noGrp="1"/>
           </p:cNvSpPr>
@@ -6893,15 +6777,11 @@
               <a:rPr lang="en-IN" dirty="0"/>
               <a:t>Based on the dataset, we are deciding the kind of clusters we are going to need for prediction, their limits and how the overall differentiation of dataset is going to be.</a:t>
             </a:r>
+            <a:endParaRPr lang="en-IN" dirty="0"/>
           </a:p>
         </p:txBody>
       </p:sp>
     </p:spTree>
-    <p:extLst>
-      <p:ext uri="{BB962C8B-B14F-4D97-AF65-F5344CB8AC3E}">
-        <p14:creationId xmlns:p14="http://schemas.microsoft.com/office/powerpoint/2010/main" val="1100461239"/>
-      </p:ext>
-    </p:extLst>
   </p:cSld>
   <p:clrMapOvr>
     <a:masterClrMapping/>
@@ -6928,13 +6808,7 @@
       </p:grpSpPr>
       <p:sp>
         <p:nvSpPr>
-          <p:cNvPr id="2" name="Title 1">
-            <a:extLst>
-              <a:ext uri="{FF2B5EF4-FFF2-40B4-BE49-F238E27FC236}">
-                <a16:creationId xmlns:a16="http://schemas.microsoft.com/office/drawing/2014/main" id="{ED6BBDEF-BBFD-449A-85A6-03ECD822C07E}"/>
-              </a:ext>
-            </a:extLst>
-          </p:cNvPr>
+          <p:cNvPr id="2" name="Title 1"/>
           <p:cNvSpPr>
             <a:spLocks noGrp="1"/>
           </p:cNvSpPr>
@@ -6960,13 +6834,7 @@
       </p:sp>
       <p:sp>
         <p:nvSpPr>
-          <p:cNvPr id="3" name="Content Placeholder 2">
-            <a:extLst>
-              <a:ext uri="{FF2B5EF4-FFF2-40B4-BE49-F238E27FC236}">
-                <a16:creationId xmlns:a16="http://schemas.microsoft.com/office/drawing/2014/main" id="{9E87C8E8-8D69-4F4A-8BF4-32231E03FF05}"/>
-              </a:ext>
-            </a:extLst>
-          </p:cNvPr>
+          <p:cNvPr id="3" name="Content Placeholder 2"/>
           <p:cNvSpPr>
             <a:spLocks noGrp="1"/>
           </p:cNvSpPr>
@@ -6988,15 +6856,11 @@
               <a:rPr lang="en-IN" dirty="0"/>
               <a:t>This includes bringing the data in the form which is required by the machine learning algorithm.</a:t>
             </a:r>
+            <a:endParaRPr lang="en-IN" dirty="0"/>
           </a:p>
         </p:txBody>
       </p:sp>
     </p:spTree>
-    <p:extLst>
-      <p:ext uri="{BB962C8B-B14F-4D97-AF65-F5344CB8AC3E}">
-        <p14:creationId xmlns:p14="http://schemas.microsoft.com/office/powerpoint/2010/main" val="1492525562"/>
-      </p:ext>
-    </p:extLst>
   </p:cSld>
   <p:clrMapOvr>
     <a:masterClrMapping/>
@@ -7023,13 +6887,7 @@
       </p:grpSpPr>
       <p:sp>
         <p:nvSpPr>
-          <p:cNvPr id="2" name="Title 1">
-            <a:extLst>
-              <a:ext uri="{FF2B5EF4-FFF2-40B4-BE49-F238E27FC236}">
-                <a16:creationId xmlns:a16="http://schemas.microsoft.com/office/drawing/2014/main" id="{32C23998-81BC-46F7-862F-41A84DEDDD6A}"/>
-              </a:ext>
-            </a:extLst>
-          </p:cNvPr>
+          <p:cNvPr id="2" name="Title 1"/>
           <p:cNvSpPr>
             <a:spLocks noGrp="1"/>
           </p:cNvSpPr>
@@ -7055,13 +6913,7 @@
       </p:sp>
       <p:sp>
         <p:nvSpPr>
-          <p:cNvPr id="3" name="Content Placeholder 2">
-            <a:extLst>
-              <a:ext uri="{FF2B5EF4-FFF2-40B4-BE49-F238E27FC236}">
-                <a16:creationId xmlns:a16="http://schemas.microsoft.com/office/drawing/2014/main" id="{76629E6C-D6C5-4F99-A592-9CB004E4ABC7}"/>
-              </a:ext>
-            </a:extLst>
-          </p:cNvPr>
+          <p:cNvPr id="3" name="Content Placeholder 2"/>
           <p:cNvSpPr>
             <a:spLocks noGrp="1"/>
           </p:cNvSpPr>
@@ -7083,15 +6935,11 @@
               <a:rPr lang="en-IN" dirty="0"/>
               <a:t>This includes building and implementing machine learning algorithm for detecting chances of heart diseases.</a:t>
             </a:r>
+            <a:endParaRPr lang="en-IN" dirty="0"/>
           </a:p>
         </p:txBody>
       </p:sp>
     </p:spTree>
-    <p:extLst>
-      <p:ext uri="{BB962C8B-B14F-4D97-AF65-F5344CB8AC3E}">
-        <p14:creationId xmlns:p14="http://schemas.microsoft.com/office/powerpoint/2010/main" val="4220672783"/>
-      </p:ext>
-    </p:extLst>
   </p:cSld>
   <p:clrMapOvr>
     <a:masterClrMapping/>
@@ -7118,13 +6966,7 @@
       </p:grpSpPr>
       <p:sp>
         <p:nvSpPr>
-          <p:cNvPr id="2" name="Title 1">
-            <a:extLst>
-              <a:ext uri="{FF2B5EF4-FFF2-40B4-BE49-F238E27FC236}">
-                <a16:creationId xmlns:a16="http://schemas.microsoft.com/office/drawing/2014/main" id="{5A479B62-17B8-406D-8D04-285F80E4A44F}"/>
-              </a:ext>
-            </a:extLst>
-          </p:cNvPr>
+          <p:cNvPr id="2" name="Title 1"/>
           <p:cNvSpPr>
             <a:spLocks noGrp="1"/>
           </p:cNvSpPr>
@@ -7151,13 +6993,7 @@
       </p:sp>
       <p:sp>
         <p:nvSpPr>
-          <p:cNvPr id="3" name="Content Placeholder 2">
-            <a:extLst>
-              <a:ext uri="{FF2B5EF4-FFF2-40B4-BE49-F238E27FC236}">
-                <a16:creationId xmlns:a16="http://schemas.microsoft.com/office/drawing/2014/main" id="{FE9A4265-1CC3-4BCB-86B1-912B7B975ED1}"/>
-              </a:ext>
-            </a:extLst>
-          </p:cNvPr>
+          <p:cNvPr id="3" name="Content Placeholder 2"/>
           <p:cNvSpPr>
             <a:spLocks noGrp="1"/>
           </p:cNvSpPr>
@@ -7174,18 +7010,14 @@
               <a:rPr lang="en-IN" dirty="0"/>
               <a:t>This includes testing the system in different scenarios and cases and completing the final report</a:t>
             </a:r>
-          </a:p>
-          <a:p>
             <a:endParaRPr lang="en-IN" dirty="0"/>
           </a:p>
+          <a:p>
+            <a:endParaRPr lang="en-IN" dirty="0"/>
+          </a:p>
         </p:txBody>
       </p:sp>
     </p:spTree>
-    <p:extLst>
-      <p:ext uri="{BB962C8B-B14F-4D97-AF65-F5344CB8AC3E}">
-        <p14:creationId xmlns:p14="http://schemas.microsoft.com/office/powerpoint/2010/main" val="2282334072"/>
-      </p:ext>
-    </p:extLst>
   </p:cSld>
   <p:clrMapOvr>
     <a:masterClrMapping/>
@@ -7212,13 +7044,7 @@
       </p:grpSpPr>
       <p:sp>
         <p:nvSpPr>
-          <p:cNvPr id="2" name="Title 1">
-            <a:extLst>
-              <a:ext uri="{FF2B5EF4-FFF2-40B4-BE49-F238E27FC236}">
-                <a16:creationId xmlns:a16="http://schemas.microsoft.com/office/drawing/2014/main" id="{6A76A77A-9B10-412C-ADEC-87E3876A1E9D}"/>
-              </a:ext>
-            </a:extLst>
-          </p:cNvPr>
+          <p:cNvPr id="2" name="Title 1"/>
           <p:cNvSpPr>
             <a:spLocks noGrp="1"/>
           </p:cNvSpPr>
@@ -7248,11 +7074,6 @@
         </p:txBody>
       </p:sp>
     </p:spTree>
-    <p:extLst>
-      <p:ext uri="{BB962C8B-B14F-4D97-AF65-F5344CB8AC3E}">
-        <p14:creationId xmlns:p14="http://schemas.microsoft.com/office/powerpoint/2010/main" val="1219842955"/>
-      </p:ext>
-    </p:extLst>
   </p:cSld>
   <p:clrMapOvr>
     <a:masterClrMapping/>
@@ -7279,13 +7100,7 @@
       </p:grpSpPr>
       <p:sp>
         <p:nvSpPr>
-          <p:cNvPr id="2" name="Title 1">
-            <a:extLst>
-              <a:ext uri="{FF2B5EF4-FFF2-40B4-BE49-F238E27FC236}">
-                <a16:creationId xmlns:a16="http://schemas.microsoft.com/office/drawing/2014/main" id="{13199F02-763C-4CDA-9BCB-9BE308E8171A}"/>
-              </a:ext>
-            </a:extLst>
-          </p:cNvPr>
+          <p:cNvPr id="2" name="Title 1"/>
           <p:cNvSpPr>
             <a:spLocks noGrp="1"/>
           </p:cNvSpPr>
@@ -7302,18 +7117,13 @@
               <a:rPr lang="en-IN" dirty="0"/>
               <a:t>Motive</a:t>
             </a:r>
-          </a:p>
-        </p:txBody>
-      </p:sp>
-      <p:sp>
-        <p:nvSpPr>
-          <p:cNvPr id="3" name="Content Placeholder 2">
-            <a:extLst>
-              <a:ext uri="{FF2B5EF4-FFF2-40B4-BE49-F238E27FC236}">
-                <a16:creationId xmlns:a16="http://schemas.microsoft.com/office/drawing/2014/main" id="{FB91EA84-E869-4AA5-A115-1A08A183F41F}"/>
-              </a:ext>
-            </a:extLst>
-          </p:cNvPr>
+            <a:endParaRPr lang="en-IN" dirty="0"/>
+          </a:p>
+        </p:txBody>
+      </p:sp>
+      <p:sp>
+        <p:nvSpPr>
+          <p:cNvPr id="3" name="Content Placeholder 2"/>
           <p:cNvSpPr>
             <a:spLocks noGrp="1"/>
           </p:cNvSpPr>
@@ -7335,12 +7145,14 @@
               <a:rPr lang="en-IN" dirty="0"/>
               <a:t>Heart diseases can be predicted beforehand and can be prevented in an early stage.</a:t>
             </a:r>
+            <a:endParaRPr lang="en-IN" dirty="0"/>
           </a:p>
           <a:p>
             <a:r>
               <a:rPr lang="en-IN" dirty="0"/>
               <a:t>However, test like ECG are quite costly.</a:t>
             </a:r>
+            <a:endParaRPr lang="en-IN" dirty="0"/>
           </a:p>
           <a:p>
             <a:r>
@@ -7355,11 +7167,6 @@
         </p:txBody>
       </p:sp>
     </p:spTree>
-    <p:extLst>
-      <p:ext uri="{BB962C8B-B14F-4D97-AF65-F5344CB8AC3E}">
-        <p14:creationId xmlns:p14="http://schemas.microsoft.com/office/powerpoint/2010/main" val="3665073800"/>
-      </p:ext>
-    </p:extLst>
   </p:cSld>
   <p:clrMapOvr>
     <a:masterClrMapping/>
@@ -7386,13 +7193,7 @@
       </p:grpSpPr>
       <p:sp>
         <p:nvSpPr>
-          <p:cNvPr id="2" name="Title 1">
-            <a:extLst>
-              <a:ext uri="{FF2B5EF4-FFF2-40B4-BE49-F238E27FC236}">
-                <a16:creationId xmlns:a16="http://schemas.microsoft.com/office/drawing/2014/main" id="{3E46BDFD-7A0F-4C9C-92B5-98BE0F6546C2}"/>
-              </a:ext>
-            </a:extLst>
-          </p:cNvPr>
+          <p:cNvPr id="2" name="Title 1"/>
           <p:cNvSpPr>
             <a:spLocks noGrp="1"/>
           </p:cNvSpPr>
@@ -7415,13 +7216,7 @@
       </p:sp>
       <p:sp>
         <p:nvSpPr>
-          <p:cNvPr id="3" name="Content Placeholder 2">
-            <a:extLst>
-              <a:ext uri="{FF2B5EF4-FFF2-40B4-BE49-F238E27FC236}">
-                <a16:creationId xmlns:a16="http://schemas.microsoft.com/office/drawing/2014/main" id="{75AF520C-2A67-4C38-A024-F15B2FCA192D}"/>
-              </a:ext>
-            </a:extLst>
-          </p:cNvPr>
+          <p:cNvPr id="3" name="Content Placeholder 2"/>
           <p:cNvSpPr>
             <a:spLocks noGrp="1"/>
           </p:cNvSpPr>
@@ -7474,11 +7269,6 @@
         </p:txBody>
       </p:sp>
     </p:spTree>
-    <p:extLst>
-      <p:ext uri="{BB962C8B-B14F-4D97-AF65-F5344CB8AC3E}">
-        <p14:creationId xmlns:p14="http://schemas.microsoft.com/office/powerpoint/2010/main" val="2224364144"/>
-      </p:ext>
-    </p:extLst>
   </p:cSld>
   <p:clrMapOvr>
     <a:masterClrMapping/>
@@ -7505,13 +7295,7 @@
       </p:grpSpPr>
       <p:sp>
         <p:nvSpPr>
-          <p:cNvPr id="2" name="Title 1">
-            <a:extLst>
-              <a:ext uri="{FF2B5EF4-FFF2-40B4-BE49-F238E27FC236}">
-                <a16:creationId xmlns:a16="http://schemas.microsoft.com/office/drawing/2014/main" id="{AD7BDB47-96A1-4F7C-813E-CF3DA508613C}"/>
-              </a:ext>
-            </a:extLst>
-          </p:cNvPr>
+          <p:cNvPr id="2" name="Title 1"/>
           <p:cNvSpPr>
             <a:spLocks noGrp="1"/>
           </p:cNvSpPr>
@@ -7539,13 +7323,7 @@
       </p:sp>
       <p:pic>
         <p:nvPicPr>
-          <p:cNvPr id="5" name="Content Placeholder 4">
-            <a:extLst>
-              <a:ext uri="{FF2B5EF4-FFF2-40B4-BE49-F238E27FC236}">
-                <a16:creationId xmlns:a16="http://schemas.microsoft.com/office/drawing/2014/main" id="{DB9E1FE7-837F-4090-A923-5CF723C9D9D8}"/>
-              </a:ext>
-            </a:extLst>
-          </p:cNvPr>
+          <p:cNvPr id="5" name="Content Placeholder 4"/>
           <p:cNvPicPr>
             <a:picLocks noGrp="1" noChangeAspect="1"/>
           </p:cNvPicPr>
@@ -7554,7 +7332,7 @@
           </p:nvPr>
         </p:nvPicPr>
         <p:blipFill>
-          <a:blip r:embed="rId2">
+          <a:blip r:embed="rId1">
             <a:extLst>
               <a:ext uri="{28A0092B-C50C-407E-A947-70E740481C1C}">
                 <a14:useLocalDpi xmlns:a14="http://schemas.microsoft.com/office/drawing/2010/main" val="0"/>
@@ -7574,13 +7352,7 @@
       </p:pic>
       <p:sp>
         <p:nvSpPr>
-          <p:cNvPr id="6" name="Content Placeholder 5">
-            <a:extLst>
-              <a:ext uri="{FF2B5EF4-FFF2-40B4-BE49-F238E27FC236}">
-                <a16:creationId xmlns:a16="http://schemas.microsoft.com/office/drawing/2014/main" id="{C06943B6-D029-4A62-9B3C-8CCF28D3B7D9}"/>
-              </a:ext>
-            </a:extLst>
-          </p:cNvPr>
+          <p:cNvPr id="6" name="Content Placeholder 5"/>
           <p:cNvSpPr>
             <a:spLocks noGrp="1"/>
           </p:cNvSpPr>
@@ -7602,21 +7374,18 @@
               <a:rPr lang="en-IN" dirty="0"/>
               <a:t>This method predicts based on the  relationship between given datapoint and  datapoints in the trained set.</a:t>
             </a:r>
+            <a:endParaRPr lang="en-IN" dirty="0"/>
           </a:p>
           <a:p>
             <a:r>
               <a:rPr lang="en-IN" dirty="0"/>
               <a:t>In our case, it finds variation of given sample of clinical results with the trained data set. </a:t>
             </a:r>
+            <a:endParaRPr lang="en-IN" dirty="0"/>
           </a:p>
         </p:txBody>
       </p:sp>
     </p:spTree>
-    <p:extLst>
-      <p:ext uri="{BB962C8B-B14F-4D97-AF65-F5344CB8AC3E}">
-        <p14:creationId xmlns:p14="http://schemas.microsoft.com/office/powerpoint/2010/main" val="1672974180"/>
-      </p:ext>
-    </p:extLst>
   </p:cSld>
   <p:clrMapOvr>
     <a:masterClrMapping/>
@@ -7643,13 +7412,7 @@
       </p:grpSpPr>
       <p:sp>
         <p:nvSpPr>
-          <p:cNvPr id="2" name="Title 1">
-            <a:extLst>
-              <a:ext uri="{FF2B5EF4-FFF2-40B4-BE49-F238E27FC236}">
-                <a16:creationId xmlns:a16="http://schemas.microsoft.com/office/drawing/2014/main" id="{7955A2D2-7B3D-4291-AFF2-F44F1ACF1727}"/>
-              </a:ext>
-            </a:extLst>
-          </p:cNvPr>
+          <p:cNvPr id="2" name="Title 1"/>
           <p:cNvSpPr>
             <a:spLocks noGrp="1"/>
           </p:cNvSpPr>
@@ -7686,13 +7449,7 @@
       </p:sp>
       <p:pic>
         <p:nvPicPr>
-          <p:cNvPr id="5" name="Content Placeholder 4">
-            <a:extLst>
-              <a:ext uri="{FF2B5EF4-FFF2-40B4-BE49-F238E27FC236}">
-                <a16:creationId xmlns:a16="http://schemas.microsoft.com/office/drawing/2014/main" id="{285BDD63-CD56-4394-8E9D-F9F33AC47CBC}"/>
-              </a:ext>
-            </a:extLst>
-          </p:cNvPr>
+          <p:cNvPr id="5" name="Content Placeholder 4"/>
           <p:cNvPicPr>
             <a:picLocks noGrp="1" noChangeAspect="1"/>
           </p:cNvPicPr>
@@ -7701,7 +7458,7 @@
           </p:nvPr>
         </p:nvPicPr>
         <p:blipFill>
-          <a:blip r:embed="rId2">
+          <a:blip r:embed="rId1">
             <a:extLst>
               <a:ext uri="{28A0092B-C50C-407E-A947-70E740481C1C}">
                 <a14:useLocalDpi xmlns:a14="http://schemas.microsoft.com/office/drawing/2010/main" val="0"/>
@@ -7720,11 +7477,6 @@
         </p:spPr>
       </p:pic>
     </p:spTree>
-    <p:extLst>
-      <p:ext uri="{BB962C8B-B14F-4D97-AF65-F5344CB8AC3E}">
-        <p14:creationId xmlns:p14="http://schemas.microsoft.com/office/powerpoint/2010/main" val="3701904968"/>
-      </p:ext>
-    </p:extLst>
   </p:cSld>
   <p:clrMapOvr>
     <a:masterClrMapping/>
@@ -7751,13 +7503,7 @@
       </p:grpSpPr>
       <p:sp>
         <p:nvSpPr>
-          <p:cNvPr id="2" name="Title 1">
-            <a:extLst>
-              <a:ext uri="{FF2B5EF4-FFF2-40B4-BE49-F238E27FC236}">
-                <a16:creationId xmlns:a16="http://schemas.microsoft.com/office/drawing/2014/main" id="{3F639FFF-CC3F-4987-9C0E-B7AD3DBD1336}"/>
-              </a:ext>
-            </a:extLst>
-          </p:cNvPr>
+          <p:cNvPr id="2" name="Title 1"/>
           <p:cNvSpPr>
             <a:spLocks noGrp="1"/>
           </p:cNvSpPr>
@@ -7774,18 +7520,13 @@
               <a:rPr lang="en-IN" dirty="0"/>
               <a:t>K- Nearest Neighbour</a:t>
             </a:r>
-          </a:p>
-        </p:txBody>
-      </p:sp>
-      <p:sp>
-        <p:nvSpPr>
-          <p:cNvPr id="3" name="Content Placeholder 2">
-            <a:extLst>
-              <a:ext uri="{FF2B5EF4-FFF2-40B4-BE49-F238E27FC236}">
-                <a16:creationId xmlns:a16="http://schemas.microsoft.com/office/drawing/2014/main" id="{AF4CA264-179D-4CCD-A7AC-6E7D0FC67D44}"/>
-              </a:ext>
-            </a:extLst>
-          </p:cNvPr>
+            <a:endParaRPr lang="en-IN" dirty="0"/>
+          </a:p>
+        </p:txBody>
+      </p:sp>
+      <p:sp>
+        <p:nvSpPr>
+          <p:cNvPr id="3" name="Content Placeholder 2"/>
           <p:cNvSpPr>
             <a:spLocks noGrp="1"/>
           </p:cNvSpPr>
@@ -7802,24 +7543,21 @@
               <a:rPr lang="en-IN" dirty="0"/>
               <a:t>A datapoint is assigned to most common class amongst its K-nearest Neighbours.</a:t>
             </a:r>
+            <a:endParaRPr lang="en-IN" dirty="0"/>
           </a:p>
           <a:p>
             <a:r>
               <a:rPr lang="en-IN" dirty="0"/>
               <a:t>In our case, the given sample will be classified based on the similarity of its clinical results with that of the trained set of clinical set.</a:t>
             </a:r>
-          </a:p>
-          <a:p>
             <a:endParaRPr lang="en-IN" dirty="0"/>
           </a:p>
+          <a:p>
+            <a:endParaRPr lang="en-IN" dirty="0"/>
+          </a:p>
         </p:txBody>
       </p:sp>
     </p:spTree>
-    <p:extLst>
-      <p:ext uri="{BB962C8B-B14F-4D97-AF65-F5344CB8AC3E}">
-        <p14:creationId xmlns:p14="http://schemas.microsoft.com/office/powerpoint/2010/main" val="3666486188"/>
-      </p:ext>
-    </p:extLst>
   </p:cSld>
   <p:clrMapOvr>
     <a:masterClrMapping/>
@@ -7846,13 +7584,7 @@
       </p:grpSpPr>
       <p:sp>
         <p:nvSpPr>
-          <p:cNvPr id="2" name="Title 1">
-            <a:extLst>
-              <a:ext uri="{FF2B5EF4-FFF2-40B4-BE49-F238E27FC236}">
-                <a16:creationId xmlns:a16="http://schemas.microsoft.com/office/drawing/2014/main" id="{B4D2884E-863D-484C-A1B6-7643D1A4DDF9}"/>
-              </a:ext>
-            </a:extLst>
-          </p:cNvPr>
+          <p:cNvPr id="2" name="Title 1"/>
           <p:cNvSpPr>
             <a:spLocks noGrp="1"/>
           </p:cNvSpPr>
@@ -7880,13 +7612,7 @@
       </p:sp>
       <p:pic>
         <p:nvPicPr>
-          <p:cNvPr id="5" name="Content Placeholder 4">
-            <a:extLst>
-              <a:ext uri="{FF2B5EF4-FFF2-40B4-BE49-F238E27FC236}">
-                <a16:creationId xmlns:a16="http://schemas.microsoft.com/office/drawing/2014/main" id="{68968967-68B5-4404-AD3D-1E469D147DD6}"/>
-              </a:ext>
-            </a:extLst>
-          </p:cNvPr>
+          <p:cNvPr id="5" name="Content Placeholder 4"/>
           <p:cNvPicPr>
             <a:picLocks noGrp="1" noChangeAspect="1"/>
           </p:cNvPicPr>
@@ -7895,7 +7621,7 @@
           </p:nvPr>
         </p:nvPicPr>
         <p:blipFill>
-          <a:blip r:embed="rId2">
+          <a:blip r:embed="rId1">
             <a:extLst>
               <a:ext uri="{28A0092B-C50C-407E-A947-70E740481C1C}">
                 <a14:useLocalDpi xmlns:a14="http://schemas.microsoft.com/office/drawing/2010/main" val="0"/>
@@ -7914,11 +7640,6 @@
         </p:spPr>
       </p:pic>
     </p:spTree>
-    <p:extLst>
-      <p:ext uri="{BB962C8B-B14F-4D97-AF65-F5344CB8AC3E}">
-        <p14:creationId xmlns:p14="http://schemas.microsoft.com/office/powerpoint/2010/main" val="1946652047"/>
-      </p:ext>
-    </p:extLst>
   </p:cSld>
   <p:clrMapOvr>
     <a:masterClrMapping/>
@@ -7945,13 +7666,7 @@
       </p:grpSpPr>
       <p:sp>
         <p:nvSpPr>
-          <p:cNvPr id="2" name="Title 1">
-            <a:extLst>
-              <a:ext uri="{FF2B5EF4-FFF2-40B4-BE49-F238E27FC236}">
-                <a16:creationId xmlns:a16="http://schemas.microsoft.com/office/drawing/2014/main" id="{96C9FEDA-A1F6-4F17-B5A5-EDBD3D184B52}"/>
-              </a:ext>
-            </a:extLst>
-          </p:cNvPr>
+          <p:cNvPr id="2" name="Title 1"/>
           <p:cNvSpPr>
             <a:spLocks noGrp="1"/>
           </p:cNvSpPr>
@@ -7982,13 +7697,7 @@
       </p:sp>
       <p:pic>
         <p:nvPicPr>
-          <p:cNvPr id="5" name="Content Placeholder 4">
-            <a:extLst>
-              <a:ext uri="{FF2B5EF4-FFF2-40B4-BE49-F238E27FC236}">
-                <a16:creationId xmlns:a16="http://schemas.microsoft.com/office/drawing/2014/main" id="{96DE7A5F-4CE2-4D05-A634-F437FB31C0DF}"/>
-              </a:ext>
-            </a:extLst>
-          </p:cNvPr>
+          <p:cNvPr id="5" name="Content Placeholder 4"/>
           <p:cNvPicPr>
             <a:picLocks noGrp="1" noChangeAspect="1"/>
           </p:cNvPicPr>
@@ -7997,7 +7706,7 @@
           </p:nvPr>
         </p:nvPicPr>
         <p:blipFill>
-          <a:blip r:embed="rId2">
+          <a:blip r:embed="rId1">
             <a:extLst>
               <a:ext uri="{28A0092B-C50C-407E-A947-70E740481C1C}">
                 <a14:useLocalDpi xmlns:a14="http://schemas.microsoft.com/office/drawing/2010/main" val="0"/>
@@ -8016,11 +7725,6 @@
         </p:spPr>
       </p:pic>
     </p:spTree>
-    <p:extLst>
-      <p:ext uri="{BB962C8B-B14F-4D97-AF65-F5344CB8AC3E}">
-        <p14:creationId xmlns:p14="http://schemas.microsoft.com/office/powerpoint/2010/main" val="3095599042"/>
-      </p:ext>
-    </p:extLst>
   </p:cSld>
   <p:clrMapOvr>
     <a:masterClrMapping/>
@@ -8047,13 +7751,7 @@
       </p:grpSpPr>
       <p:sp>
         <p:nvSpPr>
-          <p:cNvPr id="4" name="Title 3">
-            <a:extLst>
-              <a:ext uri="{FF2B5EF4-FFF2-40B4-BE49-F238E27FC236}">
-                <a16:creationId xmlns:a16="http://schemas.microsoft.com/office/drawing/2014/main" id="{3E004BB2-C5C1-4F86-BE10-2E7072A1D1AC}"/>
-              </a:ext>
-            </a:extLst>
-          </p:cNvPr>
+          <p:cNvPr id="4" name="Title 3"/>
           <p:cNvSpPr>
             <a:spLocks noGrp="1"/>
           </p:cNvSpPr>
@@ -8076,13 +7774,7 @@
       </p:sp>
       <p:sp>
         <p:nvSpPr>
-          <p:cNvPr id="5" name="Content Placeholder 4">
-            <a:extLst>
-              <a:ext uri="{FF2B5EF4-FFF2-40B4-BE49-F238E27FC236}">
-                <a16:creationId xmlns:a16="http://schemas.microsoft.com/office/drawing/2014/main" id="{C33C303C-587C-432A-BBF6-039C1FFAAFA0}"/>
-              </a:ext>
-            </a:extLst>
-          </p:cNvPr>
+          <p:cNvPr id="5" name="Content Placeholder 4"/>
           <p:cNvSpPr>
             <a:spLocks noGrp="1"/>
           </p:cNvSpPr>
@@ -8106,18 +7798,21 @@
               <a:rPr lang="en-GB" dirty="0"/>
               <a:t>As we have seen accuracy of Logistic Regression and K-Nearest-Neighbours is almost same. </a:t>
             </a:r>
+            <a:endParaRPr lang="en-GB" dirty="0"/>
           </a:p>
           <a:p>
             <a:r>
               <a:rPr lang="en-GB" dirty="0"/>
               <a:t>Model will give same accuracy but result of both algorithm on same input may give different results. </a:t>
             </a:r>
+            <a:endParaRPr lang="en-GB" dirty="0"/>
           </a:p>
           <a:p>
             <a:r>
               <a:rPr lang="en-GB" dirty="0"/>
               <a:t>Support Vector Machine have much accurate result as 93.40% on training and 87.91% in testing. </a:t>
             </a:r>
+            <a:endParaRPr lang="en-GB" dirty="0"/>
           </a:p>
           <a:p>
             <a:r>
@@ -8130,13 +7825,7 @@
       </p:sp>
       <p:pic>
         <p:nvPicPr>
-          <p:cNvPr id="8" name="Content Placeholder 7">
-            <a:extLst>
-              <a:ext uri="{FF2B5EF4-FFF2-40B4-BE49-F238E27FC236}">
-                <a16:creationId xmlns:a16="http://schemas.microsoft.com/office/drawing/2014/main" id="{76F23EAD-6C35-45C3-B065-963E74C7B281}"/>
-              </a:ext>
-            </a:extLst>
-          </p:cNvPr>
+          <p:cNvPr id="8" name="Content Placeholder 7"/>
           <p:cNvPicPr>
             <a:picLocks noGrp="1" noChangeAspect="1"/>
           </p:cNvPicPr>
@@ -8145,7 +7834,7 @@
           </p:nvPr>
         </p:nvPicPr>
         <p:blipFill>
-          <a:blip r:embed="rId2">
+          <a:blip r:embed="rId1">
             <a:extLst>
               <a:ext uri="{28A0092B-C50C-407E-A947-70E740481C1C}">
                 <a14:useLocalDpi xmlns:a14="http://schemas.microsoft.com/office/drawing/2010/main" val="0"/>
@@ -8164,11 +7853,6 @@
         </p:spPr>
       </p:pic>
     </p:spTree>
-    <p:extLst>
-      <p:ext uri="{BB962C8B-B14F-4D97-AF65-F5344CB8AC3E}">
-        <p14:creationId xmlns:p14="http://schemas.microsoft.com/office/powerpoint/2010/main" val="1135730973"/>
-      </p:ext>
-    </p:extLst>
   </p:cSld>
   <p:clrMapOvr>
     <a:masterClrMapping/>
@@ -8195,13 +7879,7 @@
       </p:grpSpPr>
       <p:sp>
         <p:nvSpPr>
-          <p:cNvPr id="2" name="Title 1">
-            <a:extLst>
-              <a:ext uri="{FF2B5EF4-FFF2-40B4-BE49-F238E27FC236}">
-                <a16:creationId xmlns:a16="http://schemas.microsoft.com/office/drawing/2014/main" id="{39851AE4-2B07-4C70-B8B7-0EC924072C68}"/>
-              </a:ext>
-            </a:extLst>
-          </p:cNvPr>
+          <p:cNvPr id="2" name="Title 1"/>
           <p:cNvSpPr>
             <a:spLocks noGrp="1"/>
           </p:cNvSpPr>
@@ -8225,15 +7903,11 @@
               <a:rPr lang="en-IN" sz="4000" dirty="0"/>
               <a:t>Conclusions</a:t>
             </a:r>
+            <a:endParaRPr lang="en-IN" sz="4000" dirty="0"/>
           </a:p>
         </p:txBody>
       </p:sp>
     </p:spTree>
-    <p:extLst>
-      <p:ext uri="{BB962C8B-B14F-4D97-AF65-F5344CB8AC3E}">
-        <p14:creationId xmlns:p14="http://schemas.microsoft.com/office/powerpoint/2010/main" val="442339839"/>
-      </p:ext>
-    </p:extLst>
   </p:cSld>
   <p:clrMapOvr>
     <a:masterClrMapping/>
@@ -8260,13 +7934,7 @@
       </p:grpSpPr>
       <p:sp>
         <p:nvSpPr>
-          <p:cNvPr id="2" name="Title 1">
-            <a:extLst>
-              <a:ext uri="{FF2B5EF4-FFF2-40B4-BE49-F238E27FC236}">
-                <a16:creationId xmlns:a16="http://schemas.microsoft.com/office/drawing/2014/main" id="{2EDBD5EC-295D-4AFE-A9A8-FD2C248D8548}"/>
-              </a:ext>
-            </a:extLst>
-          </p:cNvPr>
+          <p:cNvPr id="2" name="Title 1"/>
           <p:cNvSpPr>
             <a:spLocks noGrp="1"/>
           </p:cNvSpPr>
@@ -8291,18 +7959,13 @@
               <a:rPr lang="en-IN" dirty="0"/>
               <a:t>)- Chest Pain</a:t>
             </a:r>
-          </a:p>
-        </p:txBody>
-      </p:sp>
-      <p:sp>
-        <p:nvSpPr>
-          <p:cNvPr id="4" name="Content Placeholder 3">
-            <a:extLst>
-              <a:ext uri="{FF2B5EF4-FFF2-40B4-BE49-F238E27FC236}">
-                <a16:creationId xmlns:a16="http://schemas.microsoft.com/office/drawing/2014/main" id="{C037D92C-01D7-43FF-A9BC-FBFABC81500A}"/>
-              </a:ext>
-            </a:extLst>
-          </p:cNvPr>
+            <a:endParaRPr lang="en-IN" dirty="0"/>
+          </a:p>
+        </p:txBody>
+      </p:sp>
+      <p:sp>
+        <p:nvSpPr>
+          <p:cNvPr id="4" name="Content Placeholder 3"/>
           <p:cNvSpPr>
             <a:spLocks noGrp="1"/>
           </p:cNvSpPr>
@@ -8328,18 +7991,12 @@
       </p:sp>
       <p:pic>
         <p:nvPicPr>
-          <p:cNvPr id="6" name="Picture 5" descr="cp">
-            <a:extLst>
-              <a:ext uri="{FF2B5EF4-FFF2-40B4-BE49-F238E27FC236}">
-                <a16:creationId xmlns:a16="http://schemas.microsoft.com/office/drawing/2014/main" id="{10DD174F-FF0E-48CB-B3FC-414A0C756E2E}"/>
-              </a:ext>
-            </a:extLst>
-          </p:cNvPr>
+          <p:cNvPr id="6" name="Picture 5" descr="cp"/>
           <p:cNvPicPr/>
           <p:nvPr/>
         </p:nvPicPr>
         <p:blipFill>
-          <a:blip r:embed="rId2"/>
+          <a:blip r:embed="rId1"/>
           <a:stretch>
             <a:fillRect/>
           </a:stretch>
@@ -8356,13 +8013,7 @@
       </p:pic>
       <p:sp>
         <p:nvSpPr>
-          <p:cNvPr id="3" name="Rectangle 2">
-            <a:extLst>
-              <a:ext uri="{FF2B5EF4-FFF2-40B4-BE49-F238E27FC236}">
-                <a16:creationId xmlns:a16="http://schemas.microsoft.com/office/drawing/2014/main" id="{7CF08AEE-9ED6-46A6-AF83-80974DC68909}"/>
-              </a:ext>
-            </a:extLst>
-          </p:cNvPr>
+          <p:cNvPr id="3" name="Rectangle 2"/>
           <p:cNvSpPr/>
           <p:nvPr/>
         </p:nvSpPr>
@@ -8395,25 +8046,20 @@
                   <a:srgbClr val="000000"/>
                 </a:solidFill>
                 <a:latin typeface="Times New Roman" panose="02020603050405020304" pitchFamily="18" charset="0"/>
-                <a:ea typeface="Calibri" panose="020F0502020204030204" pitchFamily="34" charset="0"/>
+                <a:ea typeface="Calibri" panose="020F0502020204030204" charset="0"/>
                 <a:cs typeface="Times New Roman" panose="02020603050405020304" pitchFamily="18" charset="0"/>
               </a:rPr>
               <a:t>Fig3. –chest Pain vs number of people</a:t>
             </a:r>
             <a:endParaRPr lang="en-IN" dirty="0">
-              <a:latin typeface="Calibri" panose="020F0502020204030204" pitchFamily="34" charset="0"/>
-              <a:ea typeface="Calibri" panose="020F0502020204030204" pitchFamily="34" charset="0"/>
+              <a:latin typeface="Calibri" panose="020F0502020204030204" charset="0"/>
+              <a:ea typeface="Calibri" panose="020F0502020204030204" charset="0"/>
               <a:cs typeface="Times New Roman" panose="02020603050405020304" pitchFamily="18" charset="0"/>
             </a:endParaRPr>
           </a:p>
         </p:txBody>
       </p:sp>
     </p:spTree>
-    <p:extLst>
-      <p:ext uri="{BB962C8B-B14F-4D97-AF65-F5344CB8AC3E}">
-        <p14:creationId xmlns:p14="http://schemas.microsoft.com/office/powerpoint/2010/main" val="481100251"/>
-      </p:ext>
-    </p:extLst>
   </p:cSld>
   <p:clrMapOvr>
     <a:masterClrMapping/>
@@ -8440,13 +8086,7 @@
       </p:grpSpPr>
       <p:sp>
         <p:nvSpPr>
-          <p:cNvPr id="2" name="Title 1">
-            <a:extLst>
-              <a:ext uri="{FF2B5EF4-FFF2-40B4-BE49-F238E27FC236}">
-                <a16:creationId xmlns:a16="http://schemas.microsoft.com/office/drawing/2014/main" id="{A95C6CFA-BF05-454A-A99A-D540617E914D}"/>
-              </a:ext>
-            </a:extLst>
-          </p:cNvPr>
+          <p:cNvPr id="2" name="Title 1"/>
           <p:cNvSpPr>
             <a:spLocks noGrp="1"/>
           </p:cNvSpPr>
@@ -8469,13 +8109,7 @@
       </p:sp>
       <p:sp>
         <p:nvSpPr>
-          <p:cNvPr id="3" name="Content Placeholder 2">
-            <a:extLst>
-              <a:ext uri="{FF2B5EF4-FFF2-40B4-BE49-F238E27FC236}">
-                <a16:creationId xmlns:a16="http://schemas.microsoft.com/office/drawing/2014/main" id="{EE41AF81-B14E-4A55-A9EF-A2F19B96F748}"/>
-              </a:ext>
-            </a:extLst>
-          </p:cNvPr>
+          <p:cNvPr id="3" name="Content Placeholder 2"/>
           <p:cNvSpPr>
             <a:spLocks noGrp="1"/>
           </p:cNvSpPr>
@@ -8498,13 +8132,7 @@
       </p:sp>
       <p:pic>
         <p:nvPicPr>
-          <p:cNvPr id="8" name="Content Placeholder 7">
-            <a:extLst>
-              <a:ext uri="{FF2B5EF4-FFF2-40B4-BE49-F238E27FC236}">
-                <a16:creationId xmlns:a16="http://schemas.microsoft.com/office/drawing/2014/main" id="{5BDC76C8-1A9F-45AC-BFB2-1D702FD52732}"/>
-              </a:ext>
-            </a:extLst>
-          </p:cNvPr>
+          <p:cNvPr id="8" name="Content Placeholder 7"/>
           <p:cNvPicPr>
             <a:picLocks noGrp="1" noChangeAspect="1"/>
           </p:cNvPicPr>
@@ -8513,7 +8141,7 @@
           </p:nvPr>
         </p:nvPicPr>
         <p:blipFill>
-          <a:blip r:embed="rId2">
+          <a:blip r:embed="rId1">
             <a:extLst>
               <a:ext uri="{28A0092B-C50C-407E-A947-70E740481C1C}">
                 <a14:useLocalDpi xmlns:a14="http://schemas.microsoft.com/office/drawing/2010/main" val="0"/>
@@ -8533,13 +8161,7 @@
       </p:pic>
       <p:sp>
         <p:nvSpPr>
-          <p:cNvPr id="9" name="Rectangle 8">
-            <a:extLst>
-              <a:ext uri="{FF2B5EF4-FFF2-40B4-BE49-F238E27FC236}">
-                <a16:creationId xmlns:a16="http://schemas.microsoft.com/office/drawing/2014/main" id="{C3C9F1F6-228D-4EC9-84C5-77078C78ECDD}"/>
-              </a:ext>
-            </a:extLst>
-          </p:cNvPr>
+          <p:cNvPr id="9" name="Rectangle 8"/>
           <p:cNvSpPr/>
           <p:nvPr/>
         </p:nvSpPr>
@@ -8572,7 +8194,7 @@
                   <a:srgbClr val="000000"/>
                 </a:solidFill>
                 <a:latin typeface="Times New Roman" panose="02020603050405020304" pitchFamily="18" charset="0"/>
-                <a:ea typeface="Calibri" panose="020F0502020204030204" pitchFamily="34" charset="0"/>
+                <a:ea typeface="Calibri" panose="020F0502020204030204" charset="0"/>
                 <a:cs typeface="Times New Roman" panose="02020603050405020304" pitchFamily="18" charset="0"/>
               </a:rPr>
               <a:t>Fig3. -</a:t>
@@ -8583,7 +8205,7 @@
                   <a:srgbClr val="000000"/>
                 </a:solidFill>
                 <a:latin typeface="Times New Roman" panose="02020603050405020304" pitchFamily="18" charset="0"/>
-                <a:ea typeface="Calibri" panose="020F0502020204030204" pitchFamily="34" charset="0"/>
+                <a:ea typeface="Calibri" panose="020F0502020204030204" charset="0"/>
                 <a:cs typeface="Times New Roman" panose="02020603050405020304" pitchFamily="18" charset="0"/>
               </a:rPr>
               <a:t>restecg</a:t>
@@ -8594,25 +8216,20 @@
                   <a:srgbClr val="000000"/>
                 </a:solidFill>
                 <a:latin typeface="Times New Roman" panose="02020603050405020304" pitchFamily="18" charset="0"/>
-                <a:ea typeface="Calibri" panose="020F0502020204030204" pitchFamily="34" charset="0"/>
+                <a:ea typeface="Calibri" panose="020F0502020204030204" charset="0"/>
                 <a:cs typeface="Times New Roman" panose="02020603050405020304" pitchFamily="18" charset="0"/>
               </a:rPr>
               <a:t> vs number of people</a:t>
             </a:r>
             <a:endParaRPr lang="en-IN" dirty="0">
-              <a:latin typeface="Calibri" panose="020F0502020204030204" pitchFamily="34" charset="0"/>
-              <a:ea typeface="Calibri" panose="020F0502020204030204" pitchFamily="34" charset="0"/>
+              <a:latin typeface="Calibri" panose="020F0502020204030204" charset="0"/>
+              <a:ea typeface="Calibri" panose="020F0502020204030204" charset="0"/>
               <a:cs typeface="Times New Roman" panose="02020603050405020304" pitchFamily="18" charset="0"/>
             </a:endParaRPr>
           </a:p>
         </p:txBody>
       </p:sp>
     </p:spTree>
-    <p:extLst>
-      <p:ext uri="{BB962C8B-B14F-4D97-AF65-F5344CB8AC3E}">
-        <p14:creationId xmlns:p14="http://schemas.microsoft.com/office/powerpoint/2010/main" val="1295758936"/>
-      </p:ext>
-    </p:extLst>
   </p:cSld>
   <p:clrMapOvr>
     <a:masterClrMapping/>
@@ -8639,13 +8256,7 @@
       </p:grpSpPr>
       <p:sp>
         <p:nvSpPr>
-          <p:cNvPr id="2" name="Title 1">
-            <a:extLst>
-              <a:ext uri="{FF2B5EF4-FFF2-40B4-BE49-F238E27FC236}">
-                <a16:creationId xmlns:a16="http://schemas.microsoft.com/office/drawing/2014/main" id="{826D16D6-8E13-4466-A4DD-B907C185E998}"/>
-              </a:ext>
-            </a:extLst>
-          </p:cNvPr>
+          <p:cNvPr id="2" name="Title 1"/>
           <p:cNvSpPr>
             <a:spLocks noGrp="1"/>
           </p:cNvSpPr>
@@ -8672,11 +8283,6 @@
         </p:txBody>
       </p:sp>
     </p:spTree>
-    <p:extLst>
-      <p:ext uri="{BB962C8B-B14F-4D97-AF65-F5344CB8AC3E}">
-        <p14:creationId xmlns:p14="http://schemas.microsoft.com/office/powerpoint/2010/main" val="3956185733"/>
-      </p:ext>
-    </p:extLst>
   </p:cSld>
   <p:clrMapOvr>
     <a:masterClrMapping/>
@@ -8703,13 +8309,7 @@
       </p:grpSpPr>
       <p:sp>
         <p:nvSpPr>
-          <p:cNvPr id="2" name="Title 1">
-            <a:extLst>
-              <a:ext uri="{FF2B5EF4-FFF2-40B4-BE49-F238E27FC236}">
-                <a16:creationId xmlns:a16="http://schemas.microsoft.com/office/drawing/2014/main" id="{F530B485-B619-4338-BC5E-15B44CFA99FC}"/>
-              </a:ext>
-            </a:extLst>
-          </p:cNvPr>
+          <p:cNvPr id="2" name="Title 1"/>
           <p:cNvSpPr>
             <a:spLocks noGrp="1"/>
           </p:cNvSpPr>
@@ -8732,13 +8332,7 @@
       </p:sp>
       <p:sp>
         <p:nvSpPr>
-          <p:cNvPr id="3" name="Content Placeholder 2">
-            <a:extLst>
-              <a:ext uri="{FF2B5EF4-FFF2-40B4-BE49-F238E27FC236}">
-                <a16:creationId xmlns:a16="http://schemas.microsoft.com/office/drawing/2014/main" id="{91A0E7DC-8D08-445F-98C1-23F8C5570A29}"/>
-              </a:ext>
-            </a:extLst>
-          </p:cNvPr>
+          <p:cNvPr id="3" name="Content Placeholder 2"/>
           <p:cNvSpPr>
             <a:spLocks noGrp="1"/>
           </p:cNvSpPr>
@@ -8764,13 +8358,7 @@
       </p:sp>
       <p:pic>
         <p:nvPicPr>
-          <p:cNvPr id="5" name="Content Placeholder 4" descr="exang">
-            <a:extLst>
-              <a:ext uri="{FF2B5EF4-FFF2-40B4-BE49-F238E27FC236}">
-                <a16:creationId xmlns:a16="http://schemas.microsoft.com/office/drawing/2014/main" id="{C589A252-71AF-44B4-A5DF-EBCD26A131FA}"/>
-              </a:ext>
-            </a:extLst>
-          </p:cNvPr>
+          <p:cNvPr id="5" name="Content Placeholder 4" descr="exang"/>
           <p:cNvPicPr>
             <a:picLocks noGrp="1"/>
           </p:cNvPicPr>
@@ -8779,7 +8367,7 @@
           </p:nvPr>
         </p:nvPicPr>
         <p:blipFill>
-          <a:blip r:embed="rId2"/>
+          <a:blip r:embed="rId1"/>
           <a:stretch>
             <a:fillRect/>
           </a:stretch>
@@ -8795,11 +8383,6 @@
         </p:spPr>
       </p:pic>
     </p:spTree>
-    <p:extLst>
-      <p:ext uri="{BB962C8B-B14F-4D97-AF65-F5344CB8AC3E}">
-        <p14:creationId xmlns:p14="http://schemas.microsoft.com/office/powerpoint/2010/main" val="4076158993"/>
-      </p:ext>
-    </p:extLst>
   </p:cSld>
   <p:clrMapOvr>
     <a:masterClrMapping/>
@@ -8826,13 +8409,7 @@
       </p:grpSpPr>
       <p:sp>
         <p:nvSpPr>
-          <p:cNvPr id="2" name="Title 1">
-            <a:extLst>
-              <a:ext uri="{FF2B5EF4-FFF2-40B4-BE49-F238E27FC236}">
-                <a16:creationId xmlns:a16="http://schemas.microsoft.com/office/drawing/2014/main" id="{A55108B1-E5A8-4921-8FEB-05D408EA062A}"/>
-              </a:ext>
-            </a:extLst>
-          </p:cNvPr>
+          <p:cNvPr id="2" name="Title 1"/>
           <p:cNvSpPr>
             <a:spLocks noGrp="1"/>
           </p:cNvSpPr>
@@ -8855,13 +8432,7 @@
       </p:sp>
       <p:sp>
         <p:nvSpPr>
-          <p:cNvPr id="3" name="Content Placeholder 2">
-            <a:extLst>
-              <a:ext uri="{FF2B5EF4-FFF2-40B4-BE49-F238E27FC236}">
-                <a16:creationId xmlns:a16="http://schemas.microsoft.com/office/drawing/2014/main" id="{AC7F8147-5007-45F9-967E-0C7ECA1CD3C4}"/>
-              </a:ext>
-            </a:extLst>
-          </p:cNvPr>
+          <p:cNvPr id="3" name="Content Placeholder 2"/>
           <p:cNvSpPr>
             <a:spLocks noGrp="1"/>
           </p:cNvSpPr>
@@ -8884,13 +8455,7 @@
       </p:sp>
       <p:pic>
         <p:nvPicPr>
-          <p:cNvPr id="6" name="Content Placeholder 5">
-            <a:extLst>
-              <a:ext uri="{FF2B5EF4-FFF2-40B4-BE49-F238E27FC236}">
-                <a16:creationId xmlns:a16="http://schemas.microsoft.com/office/drawing/2014/main" id="{8FFEA625-7CB4-4AAC-ABB2-C1CE38AA0B27}"/>
-              </a:ext>
-            </a:extLst>
-          </p:cNvPr>
+          <p:cNvPr id="6" name="Content Placeholder 5"/>
           <p:cNvPicPr>
             <a:picLocks noGrp="1" noChangeAspect="1"/>
           </p:cNvPicPr>
@@ -8899,7 +8464,7 @@
           </p:nvPr>
         </p:nvPicPr>
         <p:blipFill>
-          <a:blip r:embed="rId2">
+          <a:blip r:embed="rId1">
             <a:extLst>
               <a:ext uri="{28A0092B-C50C-407E-A947-70E740481C1C}">
                 <a14:useLocalDpi xmlns:a14="http://schemas.microsoft.com/office/drawing/2010/main" val="0"/>
@@ -8919,13 +8484,7 @@
       </p:pic>
       <p:sp>
         <p:nvSpPr>
-          <p:cNvPr id="7" name="Rectangle 6">
-            <a:extLst>
-              <a:ext uri="{FF2B5EF4-FFF2-40B4-BE49-F238E27FC236}">
-                <a16:creationId xmlns:a16="http://schemas.microsoft.com/office/drawing/2014/main" id="{B8F91F15-C5AD-414B-B5AC-0AE9577DD41E}"/>
-              </a:ext>
-            </a:extLst>
-          </p:cNvPr>
+          <p:cNvPr id="7" name="Rectangle 6"/>
           <p:cNvSpPr/>
           <p:nvPr/>
         </p:nvSpPr>
@@ -8958,25 +8517,20 @@
                   <a:srgbClr val="000000"/>
                 </a:solidFill>
                 <a:latin typeface="Times New Roman" panose="02020603050405020304" pitchFamily="18" charset="0"/>
-                <a:ea typeface="Calibri" panose="020F0502020204030204" pitchFamily="34" charset="0"/>
+                <a:ea typeface="Calibri" panose="020F0502020204030204" charset="0"/>
                 <a:cs typeface="Times New Roman" panose="02020603050405020304" pitchFamily="18" charset="0"/>
               </a:rPr>
               <a:t>Fig5- slope vs number of people</a:t>
             </a:r>
             <a:endParaRPr lang="en-IN" dirty="0">
-              <a:latin typeface="Calibri" panose="020F0502020204030204" pitchFamily="34" charset="0"/>
-              <a:ea typeface="Calibri" panose="020F0502020204030204" pitchFamily="34" charset="0"/>
+              <a:latin typeface="Calibri" panose="020F0502020204030204" charset="0"/>
+              <a:ea typeface="Calibri" panose="020F0502020204030204" charset="0"/>
               <a:cs typeface="Times New Roman" panose="02020603050405020304" pitchFamily="18" charset="0"/>
             </a:endParaRPr>
           </a:p>
         </p:txBody>
       </p:sp>
     </p:spTree>
-    <p:extLst>
-      <p:ext uri="{BB962C8B-B14F-4D97-AF65-F5344CB8AC3E}">
-        <p14:creationId xmlns:p14="http://schemas.microsoft.com/office/powerpoint/2010/main" val="4226540499"/>
-      </p:ext>
-    </p:extLst>
   </p:cSld>
   <p:clrMapOvr>
     <a:masterClrMapping/>
@@ -9003,13 +8557,7 @@
       </p:grpSpPr>
       <p:sp>
         <p:nvSpPr>
-          <p:cNvPr id="2" name="Title 1">
-            <a:extLst>
-              <a:ext uri="{FF2B5EF4-FFF2-40B4-BE49-F238E27FC236}">
-                <a16:creationId xmlns:a16="http://schemas.microsoft.com/office/drawing/2014/main" id="{B20FBA26-55CA-43E4-A5C9-77DB3D9BDF2A}"/>
-              </a:ext>
-            </a:extLst>
-          </p:cNvPr>
+          <p:cNvPr id="2" name="Title 1"/>
           <p:cNvSpPr>
             <a:spLocks noGrp="1"/>
           </p:cNvSpPr>
@@ -9032,13 +8580,7 @@
       </p:sp>
       <p:sp>
         <p:nvSpPr>
-          <p:cNvPr id="3" name="Content Placeholder 2">
-            <a:extLst>
-              <a:ext uri="{FF2B5EF4-FFF2-40B4-BE49-F238E27FC236}">
-                <a16:creationId xmlns:a16="http://schemas.microsoft.com/office/drawing/2014/main" id="{2E4DF964-D2B4-414B-A445-A4B0A67C084C}"/>
-              </a:ext>
-            </a:extLst>
-          </p:cNvPr>
+          <p:cNvPr id="3" name="Content Placeholder 2"/>
           <p:cNvSpPr>
             <a:spLocks noGrp="1"/>
           </p:cNvSpPr>
@@ -9064,13 +8606,7 @@
       </p:sp>
       <p:pic>
         <p:nvPicPr>
-          <p:cNvPr id="5" name="Content Placeholder 4" descr="thal">
-            <a:extLst>
-              <a:ext uri="{FF2B5EF4-FFF2-40B4-BE49-F238E27FC236}">
-                <a16:creationId xmlns:a16="http://schemas.microsoft.com/office/drawing/2014/main" id="{7A34C9BA-88E8-43F1-B1D3-E73BCE5E0D2C}"/>
-              </a:ext>
-            </a:extLst>
-          </p:cNvPr>
+          <p:cNvPr id="5" name="Content Placeholder 4" descr="thal"/>
           <p:cNvPicPr>
             <a:picLocks noGrp="1"/>
           </p:cNvPicPr>
@@ -9079,7 +8615,7 @@
           </p:nvPr>
         </p:nvPicPr>
         <p:blipFill>
-          <a:blip r:embed="rId2"/>
+          <a:blip r:embed="rId1"/>
           <a:stretch>
             <a:fillRect/>
           </a:stretch>
@@ -9096,13 +8632,7 @@
       </p:pic>
       <p:sp>
         <p:nvSpPr>
-          <p:cNvPr id="4" name="Rectangle 3">
-            <a:extLst>
-              <a:ext uri="{FF2B5EF4-FFF2-40B4-BE49-F238E27FC236}">
-                <a16:creationId xmlns:a16="http://schemas.microsoft.com/office/drawing/2014/main" id="{199AFD8E-7CA5-40B0-8EE9-4A1AB324BB3E}"/>
-              </a:ext>
-            </a:extLst>
-          </p:cNvPr>
+          <p:cNvPr id="4" name="Rectangle 3"/>
           <p:cNvSpPr/>
           <p:nvPr/>
         </p:nvSpPr>
@@ -9135,7 +8665,7 @@
                   <a:srgbClr val="000000"/>
                 </a:solidFill>
                 <a:latin typeface="Times New Roman" panose="02020603050405020304" pitchFamily="18" charset="0"/>
-                <a:ea typeface="Calibri" panose="020F0502020204030204" pitchFamily="34" charset="0"/>
+                <a:ea typeface="Calibri" panose="020F0502020204030204" charset="0"/>
                 <a:cs typeface="Times New Roman" panose="02020603050405020304" pitchFamily="18" charset="0"/>
               </a:rPr>
               <a:t>Fig6. -</a:t>
@@ -9146,7 +8676,7 @@
                   <a:srgbClr val="000000"/>
                 </a:solidFill>
                 <a:latin typeface="Times New Roman" panose="02020603050405020304" pitchFamily="18" charset="0"/>
-                <a:ea typeface="Calibri" panose="020F0502020204030204" pitchFamily="34" charset="0"/>
+                <a:ea typeface="Calibri" panose="020F0502020204030204" charset="0"/>
                 <a:cs typeface="Times New Roman" panose="02020603050405020304" pitchFamily="18" charset="0"/>
               </a:rPr>
               <a:t>thal</a:t>
@@ -9157,25 +8687,20 @@
                   <a:srgbClr val="000000"/>
                 </a:solidFill>
                 <a:latin typeface="Times New Roman" panose="02020603050405020304" pitchFamily="18" charset="0"/>
-                <a:ea typeface="Calibri" panose="020F0502020204030204" pitchFamily="34" charset="0"/>
+                <a:ea typeface="Calibri" panose="020F0502020204030204" charset="0"/>
                 <a:cs typeface="Times New Roman" panose="02020603050405020304" pitchFamily="18" charset="0"/>
               </a:rPr>
               <a:t> vs number of people</a:t>
             </a:r>
             <a:endParaRPr lang="en-IN" dirty="0">
-              <a:latin typeface="Calibri" panose="020F0502020204030204" pitchFamily="34" charset="0"/>
-              <a:ea typeface="Calibri" panose="020F0502020204030204" pitchFamily="34" charset="0"/>
+              <a:latin typeface="Calibri" panose="020F0502020204030204" charset="0"/>
+              <a:ea typeface="Calibri" panose="020F0502020204030204" charset="0"/>
               <a:cs typeface="Times New Roman" panose="02020603050405020304" pitchFamily="18" charset="0"/>
             </a:endParaRPr>
           </a:p>
         </p:txBody>
       </p:sp>
     </p:spTree>
-    <p:extLst>
-      <p:ext uri="{BB962C8B-B14F-4D97-AF65-F5344CB8AC3E}">
-        <p14:creationId xmlns:p14="http://schemas.microsoft.com/office/powerpoint/2010/main" val="2454731043"/>
-      </p:ext>
-    </p:extLst>
   </p:cSld>
   <p:clrMapOvr>
     <a:masterClrMapping/>
@@ -9202,13 +8727,7 @@
       </p:grpSpPr>
       <p:sp>
         <p:nvSpPr>
-          <p:cNvPr id="2" name="Title 1">
-            <a:extLst>
-              <a:ext uri="{FF2B5EF4-FFF2-40B4-BE49-F238E27FC236}">
-                <a16:creationId xmlns:a16="http://schemas.microsoft.com/office/drawing/2014/main" id="{7D22EF5E-6C7E-4E0E-AFD9-8544569A1FEF}"/>
-              </a:ext>
-            </a:extLst>
-          </p:cNvPr>
+          <p:cNvPr id="2" name="Title 1"/>
           <p:cNvSpPr>
             <a:spLocks noGrp="1"/>
           </p:cNvSpPr>
@@ -9225,18 +8744,13 @@
               <a:rPr lang="en-IN" dirty="0"/>
               <a:t>(vi)- Final Conclusion</a:t>
             </a:r>
-          </a:p>
-        </p:txBody>
-      </p:sp>
-      <p:sp>
-        <p:nvSpPr>
-          <p:cNvPr id="3" name="Content Placeholder 2">
-            <a:extLst>
-              <a:ext uri="{FF2B5EF4-FFF2-40B4-BE49-F238E27FC236}">
-                <a16:creationId xmlns:a16="http://schemas.microsoft.com/office/drawing/2014/main" id="{98D0C140-F5E1-4E8F-AB8A-4CA7CB4B71BC}"/>
-              </a:ext>
-            </a:extLst>
-          </p:cNvPr>
+            <a:endParaRPr lang="en-IN" dirty="0"/>
+          </a:p>
+        </p:txBody>
+      </p:sp>
+      <p:sp>
+        <p:nvSpPr>
+          <p:cNvPr id="3" name="Content Placeholder 2"/>
           <p:cNvSpPr>
             <a:spLocks noGrp="1"/>
           </p:cNvSpPr>
@@ -9259,13 +8773,7 @@
       </p:sp>
       <p:pic>
         <p:nvPicPr>
-          <p:cNvPr id="6" name="Content Placeholder 5">
-            <a:extLst>
-              <a:ext uri="{FF2B5EF4-FFF2-40B4-BE49-F238E27FC236}">
-                <a16:creationId xmlns:a16="http://schemas.microsoft.com/office/drawing/2014/main" id="{4A6AEEA1-F8AB-46C5-8C45-6047D9AA9402}"/>
-              </a:ext>
-            </a:extLst>
-          </p:cNvPr>
+          <p:cNvPr id="6" name="Content Placeholder 5"/>
           <p:cNvPicPr>
             <a:picLocks noGrp="1" noChangeAspect="1"/>
           </p:cNvPicPr>
@@ -9274,7 +8782,7 @@
           </p:nvPr>
         </p:nvPicPr>
         <p:blipFill>
-          <a:blip r:embed="rId2">
+          <a:blip r:embed="rId1">
             <a:extLst>
               <a:ext uri="{28A0092B-C50C-407E-A947-70E740481C1C}">
                 <a14:useLocalDpi xmlns:a14="http://schemas.microsoft.com/office/drawing/2010/main" val="0"/>
@@ -9294,13 +8802,7 @@
       </p:pic>
       <p:sp>
         <p:nvSpPr>
-          <p:cNvPr id="7" name="Rectangle 6">
-            <a:extLst>
-              <a:ext uri="{FF2B5EF4-FFF2-40B4-BE49-F238E27FC236}">
-                <a16:creationId xmlns:a16="http://schemas.microsoft.com/office/drawing/2014/main" id="{9F001D82-8F72-479A-8494-F9A2BABE88B2}"/>
-              </a:ext>
-            </a:extLst>
-          </p:cNvPr>
+          <p:cNvPr id="7" name="Rectangle 6"/>
           <p:cNvSpPr/>
           <p:nvPr/>
         </p:nvSpPr>
@@ -9330,25 +8832,20 @@
             <a:r>
               <a:rPr lang="en-GB" i="1" dirty="0">
                 <a:latin typeface="Times New Roman" panose="02020603050405020304" pitchFamily="18" charset="0"/>
-                <a:ea typeface="Calibri" panose="020F0502020204030204" pitchFamily="34" charset="0"/>
+                <a:ea typeface="Calibri" panose="020F0502020204030204" charset="0"/>
                 <a:cs typeface="Times New Roman" panose="02020603050405020304" pitchFamily="18" charset="0"/>
               </a:rPr>
               <a:t>Fig7.Model Accuracy -Table</a:t>
             </a:r>
             <a:endParaRPr lang="en-IN" dirty="0">
-              <a:latin typeface="Calibri" panose="020F0502020204030204" pitchFamily="34" charset="0"/>
-              <a:ea typeface="Calibri" panose="020F0502020204030204" pitchFamily="34" charset="0"/>
+              <a:latin typeface="Calibri" panose="020F0502020204030204" charset="0"/>
+              <a:ea typeface="Calibri" panose="020F0502020204030204" charset="0"/>
               <a:cs typeface="Times New Roman" panose="02020603050405020304" pitchFamily="18" charset="0"/>
             </a:endParaRPr>
           </a:p>
         </p:txBody>
       </p:sp>
     </p:spTree>
-    <p:extLst>
-      <p:ext uri="{BB962C8B-B14F-4D97-AF65-F5344CB8AC3E}">
-        <p14:creationId xmlns:p14="http://schemas.microsoft.com/office/powerpoint/2010/main" val="2562171990"/>
-      </p:ext>
-    </p:extLst>
   </p:cSld>
   <p:clrMapOvr>
     <a:masterClrMapping/>
@@ -9375,13 +8872,7 @@
       </p:grpSpPr>
       <p:sp>
         <p:nvSpPr>
-          <p:cNvPr id="2" name="Title 1">
-            <a:extLst>
-              <a:ext uri="{FF2B5EF4-FFF2-40B4-BE49-F238E27FC236}">
-                <a16:creationId xmlns:a16="http://schemas.microsoft.com/office/drawing/2014/main" id="{B73B0F7B-2CA5-4D88-A94D-62672D699422}"/>
-              </a:ext>
-            </a:extLst>
-          </p:cNvPr>
+          <p:cNvPr id="2" name="Title 1"/>
           <p:cNvSpPr>
             <a:spLocks noGrp="1"/>
           </p:cNvSpPr>
@@ -9404,13 +8895,7 @@
       </p:sp>
       <p:sp>
         <p:nvSpPr>
-          <p:cNvPr id="3" name="Content Placeholder 2">
-            <a:extLst>
-              <a:ext uri="{FF2B5EF4-FFF2-40B4-BE49-F238E27FC236}">
-                <a16:creationId xmlns:a16="http://schemas.microsoft.com/office/drawing/2014/main" id="{D69E34DF-2D21-40FE-BCAD-FE4D9CDB7CA7}"/>
-              </a:ext>
-            </a:extLst>
-          </p:cNvPr>
+          <p:cNvPr id="3" name="Content Placeholder 2"/>
           <p:cNvSpPr>
             <a:spLocks noGrp="1"/>
           </p:cNvSpPr>
@@ -9449,6 +8934,7 @@
               <a:rPr lang="en-IN" dirty="0"/>
               <a:t> </a:t>
             </a:r>
+            <a:endParaRPr lang="en-IN" dirty="0"/>
           </a:p>
           <a:p>
             <a:r>
@@ -9487,18 +8973,14 @@
               <a:rPr lang="en-IN" dirty="0"/>
               <a:t>.</a:t>
             </a:r>
-          </a:p>
-          <a:p>
             <a:endParaRPr lang="en-IN" dirty="0"/>
           </a:p>
+          <a:p>
+            <a:endParaRPr lang="en-IN" dirty="0"/>
+          </a:p>
         </p:txBody>
       </p:sp>
     </p:spTree>
-    <p:extLst>
-      <p:ext uri="{BB962C8B-B14F-4D97-AF65-F5344CB8AC3E}">
-        <p14:creationId xmlns:p14="http://schemas.microsoft.com/office/powerpoint/2010/main" val="3033366320"/>
-      </p:ext>
-    </p:extLst>
   </p:cSld>
   <p:clrMapOvr>
     <a:masterClrMapping/>
@@ -9525,13 +9007,7 @@
       </p:grpSpPr>
       <p:sp>
         <p:nvSpPr>
-          <p:cNvPr id="2" name="Title 1">
-            <a:extLst>
-              <a:ext uri="{FF2B5EF4-FFF2-40B4-BE49-F238E27FC236}">
-                <a16:creationId xmlns:a16="http://schemas.microsoft.com/office/drawing/2014/main" id="{CEE76DE1-14CE-4627-8ED7-D5197E6645AB}"/>
-              </a:ext>
-            </a:extLst>
-          </p:cNvPr>
+          <p:cNvPr id="2" name="Title 1"/>
           <p:cNvSpPr>
             <a:spLocks noGrp="1"/>
           </p:cNvSpPr>
@@ -9554,13 +9030,7 @@
       </p:sp>
       <p:sp>
         <p:nvSpPr>
-          <p:cNvPr id="3" name="Content Placeholder 2">
-            <a:extLst>
-              <a:ext uri="{FF2B5EF4-FFF2-40B4-BE49-F238E27FC236}">
-                <a16:creationId xmlns:a16="http://schemas.microsoft.com/office/drawing/2014/main" id="{7144D73C-F7A9-4282-BA55-57AA1A2D17CF}"/>
-              </a:ext>
-            </a:extLst>
-          </p:cNvPr>
+          <p:cNvPr id="3" name="Content Placeholder 2"/>
           <p:cNvSpPr>
             <a:spLocks noGrp="1"/>
           </p:cNvSpPr>
@@ -9577,6 +9047,7 @@
               <a:rPr lang="en-GB" dirty="0"/>
               <a:t>Problem statement is</a:t>
             </a:r>
+            <a:endParaRPr lang="en-GB" dirty="0"/>
           </a:p>
           <a:p>
             <a:pPr marL="0" indent="0">
@@ -9598,6 +9069,7 @@
               <a:rPr lang="en-IN" dirty="0"/>
               <a:t>.</a:t>
             </a:r>
+            <a:endParaRPr lang="en-IN" dirty="0"/>
           </a:p>
           <a:p>
             <a:pPr marL="0" indent="0">
@@ -9608,11 +9080,6 @@
         </p:txBody>
       </p:sp>
     </p:spTree>
-    <p:extLst>
-      <p:ext uri="{BB962C8B-B14F-4D97-AF65-F5344CB8AC3E}">
-        <p14:creationId xmlns:p14="http://schemas.microsoft.com/office/powerpoint/2010/main" val="4075130433"/>
-      </p:ext>
-    </p:extLst>
   </p:cSld>
   <p:clrMapOvr>
     <a:masterClrMapping/>
@@ -9639,13 +9106,7 @@
       </p:grpSpPr>
       <p:sp>
         <p:nvSpPr>
-          <p:cNvPr id="2" name="Title 1">
-            <a:extLst>
-              <a:ext uri="{FF2B5EF4-FFF2-40B4-BE49-F238E27FC236}">
-                <a16:creationId xmlns:a16="http://schemas.microsoft.com/office/drawing/2014/main" id="{56E78690-906E-4C0A-9AAC-824CD0F05CF3}"/>
-              </a:ext>
-            </a:extLst>
-          </p:cNvPr>
+          <p:cNvPr id="2" name="Title 1"/>
           <p:cNvSpPr>
             <a:spLocks noGrp="1"/>
           </p:cNvSpPr>
@@ -9667,15 +9128,11 @@
               <a:rPr lang="en-IN" dirty="0"/>
               <a:t>Literature Survey</a:t>
             </a:r>
+            <a:endParaRPr lang="en-IN" dirty="0"/>
           </a:p>
         </p:txBody>
       </p:sp>
     </p:spTree>
-    <p:extLst>
-      <p:ext uri="{BB962C8B-B14F-4D97-AF65-F5344CB8AC3E}">
-        <p14:creationId xmlns:p14="http://schemas.microsoft.com/office/powerpoint/2010/main" val="4111237822"/>
-      </p:ext>
-    </p:extLst>
   </p:cSld>
   <p:clrMapOvr>
     <a:masterClrMapping/>
@@ -9702,13 +9159,7 @@
       </p:grpSpPr>
       <p:sp>
         <p:nvSpPr>
-          <p:cNvPr id="2" name="Title 1">
-            <a:extLst>
-              <a:ext uri="{FF2B5EF4-FFF2-40B4-BE49-F238E27FC236}">
-                <a16:creationId xmlns:a16="http://schemas.microsoft.com/office/drawing/2014/main" id="{D84C9772-F8FE-4A56-9FBE-F74197FF52CF}"/>
-              </a:ext>
-            </a:extLst>
-          </p:cNvPr>
+          <p:cNvPr id="2" name="Title 1"/>
           <p:cNvSpPr>
             <a:spLocks noGrp="1"/>
           </p:cNvSpPr>
@@ -9731,13 +9182,7 @@
       </p:sp>
       <p:sp>
         <p:nvSpPr>
-          <p:cNvPr id="3" name="Content Placeholder 2">
-            <a:extLst>
-              <a:ext uri="{FF2B5EF4-FFF2-40B4-BE49-F238E27FC236}">
-                <a16:creationId xmlns:a16="http://schemas.microsoft.com/office/drawing/2014/main" id="{9C750391-8E63-417C-A0ED-BB3BF64BDEA3}"/>
-              </a:ext>
-            </a:extLst>
-          </p:cNvPr>
+          <p:cNvPr id="3" name="Content Placeholder 2"/>
           <p:cNvSpPr>
             <a:spLocks noGrp="1"/>
           </p:cNvSpPr>
@@ -9756,27 +9201,25 @@
               <a:rPr lang="en-IN" dirty="0"/>
               <a:t>For detection of chances of heart disease various data minding algorithms are used. </a:t>
             </a:r>
+            <a:endParaRPr lang="en-IN" dirty="0"/>
           </a:p>
           <a:p>
             <a:r>
               <a:rPr lang="en-IN" dirty="0"/>
               <a:t>These data mining algorithms include Naïve Bayes, K-means, Support Vector Machine, Simple Logistic Regression, Random Forest &amp; Artificial Neural Network (ANN) etc. </a:t>
             </a:r>
+            <a:endParaRPr lang="en-IN" dirty="0"/>
           </a:p>
           <a:p>
             <a:r>
               <a:rPr lang="en-IN" dirty="0"/>
               <a:t>By using several cardiovascular system parameters such as age, blood pressure, ECG results, sex, and blood sugar, it is possible to measure the possibility of getting affected by heart disease. </a:t>
             </a:r>
+            <a:endParaRPr lang="en-IN" dirty="0"/>
           </a:p>
         </p:txBody>
       </p:sp>
     </p:spTree>
-    <p:extLst>
-      <p:ext uri="{BB962C8B-B14F-4D97-AF65-F5344CB8AC3E}">
-        <p14:creationId xmlns:p14="http://schemas.microsoft.com/office/powerpoint/2010/main" val="3118947315"/>
-      </p:ext>
-    </p:extLst>
   </p:cSld>
   <p:clrMapOvr>
     <a:masterClrMapping/>
@@ -9803,13 +9246,7 @@
       </p:grpSpPr>
       <p:sp>
         <p:nvSpPr>
-          <p:cNvPr id="2" name="Title 1">
-            <a:extLst>
-              <a:ext uri="{FF2B5EF4-FFF2-40B4-BE49-F238E27FC236}">
-                <a16:creationId xmlns:a16="http://schemas.microsoft.com/office/drawing/2014/main" id="{9B9A5BCD-9F68-463E-93AA-4631EBA88D61}"/>
-              </a:ext>
-            </a:extLst>
-          </p:cNvPr>
+          <p:cNvPr id="2" name="Title 1"/>
           <p:cNvSpPr>
             <a:spLocks noGrp="1"/>
           </p:cNvSpPr>
@@ -9831,15 +9268,11 @@
               <a:rPr lang="en-IN" dirty="0"/>
               <a:t>Proposed Method</a:t>
             </a:r>
+            <a:endParaRPr lang="en-IN" dirty="0"/>
           </a:p>
         </p:txBody>
       </p:sp>
     </p:spTree>
-    <p:extLst>
-      <p:ext uri="{BB962C8B-B14F-4D97-AF65-F5344CB8AC3E}">
-        <p14:creationId xmlns:p14="http://schemas.microsoft.com/office/powerpoint/2010/main" val="2726185425"/>
-      </p:ext>
-    </p:extLst>
   </p:cSld>
   <p:clrMapOvr>
     <a:masterClrMapping/>
@@ -9866,13 +9299,7 @@
       </p:grpSpPr>
       <p:sp>
         <p:nvSpPr>
-          <p:cNvPr id="2" name="Title 1">
-            <a:extLst>
-              <a:ext uri="{FF2B5EF4-FFF2-40B4-BE49-F238E27FC236}">
-                <a16:creationId xmlns:a16="http://schemas.microsoft.com/office/drawing/2014/main" id="{9EC6C7C9-23DA-4DED-8580-F06B347416A7}"/>
-              </a:ext>
-            </a:extLst>
-          </p:cNvPr>
+          <p:cNvPr id="2" name="Title 1"/>
           <p:cNvSpPr>
             <a:spLocks noGrp="1"/>
           </p:cNvSpPr>
@@ -9894,18 +9321,13 @@
               <a:rPr lang="en-IN" dirty="0"/>
               <a:t>Proposed system works in 3 phases</a:t>
             </a:r>
-          </a:p>
-        </p:txBody>
-      </p:sp>
-      <p:sp>
-        <p:nvSpPr>
-          <p:cNvPr id="3" name="Content Placeholder 2">
-            <a:extLst>
-              <a:ext uri="{FF2B5EF4-FFF2-40B4-BE49-F238E27FC236}">
-                <a16:creationId xmlns:a16="http://schemas.microsoft.com/office/drawing/2014/main" id="{6B827099-CD2A-43BD-B0DF-B9BEB5D9F596}"/>
-              </a:ext>
-            </a:extLst>
-          </p:cNvPr>
+            <a:endParaRPr lang="en-IN" dirty="0"/>
+          </a:p>
+        </p:txBody>
+      </p:sp>
+      <p:sp>
+        <p:nvSpPr>
+          <p:cNvPr id="3" name="Content Placeholder 2"/>
           <p:cNvSpPr>
             <a:spLocks noGrp="1"/>
           </p:cNvSpPr>
@@ -9927,12 +9349,14 @@
               <a:rPr lang="en-IN" dirty="0"/>
               <a:t>a) Exploratory Data Analysis (EDA) </a:t>
             </a:r>
+            <a:endParaRPr lang="en-IN" dirty="0"/>
           </a:p>
           <a:p>
             <a:r>
               <a:rPr lang="en-IN" dirty="0"/>
               <a:t>b) Data Pre-processing</a:t>
             </a:r>
+            <a:endParaRPr lang="en-IN" dirty="0"/>
           </a:p>
           <a:p>
             <a:r>
@@ -9944,11 +9368,6 @@
         </p:txBody>
       </p:sp>
     </p:spTree>
-    <p:extLst>
-      <p:ext uri="{BB962C8B-B14F-4D97-AF65-F5344CB8AC3E}">
-        <p14:creationId xmlns:p14="http://schemas.microsoft.com/office/powerpoint/2010/main" val="2580742962"/>
-      </p:ext>
-    </p:extLst>
   </p:cSld>
   <p:clrMapOvr>
     <a:masterClrMapping/>
@@ -9999,7 +9418,7 @@
     </a:clrScheme>
     <a:fontScheme name="Parallax">
       <a:majorFont>
-        <a:latin typeface="Corbel" panose="020B0503020204020204"/>
+        <a:latin typeface="Corbel"/>
         <a:ea typeface=""/>
         <a:cs typeface=""/>
         <a:font script="Jpan" typeface="HGｺﾞｼｯｸM"/>
@@ -10034,7 +9453,7 @@
         <a:font script="Geor" typeface="Sylfaen"/>
       </a:majorFont>
       <a:minorFont>
-        <a:latin typeface="Corbel" panose="020B0503020204020204"/>
+        <a:latin typeface="Corbel"/>
         <a:ea typeface=""/>
         <a:cs typeface=""/>
         <a:font script="Jpan" typeface="HGｺﾞｼｯｸM"/>
@@ -10197,16 +9616,16 @@
               </a:schemeClr>
             </a:duotone>
           </a:blip>
-          <a:stretch/>
+          <a:stretch>
+            <a:fillRect/>
+          </a:stretch>
         </a:blipFill>
       </a:bgFillStyleLst>
     </a:fmtScheme>
   </a:themeElements>
-  <a:objectDefaults/>
-  <a:extraClrSchemeLst/>
   <a:extLst>
     <a:ext uri="{05A4C25C-085E-4340-85A3-A5531E510DB2}">
-      <thm15:themeFamily xmlns:thm15="http://schemas.microsoft.com/office/thememl/2012/main" name="Parallax" id="{3388167B-A2EB-4685-9635-1831D9AEF8C4}" vid="{93B4CCAC-FD5A-4D59-B1AC-EAF45910B5A9}"/>
+      <thm15:themeFamily xmlns:thm15="http://schemas.microsoft.com/office/thememl/2012/main" name="Office Theme" id="{62F939B6-93AF-4DB8-9C6B-D6C7DFDC589F}" vid="{4A3C46E8-61CC-4603-A589-7422A47A8E4A}"/>
     </a:ext>
   </a:extLst>
 </a:theme>

--- a/Presentation.pptx
+++ b/Presentation.pptx
@@ -19,25 +19,21 @@
     <p:sldId id="283" r:id="rId14"/>
     <p:sldId id="284" r:id="rId15"/>
     <p:sldId id="285" r:id="rId16"/>
-    <p:sldId id="286" r:id="rId17"/>
-    <p:sldId id="287" r:id="rId18"/>
-    <p:sldId id="288" r:id="rId19"/>
-    <p:sldId id="289" r:id="rId20"/>
-    <p:sldId id="290" r:id="rId21"/>
-    <p:sldId id="291" r:id="rId22"/>
-    <p:sldId id="297" r:id="rId23"/>
-    <p:sldId id="292" r:id="rId24"/>
-    <p:sldId id="296" r:id="rId25"/>
-    <p:sldId id="293" r:id="rId26"/>
-    <p:sldId id="294" r:id="rId27"/>
-    <p:sldId id="295" r:id="rId28"/>
-    <p:sldId id="261" r:id="rId29"/>
-    <p:sldId id="262" r:id="rId30"/>
-    <p:sldId id="265" r:id="rId31"/>
-    <p:sldId id="263" r:id="rId32"/>
-    <p:sldId id="266" r:id="rId33"/>
-    <p:sldId id="264" r:id="rId34"/>
-    <p:sldId id="267" r:id="rId35"/>
+    <p:sldId id="290" r:id="rId17"/>
+    <p:sldId id="291" r:id="rId18"/>
+    <p:sldId id="297" r:id="rId19"/>
+    <p:sldId id="292" r:id="rId20"/>
+    <p:sldId id="296" r:id="rId21"/>
+    <p:sldId id="293" r:id="rId22"/>
+    <p:sldId id="294" r:id="rId23"/>
+    <p:sldId id="295" r:id="rId24"/>
+    <p:sldId id="261" r:id="rId25"/>
+    <p:sldId id="262" r:id="rId26"/>
+    <p:sldId id="265" r:id="rId27"/>
+    <p:sldId id="263" r:id="rId28"/>
+    <p:sldId id="266" r:id="rId29"/>
+    <p:sldId id="264" r:id="rId30"/>
+    <p:sldId id="267" r:id="rId31"/>
   </p:sldIdLst>
   <p:sldSz cx="12192000" cy="6858000"/>
   <p:notesSz cx="6858000" cy="9144000"/>
@@ -6255,7 +6251,7 @@
         <p:spPr/>
         <p:txBody>
           <a:bodyPr>
-            <a:normAutofit fontScale="92500" lnSpcReduction="10000"/>
+            <a:normAutofit fontScale="92500"/>
           </a:bodyPr>
           <a:lstStyle/>
           <a:p>
@@ -6290,13 +6286,6 @@
             <a:r>
               <a:rPr lang="en-IN" dirty="0"/>
               <a:t>4. What's missing from the data and how do you deal with it?</a:t>
-            </a:r>
-            <a:endParaRPr lang="en-IN" dirty="0"/>
-          </a:p>
-          <a:p>
-            <a:r>
-              <a:rPr lang="en-IN" dirty="0"/>
-              <a:t>5. Where are the outliers and why should you care about them?</a:t>
             </a:r>
             <a:endParaRPr lang="en-IN" dirty="0"/>
           </a:p>
@@ -6745,38 +6734,23 @@
             <p:ph type="title"/>
           </p:nvPr>
         </p:nvSpPr>
-        <p:spPr/>
-        <p:txBody>
-          <a:bodyPr/>
-          <a:lstStyle/>
-          <a:p>
-            <a:r>
-              <a:rPr lang="en-IN" i="1" dirty="0"/>
-              <a:t>1) Data Analysis:</a:t>
-            </a:r>
-            <a:endParaRPr lang="en-IN" dirty="0"/>
-          </a:p>
-        </p:txBody>
-      </p:sp>
-      <p:sp>
-        <p:nvSpPr>
-          <p:cNvPr id="3" name="Content Placeholder 2"/>
-          <p:cNvSpPr>
-            <a:spLocks noGrp="1"/>
-          </p:cNvSpPr>
-          <p:nvPr>
-            <p:ph idx="1"/>
-          </p:nvPr>
-        </p:nvSpPr>
-        <p:spPr/>
+        <p:spPr>
+          <a:xfrm>
+            <a:off x="1484311" y="685800"/>
+            <a:ext cx="10018713" cy="5661734"/>
+          </a:xfrm>
+        </p:spPr>
         <p:txBody>
           <a:bodyPr/>
           <a:lstStyle/>
           <a:p>
             <a:r>
               <a:rPr lang="en-IN" dirty="0"/>
-              <a:t>Based on the dataset, we are deciding the kind of clusters we are going to need for prediction, their limits and how the overall differentiation of dataset is going to be.</a:t>
-            </a:r>
+              <a:t>Results</a:t>
+            </a:r>
+            <a:br>
+              <a:rPr lang="en-IN" dirty="0"/>
+            </a:br>
             <a:endParaRPr lang="en-IN" dirty="0"/>
           </a:p>
         </p:txBody>
@@ -6822,12 +6796,9 @@
           <a:lstStyle/>
           <a:p>
             <a:r>
-              <a:rPr lang="en-IN" i="1" dirty="0"/>
-              <a:t>2) Data Pre-processing:</a:t>
-            </a:r>
-            <a:br>
-              <a:rPr lang="en-IN" dirty="0"/>
-            </a:br>
+              <a:rPr lang="en-GB" dirty="0"/>
+              <a:t>Algorithm Implemented</a:t>
+            </a:r>
             <a:endParaRPr lang="en-IN" dirty="0"/>
           </a:p>
         </p:txBody>
@@ -6842,19 +6813,45 @@
             <p:ph idx="1"/>
           </p:nvPr>
         </p:nvSpPr>
-        <p:spPr>
-          <a:xfrm>
-            <a:off x="1484310" y="2249748"/>
-            <a:ext cx="10018713" cy="3124201"/>
-          </a:xfrm>
-        </p:spPr>
-        <p:txBody>
-          <a:bodyPr/>
-          <a:lstStyle/>
-          <a:p>
-            <a:r>
-              <a:rPr lang="en-IN" dirty="0"/>
-              <a:t>This includes bringing the data in the form which is required by the machine learning algorithm.</a:t>
+        <p:spPr/>
+        <p:txBody>
+          <a:bodyPr/>
+          <a:lstStyle/>
+          <a:p>
+            <a:r>
+              <a:rPr lang="en-GB" dirty="0"/>
+              <a:t>As we have implemented three algorithms on the given dataset to get more accuracy -</a:t>
+            </a:r>
+            <a:endParaRPr lang="en-IN" dirty="0"/>
+          </a:p>
+          <a:p>
+            <a:pPr lvl="0"/>
+            <a:r>
+              <a:rPr lang="en-GB" dirty="0"/>
+              <a:t>(</a:t>
+            </a:r>
+            <a:r>
+              <a:rPr lang="en-GB" dirty="0" err="1"/>
+              <a:t>i</a:t>
+            </a:r>
+            <a:r>
+              <a:rPr lang="en-GB" dirty="0"/>
+              <a:t>) Logistic Regression</a:t>
+            </a:r>
+            <a:endParaRPr lang="en-IN" dirty="0"/>
+          </a:p>
+          <a:p>
+            <a:pPr lvl="0"/>
+            <a:r>
+              <a:rPr lang="en-GB" dirty="0"/>
+              <a:t>(ii) K-Nearest-Neighbours</a:t>
+            </a:r>
+            <a:endParaRPr lang="en-IN" dirty="0"/>
+          </a:p>
+          <a:p>
+            <a:r>
+              <a:rPr lang="en-GB" dirty="0"/>
+              <a:t>(iii) Support Vector Machine</a:t>
             </a:r>
             <a:endParaRPr lang="en-IN" dirty="0"/>
           </a:p>
@@ -6895,414 +6892,6 @@
             <p:ph type="title"/>
           </p:nvPr>
         </p:nvSpPr>
-        <p:spPr/>
-        <p:txBody>
-          <a:bodyPr/>
-          <a:lstStyle/>
-          <a:p>
-            <a:r>
-              <a:rPr lang="en-IN" i="1" dirty="0"/>
-              <a:t>3) Building an actual system:</a:t>
-            </a:r>
-            <a:br>
-              <a:rPr lang="en-IN" dirty="0"/>
-            </a:br>
-            <a:endParaRPr lang="en-IN" dirty="0"/>
-          </a:p>
-        </p:txBody>
-      </p:sp>
-      <p:sp>
-        <p:nvSpPr>
-          <p:cNvPr id="3" name="Content Placeholder 2"/>
-          <p:cNvSpPr>
-            <a:spLocks noGrp="1"/>
-          </p:cNvSpPr>
-          <p:nvPr>
-            <p:ph idx="1"/>
-          </p:nvPr>
-        </p:nvSpPr>
-        <p:spPr>
-          <a:xfrm>
-            <a:off x="1484310" y="2294137"/>
-            <a:ext cx="10018713" cy="3124201"/>
-          </a:xfrm>
-        </p:spPr>
-        <p:txBody>
-          <a:bodyPr/>
-          <a:lstStyle/>
-          <a:p>
-            <a:r>
-              <a:rPr lang="en-IN" dirty="0"/>
-              <a:t>This includes building and implementing machine learning algorithm for detecting chances of heart diseases.</a:t>
-            </a:r>
-            <a:endParaRPr lang="en-IN" dirty="0"/>
-          </a:p>
-        </p:txBody>
-      </p:sp>
-    </p:spTree>
-  </p:cSld>
-  <p:clrMapOvr>
-    <a:masterClrMapping/>
-  </p:clrMapOvr>
-</p:sld>
-</file>
-
-<file path=ppt/slides/slide18.xml><?xml version="1.0" encoding="utf-8"?>
-<p:sld xmlns:a="http://schemas.openxmlformats.org/drawingml/2006/main" xmlns:r="http://schemas.openxmlformats.org/officeDocument/2006/relationships" xmlns:p="http://schemas.openxmlformats.org/presentationml/2006/main">
-  <p:cSld>
-    <p:spTree>
-      <p:nvGrpSpPr>
-        <p:cNvPr id="1" name=""/>
-        <p:cNvGrpSpPr/>
-        <p:nvPr/>
-      </p:nvGrpSpPr>
-      <p:grpSpPr>
-        <a:xfrm>
-          <a:off x="0" y="0"/>
-          <a:ext cx="0" cy="0"/>
-          <a:chOff x="0" y="0"/>
-          <a:chExt cx="0" cy="0"/>
-        </a:xfrm>
-      </p:grpSpPr>
-      <p:sp>
-        <p:nvSpPr>
-          <p:cNvPr id="2" name="Title 1"/>
-          <p:cNvSpPr>
-            <a:spLocks noGrp="1"/>
-          </p:cNvSpPr>
-          <p:nvPr>
-            <p:ph type="title"/>
-          </p:nvPr>
-        </p:nvSpPr>
-        <p:spPr/>
-        <p:txBody>
-          <a:bodyPr/>
-          <a:lstStyle/>
-          <a:p>
-            <a:r>
-              <a:rPr lang="en-GB" dirty="0"/>
-              <a:t>4)</a:t>
-            </a:r>
-            <a:r>
-              <a:rPr lang="en-IN" i="1" dirty="0"/>
-              <a:t> Testing and Documentation:</a:t>
-            </a:r>
-            <a:endParaRPr lang="en-IN" dirty="0"/>
-          </a:p>
-        </p:txBody>
-      </p:sp>
-      <p:sp>
-        <p:nvSpPr>
-          <p:cNvPr id="3" name="Content Placeholder 2"/>
-          <p:cNvSpPr>
-            <a:spLocks noGrp="1"/>
-          </p:cNvSpPr>
-          <p:nvPr>
-            <p:ph idx="1"/>
-          </p:nvPr>
-        </p:nvSpPr>
-        <p:spPr/>
-        <p:txBody>
-          <a:bodyPr/>
-          <a:lstStyle/>
-          <a:p>
-            <a:r>
-              <a:rPr lang="en-IN" dirty="0"/>
-              <a:t>This includes testing the system in different scenarios and cases and completing the final report</a:t>
-            </a:r>
-            <a:endParaRPr lang="en-IN" dirty="0"/>
-          </a:p>
-          <a:p>
-            <a:endParaRPr lang="en-IN" dirty="0"/>
-          </a:p>
-        </p:txBody>
-      </p:sp>
-    </p:spTree>
-  </p:cSld>
-  <p:clrMapOvr>
-    <a:masterClrMapping/>
-  </p:clrMapOvr>
-</p:sld>
-</file>
-
-<file path=ppt/slides/slide19.xml><?xml version="1.0" encoding="utf-8"?>
-<p:sld xmlns:a="http://schemas.openxmlformats.org/drawingml/2006/main" xmlns:r="http://schemas.openxmlformats.org/officeDocument/2006/relationships" xmlns:p="http://schemas.openxmlformats.org/presentationml/2006/main">
-  <p:cSld>
-    <p:spTree>
-      <p:nvGrpSpPr>
-        <p:cNvPr id="1" name=""/>
-        <p:cNvGrpSpPr/>
-        <p:nvPr/>
-      </p:nvGrpSpPr>
-      <p:grpSpPr>
-        <a:xfrm>
-          <a:off x="0" y="0"/>
-          <a:ext cx="0" cy="0"/>
-          <a:chOff x="0" y="0"/>
-          <a:chExt cx="0" cy="0"/>
-        </a:xfrm>
-      </p:grpSpPr>
-      <p:sp>
-        <p:nvSpPr>
-          <p:cNvPr id="2" name="Title 1"/>
-          <p:cNvSpPr>
-            <a:spLocks noGrp="1"/>
-          </p:cNvSpPr>
-          <p:nvPr>
-            <p:ph type="title"/>
-          </p:nvPr>
-        </p:nvSpPr>
-        <p:spPr>
-          <a:xfrm>
-            <a:off x="1484311" y="685800"/>
-            <a:ext cx="10018713" cy="5661734"/>
-          </a:xfrm>
-        </p:spPr>
-        <p:txBody>
-          <a:bodyPr/>
-          <a:lstStyle/>
-          <a:p>
-            <a:r>
-              <a:rPr lang="en-IN" dirty="0"/>
-              <a:t>Results</a:t>
-            </a:r>
-            <a:br>
-              <a:rPr lang="en-IN" dirty="0"/>
-            </a:br>
-            <a:endParaRPr lang="en-IN" dirty="0"/>
-          </a:p>
-        </p:txBody>
-      </p:sp>
-    </p:spTree>
-  </p:cSld>
-  <p:clrMapOvr>
-    <a:masterClrMapping/>
-  </p:clrMapOvr>
-</p:sld>
-</file>
-
-<file path=ppt/slides/slide2.xml><?xml version="1.0" encoding="utf-8"?>
-<p:sld xmlns:a="http://schemas.openxmlformats.org/drawingml/2006/main" xmlns:r="http://schemas.openxmlformats.org/officeDocument/2006/relationships" xmlns:p="http://schemas.openxmlformats.org/presentationml/2006/main">
-  <p:cSld>
-    <p:spTree>
-      <p:nvGrpSpPr>
-        <p:cNvPr id="1" name=""/>
-        <p:cNvGrpSpPr/>
-        <p:nvPr/>
-      </p:nvGrpSpPr>
-      <p:grpSpPr>
-        <a:xfrm>
-          <a:off x="0" y="0"/>
-          <a:ext cx="0" cy="0"/>
-          <a:chOff x="0" y="0"/>
-          <a:chExt cx="0" cy="0"/>
-        </a:xfrm>
-      </p:grpSpPr>
-      <p:sp>
-        <p:nvSpPr>
-          <p:cNvPr id="2" name="Title 1"/>
-          <p:cNvSpPr>
-            <a:spLocks noGrp="1"/>
-          </p:cNvSpPr>
-          <p:nvPr>
-            <p:ph type="title"/>
-          </p:nvPr>
-        </p:nvSpPr>
-        <p:spPr/>
-        <p:txBody>
-          <a:bodyPr/>
-          <a:lstStyle/>
-          <a:p>
-            <a:r>
-              <a:rPr lang="en-IN" dirty="0"/>
-              <a:t>Motive</a:t>
-            </a:r>
-            <a:endParaRPr lang="en-IN" dirty="0"/>
-          </a:p>
-        </p:txBody>
-      </p:sp>
-      <p:sp>
-        <p:nvSpPr>
-          <p:cNvPr id="3" name="Content Placeholder 2"/>
-          <p:cNvSpPr>
-            <a:spLocks noGrp="1"/>
-          </p:cNvSpPr>
-          <p:nvPr>
-            <p:ph idx="1"/>
-          </p:nvPr>
-        </p:nvSpPr>
-        <p:spPr>
-          <a:xfrm>
-            <a:off x="1484310" y="2244437"/>
-            <a:ext cx="10018713" cy="3546764"/>
-          </a:xfrm>
-        </p:spPr>
-        <p:txBody>
-          <a:bodyPr/>
-          <a:lstStyle/>
-          <a:p>
-            <a:r>
-              <a:rPr lang="en-IN" dirty="0"/>
-              <a:t>Heart diseases can be predicted beforehand and can be prevented in an early stage.</a:t>
-            </a:r>
-            <a:endParaRPr lang="en-IN" dirty="0"/>
-          </a:p>
-          <a:p>
-            <a:r>
-              <a:rPr lang="en-IN" dirty="0"/>
-              <a:t>However, test like ECG are quite costly.</a:t>
-            </a:r>
-            <a:endParaRPr lang="en-IN" dirty="0"/>
-          </a:p>
-          <a:p>
-            <a:r>
-              <a:rPr lang="en-IN" dirty="0"/>
-              <a:t>So, we have a software solution for heart disease Prediction.</a:t>
-            </a:r>
-            <a:br>
-              <a:rPr lang="en-IN" dirty="0"/>
-            </a:br>
-            <a:endParaRPr lang="en-IN" dirty="0"/>
-          </a:p>
-        </p:txBody>
-      </p:sp>
-    </p:spTree>
-  </p:cSld>
-  <p:clrMapOvr>
-    <a:masterClrMapping/>
-  </p:clrMapOvr>
-</p:sld>
-</file>
-
-<file path=ppt/slides/slide20.xml><?xml version="1.0" encoding="utf-8"?>
-<p:sld xmlns:a="http://schemas.openxmlformats.org/drawingml/2006/main" xmlns:r="http://schemas.openxmlformats.org/officeDocument/2006/relationships" xmlns:p="http://schemas.openxmlformats.org/presentationml/2006/main">
-  <p:cSld>
-    <p:spTree>
-      <p:nvGrpSpPr>
-        <p:cNvPr id="1" name=""/>
-        <p:cNvGrpSpPr/>
-        <p:nvPr/>
-      </p:nvGrpSpPr>
-      <p:grpSpPr>
-        <a:xfrm>
-          <a:off x="0" y="0"/>
-          <a:ext cx="0" cy="0"/>
-          <a:chOff x="0" y="0"/>
-          <a:chExt cx="0" cy="0"/>
-        </a:xfrm>
-      </p:grpSpPr>
-      <p:sp>
-        <p:nvSpPr>
-          <p:cNvPr id="2" name="Title 1"/>
-          <p:cNvSpPr>
-            <a:spLocks noGrp="1"/>
-          </p:cNvSpPr>
-          <p:nvPr>
-            <p:ph type="title"/>
-          </p:nvPr>
-        </p:nvSpPr>
-        <p:spPr/>
-        <p:txBody>
-          <a:bodyPr/>
-          <a:lstStyle/>
-          <a:p>
-            <a:r>
-              <a:rPr lang="en-GB" dirty="0"/>
-              <a:t>Algorithm Implemented</a:t>
-            </a:r>
-            <a:endParaRPr lang="en-IN" dirty="0"/>
-          </a:p>
-        </p:txBody>
-      </p:sp>
-      <p:sp>
-        <p:nvSpPr>
-          <p:cNvPr id="3" name="Content Placeholder 2"/>
-          <p:cNvSpPr>
-            <a:spLocks noGrp="1"/>
-          </p:cNvSpPr>
-          <p:nvPr>
-            <p:ph idx="1"/>
-          </p:nvPr>
-        </p:nvSpPr>
-        <p:spPr/>
-        <p:txBody>
-          <a:bodyPr/>
-          <a:lstStyle/>
-          <a:p>
-            <a:r>
-              <a:rPr lang="en-GB" dirty="0"/>
-              <a:t>As we have implemented three algorithms on the given dataset to get more accuracy -</a:t>
-            </a:r>
-            <a:endParaRPr lang="en-IN" dirty="0"/>
-          </a:p>
-          <a:p>
-            <a:pPr lvl="0"/>
-            <a:r>
-              <a:rPr lang="en-GB" dirty="0"/>
-              <a:t>(</a:t>
-            </a:r>
-            <a:r>
-              <a:rPr lang="en-GB" dirty="0" err="1"/>
-              <a:t>i</a:t>
-            </a:r>
-            <a:r>
-              <a:rPr lang="en-GB" dirty="0"/>
-              <a:t>) Logistic Regression</a:t>
-            </a:r>
-            <a:endParaRPr lang="en-IN" dirty="0"/>
-          </a:p>
-          <a:p>
-            <a:pPr lvl="0"/>
-            <a:r>
-              <a:rPr lang="en-GB" dirty="0"/>
-              <a:t>(ii) K-Nearest-Neighbours</a:t>
-            </a:r>
-            <a:endParaRPr lang="en-IN" dirty="0"/>
-          </a:p>
-          <a:p>
-            <a:r>
-              <a:rPr lang="en-GB" dirty="0"/>
-              <a:t>(iii) Support Vector Machine</a:t>
-            </a:r>
-            <a:endParaRPr lang="en-IN" dirty="0"/>
-          </a:p>
-        </p:txBody>
-      </p:sp>
-    </p:spTree>
-  </p:cSld>
-  <p:clrMapOvr>
-    <a:masterClrMapping/>
-  </p:clrMapOvr>
-</p:sld>
-</file>
-
-<file path=ppt/slides/slide21.xml><?xml version="1.0" encoding="utf-8"?>
-<p:sld xmlns:a="http://schemas.openxmlformats.org/drawingml/2006/main" xmlns:r="http://schemas.openxmlformats.org/officeDocument/2006/relationships" xmlns:p="http://schemas.openxmlformats.org/presentationml/2006/main">
-  <p:cSld>
-    <p:spTree>
-      <p:nvGrpSpPr>
-        <p:cNvPr id="1" name=""/>
-        <p:cNvGrpSpPr/>
-        <p:nvPr/>
-      </p:nvGrpSpPr>
-      <p:grpSpPr>
-        <a:xfrm>
-          <a:off x="0" y="0"/>
-          <a:ext cx="0" cy="0"/>
-          <a:chOff x="0" y="0"/>
-          <a:chExt cx="0" cy="0"/>
-        </a:xfrm>
-      </p:grpSpPr>
-      <p:sp>
-        <p:nvSpPr>
-          <p:cNvPr id="2" name="Title 1"/>
-          <p:cNvSpPr>
-            <a:spLocks noGrp="1"/>
-          </p:cNvSpPr>
-          <p:nvPr>
-            <p:ph type="title"/>
-          </p:nvPr>
-        </p:nvSpPr>
         <p:spPr>
           <a:xfrm>
             <a:off x="1484311" y="487017"/>
@@ -7393,7 +6982,7 @@
 </p:sld>
 </file>
 
-<file path=ppt/slides/slide22.xml><?xml version="1.0" encoding="utf-8"?>
+<file path=ppt/slides/slide18.xml><?xml version="1.0" encoding="utf-8"?>
 <p:sld xmlns:a="http://schemas.openxmlformats.org/drawingml/2006/main" xmlns:r="http://schemas.openxmlformats.org/officeDocument/2006/relationships" xmlns:p="http://schemas.openxmlformats.org/presentationml/2006/main">
   <p:cSld>
     <p:spTree>
@@ -7484,7 +7073,7 @@
 </p:sld>
 </file>
 
-<file path=ppt/slides/slide23.xml><?xml version="1.0" encoding="utf-8"?>
+<file path=ppt/slides/slide19.xml><?xml version="1.0" encoding="utf-8"?>
 <p:sld xmlns:a="http://schemas.openxmlformats.org/drawingml/2006/main" xmlns:r="http://schemas.openxmlformats.org/officeDocument/2006/relationships" xmlns:p="http://schemas.openxmlformats.org/presentationml/2006/main">
   <p:cSld>
     <p:spTree>
@@ -7565,7 +7154,100 @@
 </p:sld>
 </file>
 
-<file path=ppt/slides/slide24.xml><?xml version="1.0" encoding="utf-8"?>
+<file path=ppt/slides/slide2.xml><?xml version="1.0" encoding="utf-8"?>
+<p:sld xmlns:a="http://schemas.openxmlformats.org/drawingml/2006/main" xmlns:r="http://schemas.openxmlformats.org/officeDocument/2006/relationships" xmlns:p="http://schemas.openxmlformats.org/presentationml/2006/main">
+  <p:cSld>
+    <p:spTree>
+      <p:nvGrpSpPr>
+        <p:cNvPr id="1" name=""/>
+        <p:cNvGrpSpPr/>
+        <p:nvPr/>
+      </p:nvGrpSpPr>
+      <p:grpSpPr>
+        <a:xfrm>
+          <a:off x="0" y="0"/>
+          <a:ext cx="0" cy="0"/>
+          <a:chOff x="0" y="0"/>
+          <a:chExt cx="0" cy="0"/>
+        </a:xfrm>
+      </p:grpSpPr>
+      <p:sp>
+        <p:nvSpPr>
+          <p:cNvPr id="2" name="Title 1"/>
+          <p:cNvSpPr>
+            <a:spLocks noGrp="1"/>
+          </p:cNvSpPr>
+          <p:nvPr>
+            <p:ph type="title"/>
+          </p:nvPr>
+        </p:nvSpPr>
+        <p:spPr/>
+        <p:txBody>
+          <a:bodyPr/>
+          <a:lstStyle/>
+          <a:p>
+            <a:r>
+              <a:rPr lang="en-IN" dirty="0"/>
+              <a:t>Motive</a:t>
+            </a:r>
+            <a:endParaRPr lang="en-IN" dirty="0"/>
+          </a:p>
+        </p:txBody>
+      </p:sp>
+      <p:sp>
+        <p:nvSpPr>
+          <p:cNvPr id="3" name="Content Placeholder 2"/>
+          <p:cNvSpPr>
+            <a:spLocks noGrp="1"/>
+          </p:cNvSpPr>
+          <p:nvPr>
+            <p:ph idx="1"/>
+          </p:nvPr>
+        </p:nvSpPr>
+        <p:spPr>
+          <a:xfrm>
+            <a:off x="1484310" y="2244437"/>
+            <a:ext cx="10018713" cy="3546764"/>
+          </a:xfrm>
+        </p:spPr>
+        <p:txBody>
+          <a:bodyPr/>
+          <a:lstStyle/>
+          <a:p>
+            <a:r>
+              <a:rPr lang="en-IN" dirty="0"/>
+              <a:t>Heart diseases can be predicted beforehand and can be prevented in an early stage.</a:t>
+            </a:r>
+            <a:endParaRPr lang="en-IN" dirty="0"/>
+          </a:p>
+          <a:p>
+            <a:r>
+              <a:rPr lang="en-IN" dirty="0"/>
+              <a:t>However, test like ECG are quite costly.</a:t>
+            </a:r>
+            <a:endParaRPr lang="en-IN" dirty="0"/>
+          </a:p>
+          <a:p>
+            <a:r>
+              <a:rPr lang="en-IN" dirty="0"/>
+              <a:t>So, we have a software solution for heart disease Prediction.</a:t>
+            </a:r>
+            <a:br>
+              <a:rPr lang="en-IN" dirty="0"/>
+            </a:br>
+            <a:endParaRPr lang="en-IN" dirty="0"/>
+          </a:p>
+        </p:txBody>
+      </p:sp>
+    </p:spTree>
+  </p:cSld>
+  <p:clrMapOvr>
+    <a:masterClrMapping/>
+  </p:clrMapOvr>
+</p:sld>
+</file>
+
+<file path=ppt/slides/slide20.xml><?xml version="1.0" encoding="utf-8"?>
 <p:sld xmlns:a="http://schemas.openxmlformats.org/drawingml/2006/main" xmlns:r="http://schemas.openxmlformats.org/officeDocument/2006/relationships" xmlns:p="http://schemas.openxmlformats.org/presentationml/2006/main">
   <p:cSld>
     <p:spTree>
@@ -7647,7 +7329,7 @@
 </p:sld>
 </file>
 
-<file path=ppt/slides/slide25.xml><?xml version="1.0" encoding="utf-8"?>
+<file path=ppt/slides/slide21.xml><?xml version="1.0" encoding="utf-8"?>
 <p:sld xmlns:a="http://schemas.openxmlformats.org/drawingml/2006/main" xmlns:r="http://schemas.openxmlformats.org/officeDocument/2006/relationships" xmlns:p="http://schemas.openxmlformats.org/presentationml/2006/main">
   <p:cSld>
     <p:spTree>
@@ -7732,7 +7414,7 @@
 </p:sld>
 </file>
 
-<file path=ppt/slides/slide26.xml><?xml version="1.0" encoding="utf-8"?>
+<file path=ppt/slides/slide22.xml><?xml version="1.0" encoding="utf-8"?>
 <p:sld xmlns:a="http://schemas.openxmlformats.org/drawingml/2006/main" xmlns:r="http://schemas.openxmlformats.org/officeDocument/2006/relationships" xmlns:p="http://schemas.openxmlformats.org/presentationml/2006/main">
   <p:cSld>
     <p:spTree>
@@ -7860,6 +7542,483 @@
 </p:sld>
 </file>
 
+<file path=ppt/slides/slide23.xml><?xml version="1.0" encoding="utf-8"?>
+<p:sld xmlns:a="http://schemas.openxmlformats.org/drawingml/2006/main" xmlns:r="http://schemas.openxmlformats.org/officeDocument/2006/relationships" xmlns:p="http://schemas.openxmlformats.org/presentationml/2006/main">
+  <p:cSld>
+    <p:spTree>
+      <p:nvGrpSpPr>
+        <p:cNvPr id="1" name=""/>
+        <p:cNvGrpSpPr/>
+        <p:nvPr/>
+      </p:nvGrpSpPr>
+      <p:grpSpPr>
+        <a:xfrm>
+          <a:off x="0" y="0"/>
+          <a:ext cx="0" cy="0"/>
+          <a:chOff x="0" y="0"/>
+          <a:chExt cx="0" cy="0"/>
+        </a:xfrm>
+      </p:grpSpPr>
+      <p:sp>
+        <p:nvSpPr>
+          <p:cNvPr id="2" name="Title 1"/>
+          <p:cNvSpPr>
+            <a:spLocks noGrp="1"/>
+          </p:cNvSpPr>
+          <p:nvPr>
+            <p:ph type="ctrTitle"/>
+          </p:nvPr>
+        </p:nvSpPr>
+        <p:spPr>
+          <a:xfrm>
+            <a:off x="0" y="1089123"/>
+            <a:ext cx="8574622" cy="2616199"/>
+          </a:xfrm>
+        </p:spPr>
+        <p:txBody>
+          <a:bodyPr>
+            <a:normAutofit/>
+          </a:bodyPr>
+          <a:lstStyle/>
+          <a:p>
+            <a:r>
+              <a:rPr lang="en-IN" sz="4000" dirty="0"/>
+              <a:t>Conclusions</a:t>
+            </a:r>
+            <a:endParaRPr lang="en-IN" sz="4000" dirty="0"/>
+          </a:p>
+        </p:txBody>
+      </p:sp>
+    </p:spTree>
+  </p:cSld>
+  <p:clrMapOvr>
+    <a:masterClrMapping/>
+  </p:clrMapOvr>
+</p:sld>
+</file>
+
+<file path=ppt/slides/slide24.xml><?xml version="1.0" encoding="utf-8"?>
+<p:sld xmlns:a="http://schemas.openxmlformats.org/drawingml/2006/main" xmlns:r="http://schemas.openxmlformats.org/officeDocument/2006/relationships" xmlns:p="http://schemas.openxmlformats.org/presentationml/2006/main">
+  <p:cSld>
+    <p:spTree>
+      <p:nvGrpSpPr>
+        <p:cNvPr id="1" name=""/>
+        <p:cNvGrpSpPr/>
+        <p:nvPr/>
+      </p:nvGrpSpPr>
+      <p:grpSpPr>
+        <a:xfrm>
+          <a:off x="0" y="0"/>
+          <a:ext cx="0" cy="0"/>
+          <a:chOff x="0" y="0"/>
+          <a:chExt cx="0" cy="0"/>
+        </a:xfrm>
+      </p:grpSpPr>
+      <p:sp>
+        <p:nvSpPr>
+          <p:cNvPr id="2" name="Title 1"/>
+          <p:cNvSpPr>
+            <a:spLocks noGrp="1"/>
+          </p:cNvSpPr>
+          <p:nvPr>
+            <p:ph type="title"/>
+          </p:nvPr>
+        </p:nvSpPr>
+        <p:spPr/>
+        <p:txBody>
+          <a:bodyPr/>
+          <a:lstStyle/>
+          <a:p>
+            <a:r>
+              <a:rPr lang="en-IN" dirty="0"/>
+              <a:t>(</a:t>
+            </a:r>
+            <a:r>
+              <a:rPr lang="en-IN" dirty="0" err="1"/>
+              <a:t>i</a:t>
+            </a:r>
+            <a:r>
+              <a:rPr lang="en-IN" dirty="0"/>
+              <a:t>)- Chest Pain</a:t>
+            </a:r>
+            <a:endParaRPr lang="en-IN" dirty="0"/>
+          </a:p>
+        </p:txBody>
+      </p:sp>
+      <p:sp>
+        <p:nvSpPr>
+          <p:cNvPr id="4" name="Content Placeholder 3"/>
+          <p:cNvSpPr>
+            <a:spLocks noGrp="1"/>
+          </p:cNvSpPr>
+          <p:nvPr>
+            <p:ph sz="half" idx="1"/>
+          </p:nvPr>
+        </p:nvSpPr>
+        <p:spPr/>
+        <p:txBody>
+          <a:bodyPr/>
+          <a:lstStyle/>
+          <a:p>
+            <a:r>
+              <a:rPr lang="en-GB" sz="2000" dirty="0"/>
+              <a:t>People with having chest Pain equal to 1 2 3 have higher chance of heart disease than Chest Pain 0.</a:t>
+            </a:r>
+            <a:endParaRPr lang="en-IN" sz="2000" dirty="0"/>
+          </a:p>
+          <a:p>
+            <a:endParaRPr lang="en-IN" sz="2000" dirty="0"/>
+          </a:p>
+        </p:txBody>
+      </p:sp>
+      <p:pic>
+        <p:nvPicPr>
+          <p:cNvPr id="6" name="Picture 5" descr="cp"/>
+          <p:cNvPicPr/>
+          <p:nvPr/>
+        </p:nvPicPr>
+        <p:blipFill>
+          <a:blip r:embed="rId1"/>
+          <a:stretch>
+            <a:fillRect/>
+          </a:stretch>
+        </p:blipFill>
+        <p:spPr>
+          <a:xfrm>
+            <a:off x="6493667" y="2438399"/>
+            <a:ext cx="4647809" cy="3165762"/>
+          </a:xfrm>
+          <a:prstGeom prst="rect">
+            <a:avLst/>
+          </a:prstGeom>
+        </p:spPr>
+      </p:pic>
+      <p:sp>
+        <p:nvSpPr>
+          <p:cNvPr id="3" name="Rectangle 2"/>
+          <p:cNvSpPr/>
+          <p:nvPr/>
+        </p:nvSpPr>
+        <p:spPr>
+          <a:xfrm>
+            <a:off x="6964356" y="5604161"/>
+            <a:ext cx="3743332" cy="374077"/>
+          </a:xfrm>
+          <a:prstGeom prst="rect">
+            <a:avLst/>
+          </a:prstGeom>
+        </p:spPr>
+        <p:txBody>
+          <a:bodyPr wrap="none">
+            <a:spAutoFit/>
+          </a:bodyPr>
+          <a:lstStyle/>
+          <a:p>
+            <a:pPr algn="just">
+              <a:lnSpc>
+                <a:spcPct val="107000"/>
+              </a:lnSpc>
+              <a:spcAft>
+                <a:spcPts val="0"/>
+              </a:spcAft>
+            </a:pPr>
+            <a:r>
+              <a:rPr lang="en-GB" i="1" dirty="0">
+                <a:solidFill>
+                  <a:srgbClr val="000000"/>
+                </a:solidFill>
+                <a:latin typeface="Times New Roman" panose="02020603050405020304" pitchFamily="18" charset="0"/>
+                <a:ea typeface="Calibri" panose="020F0502020204030204" charset="0"/>
+                <a:cs typeface="Times New Roman" panose="02020603050405020304" pitchFamily="18" charset="0"/>
+              </a:rPr>
+              <a:t>Fig3. –chest Pain vs number of people</a:t>
+            </a:r>
+            <a:endParaRPr lang="en-IN" dirty="0">
+              <a:latin typeface="Calibri" panose="020F0502020204030204" charset="0"/>
+              <a:ea typeface="Calibri" panose="020F0502020204030204" charset="0"/>
+              <a:cs typeface="Times New Roman" panose="02020603050405020304" pitchFamily="18" charset="0"/>
+            </a:endParaRPr>
+          </a:p>
+        </p:txBody>
+      </p:sp>
+    </p:spTree>
+  </p:cSld>
+  <p:clrMapOvr>
+    <a:masterClrMapping/>
+  </p:clrMapOvr>
+</p:sld>
+</file>
+
+<file path=ppt/slides/slide25.xml><?xml version="1.0" encoding="utf-8"?>
+<p:sld xmlns:a="http://schemas.openxmlformats.org/drawingml/2006/main" xmlns:r="http://schemas.openxmlformats.org/officeDocument/2006/relationships" xmlns:p="http://schemas.openxmlformats.org/presentationml/2006/main">
+  <p:cSld>
+    <p:spTree>
+      <p:nvGrpSpPr>
+        <p:cNvPr id="1" name=""/>
+        <p:cNvGrpSpPr/>
+        <p:nvPr/>
+      </p:nvGrpSpPr>
+      <p:grpSpPr>
+        <a:xfrm>
+          <a:off x="0" y="0"/>
+          <a:ext cx="0" cy="0"/>
+          <a:chOff x="0" y="0"/>
+          <a:chExt cx="0" cy="0"/>
+        </a:xfrm>
+      </p:grpSpPr>
+      <p:sp>
+        <p:nvSpPr>
+          <p:cNvPr id="2" name="Title 1"/>
+          <p:cNvSpPr>
+            <a:spLocks noGrp="1"/>
+          </p:cNvSpPr>
+          <p:nvPr>
+            <p:ph type="title"/>
+          </p:nvPr>
+        </p:nvSpPr>
+        <p:spPr/>
+        <p:txBody>
+          <a:bodyPr/>
+          <a:lstStyle/>
+          <a:p>
+            <a:r>
+              <a:rPr lang="en-GB" dirty="0"/>
+              <a:t>(ii)-Resting Electrocardiography Results</a:t>
+            </a:r>
+            <a:endParaRPr lang="en-IN" dirty="0"/>
+          </a:p>
+        </p:txBody>
+      </p:sp>
+      <p:sp>
+        <p:nvSpPr>
+          <p:cNvPr id="3" name="Content Placeholder 2"/>
+          <p:cNvSpPr>
+            <a:spLocks noGrp="1"/>
+          </p:cNvSpPr>
+          <p:nvPr>
+            <p:ph sz="half" idx="1"/>
+          </p:nvPr>
+        </p:nvSpPr>
+        <p:spPr/>
+        <p:txBody>
+          <a:bodyPr/>
+          <a:lstStyle/>
+          <a:p>
+            <a:r>
+              <a:rPr lang="en-GB" sz="2000" dirty="0"/>
+              <a:t> People with value non-normal heart beat and having mild symptoms are having high chance to have heart disease than normal heart beat people.</a:t>
+            </a:r>
+            <a:endParaRPr lang="en-IN" sz="2000" dirty="0"/>
+          </a:p>
+        </p:txBody>
+      </p:sp>
+      <p:pic>
+        <p:nvPicPr>
+          <p:cNvPr id="8" name="Content Placeholder 7"/>
+          <p:cNvPicPr>
+            <a:picLocks noGrp="1" noChangeAspect="1"/>
+          </p:cNvPicPr>
+          <p:nvPr>
+            <p:ph sz="half" idx="2"/>
+          </p:nvPr>
+        </p:nvPicPr>
+        <p:blipFill>
+          <a:blip r:embed="rId1">
+            <a:extLst>
+              <a:ext uri="{28A0092B-C50C-407E-A947-70E740481C1C}">
+                <a14:useLocalDpi xmlns:a14="http://schemas.microsoft.com/office/drawing/2010/main" val="0"/>
+              </a:ext>
+            </a:extLst>
+          </a:blip>
+          <a:stretch>
+            <a:fillRect/>
+          </a:stretch>
+        </p:blipFill>
+        <p:spPr>
+          <a:xfrm>
+            <a:off x="6507331" y="2574524"/>
+            <a:ext cx="4341181" cy="3124200"/>
+          </a:xfrm>
+        </p:spPr>
+      </p:pic>
+      <p:sp>
+        <p:nvSpPr>
+          <p:cNvPr id="9" name="Rectangle 8"/>
+          <p:cNvSpPr/>
+          <p:nvPr/>
+        </p:nvSpPr>
+        <p:spPr>
+          <a:xfrm>
+            <a:off x="6980469" y="5834849"/>
+            <a:ext cx="3394904" cy="374077"/>
+          </a:xfrm>
+          <a:prstGeom prst="rect">
+            <a:avLst/>
+          </a:prstGeom>
+        </p:spPr>
+        <p:txBody>
+          <a:bodyPr wrap="none">
+            <a:spAutoFit/>
+          </a:bodyPr>
+          <a:lstStyle/>
+          <a:p>
+            <a:pPr algn="just">
+              <a:lnSpc>
+                <a:spcPct val="107000"/>
+              </a:lnSpc>
+              <a:spcAft>
+                <a:spcPts val="0"/>
+              </a:spcAft>
+            </a:pPr>
+            <a:r>
+              <a:rPr lang="en-GB" i="1" dirty="0">
+                <a:solidFill>
+                  <a:srgbClr val="000000"/>
+                </a:solidFill>
+                <a:latin typeface="Times New Roman" panose="02020603050405020304" pitchFamily="18" charset="0"/>
+                <a:ea typeface="Calibri" panose="020F0502020204030204" charset="0"/>
+                <a:cs typeface="Times New Roman" panose="02020603050405020304" pitchFamily="18" charset="0"/>
+              </a:rPr>
+              <a:t>Fig3. -</a:t>
+            </a:r>
+            <a:r>
+              <a:rPr lang="en-GB" i="1" dirty="0" err="1">
+                <a:solidFill>
+                  <a:srgbClr val="000000"/>
+                </a:solidFill>
+                <a:latin typeface="Times New Roman" panose="02020603050405020304" pitchFamily="18" charset="0"/>
+                <a:ea typeface="Calibri" panose="020F0502020204030204" charset="0"/>
+                <a:cs typeface="Times New Roman" panose="02020603050405020304" pitchFamily="18" charset="0"/>
+              </a:rPr>
+              <a:t>restecg</a:t>
+            </a:r>
+            <a:r>
+              <a:rPr lang="en-GB" i="1" dirty="0">
+                <a:solidFill>
+                  <a:srgbClr val="000000"/>
+                </a:solidFill>
+                <a:latin typeface="Times New Roman" panose="02020603050405020304" pitchFamily="18" charset="0"/>
+                <a:ea typeface="Calibri" panose="020F0502020204030204" charset="0"/>
+                <a:cs typeface="Times New Roman" panose="02020603050405020304" pitchFamily="18" charset="0"/>
+              </a:rPr>
+              <a:t> vs number of people</a:t>
+            </a:r>
+            <a:endParaRPr lang="en-IN" dirty="0">
+              <a:latin typeface="Calibri" panose="020F0502020204030204" charset="0"/>
+              <a:ea typeface="Calibri" panose="020F0502020204030204" charset="0"/>
+              <a:cs typeface="Times New Roman" panose="02020603050405020304" pitchFamily="18" charset="0"/>
+            </a:endParaRPr>
+          </a:p>
+        </p:txBody>
+      </p:sp>
+    </p:spTree>
+  </p:cSld>
+  <p:clrMapOvr>
+    <a:masterClrMapping/>
+  </p:clrMapOvr>
+</p:sld>
+</file>
+
+<file path=ppt/slides/slide26.xml><?xml version="1.0" encoding="utf-8"?>
+<p:sld xmlns:a="http://schemas.openxmlformats.org/drawingml/2006/main" xmlns:r="http://schemas.openxmlformats.org/officeDocument/2006/relationships" xmlns:p="http://schemas.openxmlformats.org/presentationml/2006/main">
+  <p:cSld>
+    <p:spTree>
+      <p:nvGrpSpPr>
+        <p:cNvPr id="1" name=""/>
+        <p:cNvGrpSpPr/>
+        <p:nvPr/>
+      </p:nvGrpSpPr>
+      <p:grpSpPr>
+        <a:xfrm>
+          <a:off x="0" y="0"/>
+          <a:ext cx="0" cy="0"/>
+          <a:chOff x="0" y="0"/>
+          <a:chExt cx="0" cy="0"/>
+        </a:xfrm>
+      </p:grpSpPr>
+      <p:sp>
+        <p:nvSpPr>
+          <p:cNvPr id="2" name="Title 1"/>
+          <p:cNvSpPr>
+            <a:spLocks noGrp="1"/>
+          </p:cNvSpPr>
+          <p:nvPr>
+            <p:ph type="title"/>
+          </p:nvPr>
+        </p:nvSpPr>
+        <p:spPr/>
+        <p:txBody>
+          <a:bodyPr/>
+          <a:lstStyle/>
+          <a:p>
+            <a:r>
+              <a:rPr lang="en-GB" dirty="0"/>
+              <a:t>(iii)- Exercise induced angina</a:t>
+            </a:r>
+            <a:endParaRPr lang="en-IN" dirty="0"/>
+          </a:p>
+        </p:txBody>
+      </p:sp>
+      <p:sp>
+        <p:nvSpPr>
+          <p:cNvPr id="3" name="Content Placeholder 2"/>
+          <p:cNvSpPr>
+            <a:spLocks noGrp="1"/>
+          </p:cNvSpPr>
+          <p:nvPr>
+            <p:ph sz="half" idx="1"/>
+          </p:nvPr>
+        </p:nvSpPr>
+        <p:spPr/>
+        <p:txBody>
+          <a:bodyPr/>
+          <a:lstStyle/>
+          <a:p>
+            <a:r>
+              <a:rPr lang="en-GB" sz="2000" dirty="0"/>
+              <a:t>People not having exercise induced angina have high chance heart disease more than people with exercise induced angina.</a:t>
+            </a:r>
+            <a:endParaRPr lang="en-IN" sz="2400" dirty="0"/>
+          </a:p>
+          <a:p>
+            <a:endParaRPr lang="en-IN" dirty="0"/>
+          </a:p>
+        </p:txBody>
+      </p:sp>
+      <p:pic>
+        <p:nvPicPr>
+          <p:cNvPr id="5" name="Content Placeholder 4" descr="exang"/>
+          <p:cNvPicPr>
+            <a:picLocks noGrp="1"/>
+          </p:cNvPicPr>
+          <p:nvPr>
+            <p:ph sz="half" idx="2"/>
+          </p:nvPr>
+        </p:nvPicPr>
+        <p:blipFill>
+          <a:blip r:embed="rId1"/>
+          <a:stretch>
+            <a:fillRect/>
+          </a:stretch>
+        </p:blipFill>
+        <p:spPr>
+          <a:xfrm>
+            <a:off x="7245927" y="2895600"/>
+            <a:ext cx="3893127" cy="3006436"/>
+          </a:xfrm>
+          <a:prstGeom prst="rect">
+            <a:avLst/>
+          </a:prstGeom>
+        </p:spPr>
+      </p:pic>
+    </p:spTree>
+  </p:cSld>
+  <p:clrMapOvr>
+    <a:masterClrMapping/>
+  </p:clrMapOvr>
+</p:sld>
+</file>
+
 <file path=ppt/slides/slide27.xml><?xml version="1.0" encoding="utf-8"?>
 <p:sld xmlns:a="http://schemas.openxmlformats.org/drawingml/2006/main" xmlns:r="http://schemas.openxmlformats.org/officeDocument/2006/relationships" xmlns:p="http://schemas.openxmlformats.org/presentationml/2006/main">
   <p:cSld>
@@ -7884,26 +8043,124 @@
             <a:spLocks noGrp="1"/>
           </p:cNvSpPr>
           <p:nvPr>
-            <p:ph type="ctrTitle"/>
+            <p:ph type="title"/>
+          </p:nvPr>
+        </p:nvSpPr>
+        <p:spPr/>
+        <p:txBody>
+          <a:bodyPr/>
+          <a:lstStyle/>
+          <a:p>
+            <a:r>
+              <a:rPr lang="en-GB" dirty="0"/>
+              <a:t>(iv)- The slope of the peak exercise ST segment</a:t>
+            </a:r>
+            <a:endParaRPr lang="en-IN" dirty="0"/>
+          </a:p>
+        </p:txBody>
+      </p:sp>
+      <p:sp>
+        <p:nvSpPr>
+          <p:cNvPr id="3" name="Content Placeholder 2"/>
+          <p:cNvSpPr>
+            <a:spLocks noGrp="1"/>
+          </p:cNvSpPr>
+          <p:nvPr>
+            <p:ph sz="half" idx="1"/>
           </p:nvPr>
         </p:nvSpPr>
         <p:spPr>
           <a:xfrm>
-            <a:off x="0" y="1089123"/>
-            <a:ext cx="8574622" cy="2616199"/>
+            <a:off x="873125" y="2438400"/>
+            <a:ext cx="5506085" cy="3352800"/>
           </a:xfrm>
         </p:spPr>
         <p:txBody>
-          <a:bodyPr>
-            <a:normAutofit/>
+          <a:bodyPr/>
+          <a:lstStyle/>
+          <a:p>
+            <a:r>
+              <a:rPr lang="en-GB" sz="2000" dirty="0"/>
+              <a:t>People with slope value Down-sloping means unhealthy heart are having high chance of heart disease than people with slope value Up-sloping means better heart rate with exercise</a:t>
+            </a:r>
+            <a:endParaRPr lang="en-IN" sz="2000" dirty="0"/>
+          </a:p>
+        </p:txBody>
+      </p:sp>
+      <p:pic>
+        <p:nvPicPr>
+          <p:cNvPr id="6" name="Content Placeholder 5"/>
+          <p:cNvPicPr>
+            <a:picLocks noGrp="1" noChangeAspect="1"/>
+          </p:cNvPicPr>
+          <p:nvPr>
+            <p:ph sz="half" idx="2"/>
+          </p:nvPr>
+        </p:nvPicPr>
+        <p:blipFill>
+          <a:blip r:embed="rId1">
+            <a:extLst>
+              <a:ext uri="{28A0092B-C50C-407E-A947-70E740481C1C}">
+                <a14:useLocalDpi xmlns:a14="http://schemas.microsoft.com/office/drawing/2010/main" val="0"/>
+              </a:ext>
+            </a:extLst>
+          </a:blip>
+          <a:stretch>
+            <a:fillRect/>
+          </a:stretch>
+        </p:blipFill>
+        <p:spPr>
+          <a:xfrm>
+            <a:off x="6702641" y="2666999"/>
+            <a:ext cx="4412202" cy="3050220"/>
+          </a:xfrm>
+        </p:spPr>
+      </p:pic>
+      <p:sp>
+        <p:nvSpPr>
+          <p:cNvPr id="7" name="Rectangle 6"/>
+          <p:cNvSpPr/>
+          <p:nvPr/>
+        </p:nvSpPr>
+        <p:spPr>
+          <a:xfrm>
+            <a:off x="6945343" y="5798123"/>
+            <a:ext cx="3627916" cy="374077"/>
+          </a:xfrm>
+          <a:prstGeom prst="rect">
+            <a:avLst/>
+          </a:prstGeom>
+        </p:spPr>
+        <p:txBody>
+          <a:bodyPr wrap="none">
+            <a:spAutoFit/>
           </a:bodyPr>
           <a:lstStyle/>
           <a:p>
-            <a:r>
-              <a:rPr lang="en-IN" sz="4000" dirty="0"/>
-              <a:t>Conclusions</a:t>
-            </a:r>
-            <a:endParaRPr lang="en-IN" sz="4000" dirty="0"/>
+            <a:pPr indent="457200" algn="just">
+              <a:lnSpc>
+                <a:spcPct val="107000"/>
+              </a:lnSpc>
+              <a:spcAft>
+                <a:spcPts val="0"/>
+              </a:spcAft>
+            </a:pPr>
+            <a:r>
+              <a:rPr lang="en-GB" i="1" dirty="0">
+                <a:solidFill>
+                  <a:srgbClr val="000000"/>
+                </a:solidFill>
+                <a:latin typeface="Times New Roman" panose="02020603050405020304" pitchFamily="18" charset="0"/>
+                <a:ea typeface="Calibri" panose="020F0502020204030204" charset="0"/>
+                <a:cs typeface="Times New Roman" panose="02020603050405020304" pitchFamily="18" charset="0"/>
+              </a:rPr>
+              <a:t>Fig5- slope vs number of people</a:t>
+            </a:r>
+            <a:endParaRPr lang="en-IN" dirty="0">
+              <a:latin typeface="Calibri" panose="020F0502020204030204" charset="0"/>
+              <a:ea typeface="Calibri" panose="020F0502020204030204" charset="0"/>
+              <a:cs typeface="Times New Roman" panose="02020603050405020304" pitchFamily="18" charset="0"/>
+            </a:endParaRPr>
           </a:p>
         </p:txBody>
       </p:sp>
@@ -7948,16 +8205,8 @@
           <a:lstStyle/>
           <a:p>
             <a:r>
-              <a:rPr lang="en-IN" dirty="0"/>
-              <a:t>(</a:t>
-            </a:r>
-            <a:r>
-              <a:rPr lang="en-IN" dirty="0" err="1"/>
-              <a:t>i</a:t>
-            </a:r>
-            <a:r>
-              <a:rPr lang="en-IN" dirty="0"/>
-              <a:t>)- Chest Pain</a:t>
+              <a:rPr lang="en-GB" dirty="0"/>
+              <a:t>(v)- Thali-um stress result</a:t>
             </a:r>
             <a:endParaRPr lang="en-IN" dirty="0"/>
           </a:p>
@@ -7965,7 +8214,7 @@
       </p:sp>
       <p:sp>
         <p:nvSpPr>
-          <p:cNvPr id="4" name="Content Placeholder 3"/>
+          <p:cNvPr id="3" name="Content Placeholder 2"/>
           <p:cNvSpPr>
             <a:spLocks noGrp="1"/>
           </p:cNvSpPr>
@@ -7979,8 +8228,8 @@
           <a:lstStyle/>
           <a:p>
             <a:r>
-              <a:rPr lang="en-GB" sz="2400" dirty="0"/>
-              <a:t>People with having chest Pain equal to 1 2 3 have higher chance of heart disease than Chest Pain 0.</a:t>
+              <a:rPr lang="en-GB" sz="2000" dirty="0"/>
+              <a:t>People with Thallium value equal to fixed defect have high chance of heart disease than rest.</a:t>
             </a:r>
             <a:endParaRPr lang="en-IN" sz="2400" dirty="0"/>
           </a:p>
@@ -7991,9 +8240,13 @@
       </p:sp>
       <p:pic>
         <p:nvPicPr>
-          <p:cNvPr id="6" name="Picture 5" descr="cp"/>
-          <p:cNvPicPr/>
-          <p:nvPr/>
+          <p:cNvPr id="5" name="Content Placeholder 4" descr="thal"/>
+          <p:cNvPicPr>
+            <a:picLocks noGrp="1"/>
+          </p:cNvPicPr>
+          <p:nvPr>
+            <p:ph sz="half" idx="2"/>
+          </p:nvPr>
         </p:nvPicPr>
         <p:blipFill>
           <a:blip r:embed="rId1"/>
@@ -8003,8 +8256,8 @@
         </p:blipFill>
         <p:spPr>
           <a:xfrm>
-            <a:off x="6493667" y="2438399"/>
-            <a:ext cx="4647809" cy="3165762"/>
+            <a:off x="6700085" y="2438399"/>
+            <a:ext cx="4267199" cy="3465923"/>
           </a:xfrm>
           <a:prstGeom prst="rect">
             <a:avLst/>
@@ -8013,14 +8266,14 @@
       </p:pic>
       <p:sp>
         <p:nvSpPr>
-          <p:cNvPr id="3" name="Rectangle 2"/>
+          <p:cNvPr id="4" name="Rectangle 3"/>
           <p:cNvSpPr/>
           <p:nvPr/>
         </p:nvSpPr>
         <p:spPr>
           <a:xfrm>
-            <a:off x="6964356" y="5604161"/>
-            <a:ext cx="3743332" cy="374077"/>
+            <a:off x="6918466" y="5985161"/>
+            <a:ext cx="3557384" cy="374077"/>
           </a:xfrm>
           <a:prstGeom prst="rect">
             <a:avLst/>
@@ -8032,7 +8285,7 @@
           </a:bodyPr>
           <a:lstStyle/>
           <a:p>
-            <a:pPr algn="just">
+            <a:pPr indent="457200" algn="just">
               <a:lnSpc>
                 <a:spcPct val="107000"/>
               </a:lnSpc>
@@ -8049,7 +8302,29 @@
                 <a:ea typeface="Calibri" panose="020F0502020204030204" charset="0"/>
                 <a:cs typeface="Times New Roman" panose="02020603050405020304" pitchFamily="18" charset="0"/>
               </a:rPr>
-              <a:t>Fig3. –chest Pain vs number of people</a:t>
+              <a:t>Fig6. -</a:t>
+            </a:r>
+            <a:r>
+              <a:rPr lang="en-GB" i="1" dirty="0" err="1">
+                <a:solidFill>
+                  <a:srgbClr val="000000"/>
+                </a:solidFill>
+                <a:latin typeface="Times New Roman" panose="02020603050405020304" pitchFamily="18" charset="0"/>
+                <a:ea typeface="Calibri" panose="020F0502020204030204" charset="0"/>
+                <a:cs typeface="Times New Roman" panose="02020603050405020304" pitchFamily="18" charset="0"/>
+              </a:rPr>
+              <a:t>thal</a:t>
+            </a:r>
+            <a:r>
+              <a:rPr lang="en-GB" i="1" dirty="0">
+                <a:solidFill>
+                  <a:srgbClr val="000000"/>
+                </a:solidFill>
+                <a:latin typeface="Times New Roman" panose="02020603050405020304" pitchFamily="18" charset="0"/>
+                <a:ea typeface="Calibri" panose="020F0502020204030204" charset="0"/>
+                <a:cs typeface="Times New Roman" panose="02020603050405020304" pitchFamily="18" charset="0"/>
+              </a:rPr>
+              <a:t> vs number of people</a:t>
             </a:r>
             <a:endParaRPr lang="en-IN" dirty="0">
               <a:latin typeface="Calibri" panose="020F0502020204030204" charset="0"/>
@@ -8100,8 +8375,8 @@
           <a:lstStyle/>
           <a:p>
             <a:r>
-              <a:rPr lang="en-GB" dirty="0"/>
-              <a:t>(ii)-Resting Electrocardiography Results</a:t>
+              <a:rPr lang="en-IN" dirty="0"/>
+              <a:t>(vi)- Final Conclusion</a:t>
             </a:r>
             <a:endParaRPr lang="en-IN" dirty="0"/>
           </a:p>
@@ -8123,16 +8398,16 @@
           <a:lstStyle/>
           <a:p>
             <a:r>
-              <a:rPr lang="en-GB" dirty="0"/>
-              <a:t> People with value non-normal heart beat and having mild symptoms are having high chance to have heart disease than normal heart beat people.</a:t>
-            </a:r>
-            <a:endParaRPr lang="en-IN" dirty="0"/>
+              <a:rPr lang="en-GB" sz="2000" dirty="0"/>
+              <a:t>Support Vector Machine is much better of this dataset as compared to other datasets</a:t>
+            </a:r>
+            <a:endParaRPr lang="en-IN" sz="2000" dirty="0"/>
           </a:p>
         </p:txBody>
       </p:sp>
       <p:pic>
         <p:nvPicPr>
-          <p:cNvPr id="8" name="Content Placeholder 7"/>
+          <p:cNvPr id="6" name="Content Placeholder 5"/>
           <p:cNvPicPr>
             <a:picLocks noGrp="1" noChangeAspect="1"/>
           </p:cNvPicPr>
@@ -8154,21 +8429,21 @@
         </p:blipFill>
         <p:spPr>
           <a:xfrm>
-            <a:off x="6507331" y="2574524"/>
-            <a:ext cx="4341181" cy="3124200"/>
+            <a:off x="6640497" y="3378695"/>
+            <a:ext cx="4529153" cy="1752598"/>
           </a:xfrm>
         </p:spPr>
       </p:pic>
       <p:sp>
         <p:nvSpPr>
-          <p:cNvPr id="9" name="Rectangle 8"/>
+          <p:cNvPr id="7" name="Rectangle 6"/>
           <p:cNvSpPr/>
           <p:nvPr/>
         </p:nvSpPr>
         <p:spPr>
           <a:xfrm>
-            <a:off x="6980469" y="5834849"/>
-            <a:ext cx="3394904" cy="374077"/>
+            <a:off x="7387114" y="5301582"/>
+            <a:ext cx="2833148" cy="374077"/>
           </a:xfrm>
           <a:prstGeom prst="rect">
             <a:avLst/>
@@ -8180,46 +8455,21 @@
           </a:bodyPr>
           <a:lstStyle/>
           <a:p>
-            <a:pPr algn="just">
+            <a:pPr algn="ctr">
               <a:lnSpc>
                 <a:spcPct val="107000"/>
               </a:lnSpc>
               <a:spcAft>
-                <a:spcPts val="0"/>
+                <a:spcPts val="800"/>
               </a:spcAft>
             </a:pPr>
             <a:r>
               <a:rPr lang="en-GB" i="1" dirty="0">
-                <a:solidFill>
-                  <a:srgbClr val="000000"/>
-                </a:solidFill>
                 <a:latin typeface="Times New Roman" panose="02020603050405020304" pitchFamily="18" charset="0"/>
                 <a:ea typeface="Calibri" panose="020F0502020204030204" charset="0"/>
                 <a:cs typeface="Times New Roman" panose="02020603050405020304" pitchFamily="18" charset="0"/>
               </a:rPr>
-              <a:t>Fig3. -</a:t>
-            </a:r>
-            <a:r>
-              <a:rPr lang="en-GB" i="1" dirty="0" err="1">
-                <a:solidFill>
-                  <a:srgbClr val="000000"/>
-                </a:solidFill>
-                <a:latin typeface="Times New Roman" panose="02020603050405020304" pitchFamily="18" charset="0"/>
-                <a:ea typeface="Calibri" panose="020F0502020204030204" charset="0"/>
-                <a:cs typeface="Times New Roman" panose="02020603050405020304" pitchFamily="18" charset="0"/>
-              </a:rPr>
-              <a:t>restecg</a:t>
-            </a:r>
-            <a:r>
-              <a:rPr lang="en-GB" i="1" dirty="0">
-                <a:solidFill>
-                  <a:srgbClr val="000000"/>
-                </a:solidFill>
-                <a:latin typeface="Times New Roman" panose="02020603050405020304" pitchFamily="18" charset="0"/>
-                <a:ea typeface="Calibri" panose="020F0502020204030204" charset="0"/>
-                <a:cs typeface="Times New Roman" panose="02020603050405020304" pitchFamily="18" charset="0"/>
-              </a:rPr>
-              <a:t> vs number of people</a:t>
+              <a:t>Fig7.Model Accuracy -Table</a:t>
             </a:r>
             <a:endParaRPr lang="en-IN" dirty="0">
               <a:latin typeface="Calibri" panose="020F0502020204030204" charset="0"/>
@@ -8279,569 +8529,6 @@
               <a:t>Problem Statement</a:t>
             </a:r>
             <a:endParaRPr lang="en-IN" dirty="0"/>
-          </a:p>
-        </p:txBody>
-      </p:sp>
-    </p:spTree>
-  </p:cSld>
-  <p:clrMapOvr>
-    <a:masterClrMapping/>
-  </p:clrMapOvr>
-</p:sld>
-</file>
-
-<file path=ppt/slides/slide30.xml><?xml version="1.0" encoding="utf-8"?>
-<p:sld xmlns:a="http://schemas.openxmlformats.org/drawingml/2006/main" xmlns:r="http://schemas.openxmlformats.org/officeDocument/2006/relationships" xmlns:p="http://schemas.openxmlformats.org/presentationml/2006/main">
-  <p:cSld>
-    <p:spTree>
-      <p:nvGrpSpPr>
-        <p:cNvPr id="1" name=""/>
-        <p:cNvGrpSpPr/>
-        <p:nvPr/>
-      </p:nvGrpSpPr>
-      <p:grpSpPr>
-        <a:xfrm>
-          <a:off x="0" y="0"/>
-          <a:ext cx="0" cy="0"/>
-          <a:chOff x="0" y="0"/>
-          <a:chExt cx="0" cy="0"/>
-        </a:xfrm>
-      </p:grpSpPr>
-      <p:sp>
-        <p:nvSpPr>
-          <p:cNvPr id="2" name="Title 1"/>
-          <p:cNvSpPr>
-            <a:spLocks noGrp="1"/>
-          </p:cNvSpPr>
-          <p:nvPr>
-            <p:ph type="title"/>
-          </p:nvPr>
-        </p:nvSpPr>
-        <p:spPr/>
-        <p:txBody>
-          <a:bodyPr/>
-          <a:lstStyle/>
-          <a:p>
-            <a:r>
-              <a:rPr lang="en-GB" dirty="0"/>
-              <a:t>(iii)- Exercise induced angina</a:t>
-            </a:r>
-            <a:endParaRPr lang="en-IN" dirty="0"/>
-          </a:p>
-        </p:txBody>
-      </p:sp>
-      <p:sp>
-        <p:nvSpPr>
-          <p:cNvPr id="3" name="Content Placeholder 2"/>
-          <p:cNvSpPr>
-            <a:spLocks noGrp="1"/>
-          </p:cNvSpPr>
-          <p:nvPr>
-            <p:ph sz="half" idx="1"/>
-          </p:nvPr>
-        </p:nvSpPr>
-        <p:spPr/>
-        <p:txBody>
-          <a:bodyPr/>
-          <a:lstStyle/>
-          <a:p>
-            <a:r>
-              <a:rPr lang="en-GB" sz="2400" dirty="0"/>
-              <a:t>People not having exercise induced angina have high chance heart disease more than people with exercise induced angina.</a:t>
-            </a:r>
-            <a:endParaRPr lang="en-IN" sz="2400" dirty="0"/>
-          </a:p>
-          <a:p>
-            <a:endParaRPr lang="en-IN" dirty="0"/>
-          </a:p>
-        </p:txBody>
-      </p:sp>
-      <p:pic>
-        <p:nvPicPr>
-          <p:cNvPr id="5" name="Content Placeholder 4" descr="exang"/>
-          <p:cNvPicPr>
-            <a:picLocks noGrp="1"/>
-          </p:cNvPicPr>
-          <p:nvPr>
-            <p:ph sz="half" idx="2"/>
-          </p:nvPr>
-        </p:nvPicPr>
-        <p:blipFill>
-          <a:blip r:embed="rId1"/>
-          <a:stretch>
-            <a:fillRect/>
-          </a:stretch>
-        </p:blipFill>
-        <p:spPr>
-          <a:xfrm>
-            <a:off x="7245927" y="2895600"/>
-            <a:ext cx="3893127" cy="3006436"/>
-          </a:xfrm>
-          <a:prstGeom prst="rect">
-            <a:avLst/>
-          </a:prstGeom>
-        </p:spPr>
-      </p:pic>
-    </p:spTree>
-  </p:cSld>
-  <p:clrMapOvr>
-    <a:masterClrMapping/>
-  </p:clrMapOvr>
-</p:sld>
-</file>
-
-<file path=ppt/slides/slide31.xml><?xml version="1.0" encoding="utf-8"?>
-<p:sld xmlns:a="http://schemas.openxmlformats.org/drawingml/2006/main" xmlns:r="http://schemas.openxmlformats.org/officeDocument/2006/relationships" xmlns:p="http://schemas.openxmlformats.org/presentationml/2006/main">
-  <p:cSld>
-    <p:spTree>
-      <p:nvGrpSpPr>
-        <p:cNvPr id="1" name=""/>
-        <p:cNvGrpSpPr/>
-        <p:nvPr/>
-      </p:nvGrpSpPr>
-      <p:grpSpPr>
-        <a:xfrm>
-          <a:off x="0" y="0"/>
-          <a:ext cx="0" cy="0"/>
-          <a:chOff x="0" y="0"/>
-          <a:chExt cx="0" cy="0"/>
-        </a:xfrm>
-      </p:grpSpPr>
-      <p:sp>
-        <p:nvSpPr>
-          <p:cNvPr id="2" name="Title 1"/>
-          <p:cNvSpPr>
-            <a:spLocks noGrp="1"/>
-          </p:cNvSpPr>
-          <p:nvPr>
-            <p:ph type="title"/>
-          </p:nvPr>
-        </p:nvSpPr>
-        <p:spPr/>
-        <p:txBody>
-          <a:bodyPr/>
-          <a:lstStyle/>
-          <a:p>
-            <a:r>
-              <a:rPr lang="en-GB" dirty="0"/>
-              <a:t>(iv)- The slope of the peak exercise ST segment</a:t>
-            </a:r>
-            <a:endParaRPr lang="en-IN" dirty="0"/>
-          </a:p>
-        </p:txBody>
-      </p:sp>
-      <p:sp>
-        <p:nvSpPr>
-          <p:cNvPr id="3" name="Content Placeholder 2"/>
-          <p:cNvSpPr>
-            <a:spLocks noGrp="1"/>
-          </p:cNvSpPr>
-          <p:nvPr>
-            <p:ph sz="half" idx="1"/>
-          </p:nvPr>
-        </p:nvSpPr>
-        <p:spPr/>
-        <p:txBody>
-          <a:bodyPr/>
-          <a:lstStyle/>
-          <a:p>
-            <a:r>
-              <a:rPr lang="en-GB" dirty="0"/>
-              <a:t>People with slope value Down-sloping means unhealthy heart are having high chance of heart disease than people with slope value Up-sloping means better heart rate with exercise</a:t>
-            </a:r>
-            <a:endParaRPr lang="en-IN" dirty="0"/>
-          </a:p>
-        </p:txBody>
-      </p:sp>
-      <p:pic>
-        <p:nvPicPr>
-          <p:cNvPr id="6" name="Content Placeholder 5"/>
-          <p:cNvPicPr>
-            <a:picLocks noGrp="1" noChangeAspect="1"/>
-          </p:cNvPicPr>
-          <p:nvPr>
-            <p:ph sz="half" idx="2"/>
-          </p:nvPr>
-        </p:nvPicPr>
-        <p:blipFill>
-          <a:blip r:embed="rId1">
-            <a:extLst>
-              <a:ext uri="{28A0092B-C50C-407E-A947-70E740481C1C}">
-                <a14:useLocalDpi xmlns:a14="http://schemas.microsoft.com/office/drawing/2010/main" val="0"/>
-              </a:ext>
-            </a:extLst>
-          </a:blip>
-          <a:stretch>
-            <a:fillRect/>
-          </a:stretch>
-        </p:blipFill>
-        <p:spPr>
-          <a:xfrm>
-            <a:off x="6702641" y="2666999"/>
-            <a:ext cx="4412202" cy="3050220"/>
-          </a:xfrm>
-        </p:spPr>
-      </p:pic>
-      <p:sp>
-        <p:nvSpPr>
-          <p:cNvPr id="7" name="Rectangle 6"/>
-          <p:cNvSpPr/>
-          <p:nvPr/>
-        </p:nvSpPr>
-        <p:spPr>
-          <a:xfrm>
-            <a:off x="6945343" y="5798123"/>
-            <a:ext cx="3627916" cy="374077"/>
-          </a:xfrm>
-          <a:prstGeom prst="rect">
-            <a:avLst/>
-          </a:prstGeom>
-        </p:spPr>
-        <p:txBody>
-          <a:bodyPr wrap="none">
-            <a:spAutoFit/>
-          </a:bodyPr>
-          <a:lstStyle/>
-          <a:p>
-            <a:pPr indent="457200" algn="just">
-              <a:lnSpc>
-                <a:spcPct val="107000"/>
-              </a:lnSpc>
-              <a:spcAft>
-                <a:spcPts val="0"/>
-              </a:spcAft>
-            </a:pPr>
-            <a:r>
-              <a:rPr lang="en-GB" i="1" dirty="0">
-                <a:solidFill>
-                  <a:srgbClr val="000000"/>
-                </a:solidFill>
-                <a:latin typeface="Times New Roman" panose="02020603050405020304" pitchFamily="18" charset="0"/>
-                <a:ea typeface="Calibri" panose="020F0502020204030204" charset="0"/>
-                <a:cs typeface="Times New Roman" panose="02020603050405020304" pitchFamily="18" charset="0"/>
-              </a:rPr>
-              <a:t>Fig5- slope vs number of people</a:t>
-            </a:r>
-            <a:endParaRPr lang="en-IN" dirty="0">
-              <a:latin typeface="Calibri" panose="020F0502020204030204" charset="0"/>
-              <a:ea typeface="Calibri" panose="020F0502020204030204" charset="0"/>
-              <a:cs typeface="Times New Roman" panose="02020603050405020304" pitchFamily="18" charset="0"/>
-            </a:endParaRPr>
-          </a:p>
-        </p:txBody>
-      </p:sp>
-    </p:spTree>
-  </p:cSld>
-  <p:clrMapOvr>
-    <a:masterClrMapping/>
-  </p:clrMapOvr>
-</p:sld>
-</file>
-
-<file path=ppt/slides/slide32.xml><?xml version="1.0" encoding="utf-8"?>
-<p:sld xmlns:a="http://schemas.openxmlformats.org/drawingml/2006/main" xmlns:r="http://schemas.openxmlformats.org/officeDocument/2006/relationships" xmlns:p="http://schemas.openxmlformats.org/presentationml/2006/main">
-  <p:cSld>
-    <p:spTree>
-      <p:nvGrpSpPr>
-        <p:cNvPr id="1" name=""/>
-        <p:cNvGrpSpPr/>
-        <p:nvPr/>
-      </p:nvGrpSpPr>
-      <p:grpSpPr>
-        <a:xfrm>
-          <a:off x="0" y="0"/>
-          <a:ext cx="0" cy="0"/>
-          <a:chOff x="0" y="0"/>
-          <a:chExt cx="0" cy="0"/>
-        </a:xfrm>
-      </p:grpSpPr>
-      <p:sp>
-        <p:nvSpPr>
-          <p:cNvPr id="2" name="Title 1"/>
-          <p:cNvSpPr>
-            <a:spLocks noGrp="1"/>
-          </p:cNvSpPr>
-          <p:nvPr>
-            <p:ph type="title"/>
-          </p:nvPr>
-        </p:nvSpPr>
-        <p:spPr/>
-        <p:txBody>
-          <a:bodyPr/>
-          <a:lstStyle/>
-          <a:p>
-            <a:r>
-              <a:rPr lang="en-GB" dirty="0"/>
-              <a:t>(v)- Thali-um stress result</a:t>
-            </a:r>
-            <a:endParaRPr lang="en-IN" dirty="0"/>
-          </a:p>
-        </p:txBody>
-      </p:sp>
-      <p:sp>
-        <p:nvSpPr>
-          <p:cNvPr id="3" name="Content Placeholder 2"/>
-          <p:cNvSpPr>
-            <a:spLocks noGrp="1"/>
-          </p:cNvSpPr>
-          <p:nvPr>
-            <p:ph sz="half" idx="1"/>
-          </p:nvPr>
-        </p:nvSpPr>
-        <p:spPr/>
-        <p:txBody>
-          <a:bodyPr/>
-          <a:lstStyle/>
-          <a:p>
-            <a:r>
-              <a:rPr lang="en-GB" sz="2400" dirty="0"/>
-              <a:t>People with Thallium value equal to fixed defect have high chance of heart disease than rest.</a:t>
-            </a:r>
-            <a:endParaRPr lang="en-IN" sz="2400" dirty="0"/>
-          </a:p>
-          <a:p>
-            <a:endParaRPr lang="en-IN" dirty="0"/>
-          </a:p>
-        </p:txBody>
-      </p:sp>
-      <p:pic>
-        <p:nvPicPr>
-          <p:cNvPr id="5" name="Content Placeholder 4" descr="thal"/>
-          <p:cNvPicPr>
-            <a:picLocks noGrp="1"/>
-          </p:cNvPicPr>
-          <p:nvPr>
-            <p:ph sz="half" idx="2"/>
-          </p:nvPr>
-        </p:nvPicPr>
-        <p:blipFill>
-          <a:blip r:embed="rId1"/>
-          <a:stretch>
-            <a:fillRect/>
-          </a:stretch>
-        </p:blipFill>
-        <p:spPr>
-          <a:xfrm>
-            <a:off x="6700085" y="2438399"/>
-            <a:ext cx="4267199" cy="3465923"/>
-          </a:xfrm>
-          <a:prstGeom prst="rect">
-            <a:avLst/>
-          </a:prstGeom>
-        </p:spPr>
-      </p:pic>
-      <p:sp>
-        <p:nvSpPr>
-          <p:cNvPr id="4" name="Rectangle 3"/>
-          <p:cNvSpPr/>
-          <p:nvPr/>
-        </p:nvSpPr>
-        <p:spPr>
-          <a:xfrm>
-            <a:off x="6918466" y="5985161"/>
-            <a:ext cx="3557384" cy="374077"/>
-          </a:xfrm>
-          <a:prstGeom prst="rect">
-            <a:avLst/>
-          </a:prstGeom>
-        </p:spPr>
-        <p:txBody>
-          <a:bodyPr wrap="none">
-            <a:spAutoFit/>
-          </a:bodyPr>
-          <a:lstStyle/>
-          <a:p>
-            <a:pPr indent="457200" algn="just">
-              <a:lnSpc>
-                <a:spcPct val="107000"/>
-              </a:lnSpc>
-              <a:spcAft>
-                <a:spcPts val="0"/>
-              </a:spcAft>
-            </a:pPr>
-            <a:r>
-              <a:rPr lang="en-GB" i="1" dirty="0">
-                <a:solidFill>
-                  <a:srgbClr val="000000"/>
-                </a:solidFill>
-                <a:latin typeface="Times New Roman" panose="02020603050405020304" pitchFamily="18" charset="0"/>
-                <a:ea typeface="Calibri" panose="020F0502020204030204" charset="0"/>
-                <a:cs typeface="Times New Roman" panose="02020603050405020304" pitchFamily="18" charset="0"/>
-              </a:rPr>
-              <a:t>Fig6. -</a:t>
-            </a:r>
-            <a:r>
-              <a:rPr lang="en-GB" i="1" dirty="0" err="1">
-                <a:solidFill>
-                  <a:srgbClr val="000000"/>
-                </a:solidFill>
-                <a:latin typeface="Times New Roman" panose="02020603050405020304" pitchFamily="18" charset="0"/>
-                <a:ea typeface="Calibri" panose="020F0502020204030204" charset="0"/>
-                <a:cs typeface="Times New Roman" panose="02020603050405020304" pitchFamily="18" charset="0"/>
-              </a:rPr>
-              <a:t>thal</a:t>
-            </a:r>
-            <a:r>
-              <a:rPr lang="en-GB" i="1" dirty="0">
-                <a:solidFill>
-                  <a:srgbClr val="000000"/>
-                </a:solidFill>
-                <a:latin typeface="Times New Roman" panose="02020603050405020304" pitchFamily="18" charset="0"/>
-                <a:ea typeface="Calibri" panose="020F0502020204030204" charset="0"/>
-                <a:cs typeface="Times New Roman" panose="02020603050405020304" pitchFamily="18" charset="0"/>
-              </a:rPr>
-              <a:t> vs number of people</a:t>
-            </a:r>
-            <a:endParaRPr lang="en-IN" dirty="0">
-              <a:latin typeface="Calibri" panose="020F0502020204030204" charset="0"/>
-              <a:ea typeface="Calibri" panose="020F0502020204030204" charset="0"/>
-              <a:cs typeface="Times New Roman" panose="02020603050405020304" pitchFamily="18" charset="0"/>
-            </a:endParaRPr>
-          </a:p>
-        </p:txBody>
-      </p:sp>
-    </p:spTree>
-  </p:cSld>
-  <p:clrMapOvr>
-    <a:masterClrMapping/>
-  </p:clrMapOvr>
-</p:sld>
-</file>
-
-<file path=ppt/slides/slide33.xml><?xml version="1.0" encoding="utf-8"?>
-<p:sld xmlns:a="http://schemas.openxmlformats.org/drawingml/2006/main" xmlns:r="http://schemas.openxmlformats.org/officeDocument/2006/relationships" xmlns:p="http://schemas.openxmlformats.org/presentationml/2006/main">
-  <p:cSld>
-    <p:spTree>
-      <p:nvGrpSpPr>
-        <p:cNvPr id="1" name=""/>
-        <p:cNvGrpSpPr/>
-        <p:nvPr/>
-      </p:nvGrpSpPr>
-      <p:grpSpPr>
-        <a:xfrm>
-          <a:off x="0" y="0"/>
-          <a:ext cx="0" cy="0"/>
-          <a:chOff x="0" y="0"/>
-          <a:chExt cx="0" cy="0"/>
-        </a:xfrm>
-      </p:grpSpPr>
-      <p:sp>
-        <p:nvSpPr>
-          <p:cNvPr id="2" name="Title 1"/>
-          <p:cNvSpPr>
-            <a:spLocks noGrp="1"/>
-          </p:cNvSpPr>
-          <p:nvPr>
-            <p:ph type="title"/>
-          </p:nvPr>
-        </p:nvSpPr>
-        <p:spPr/>
-        <p:txBody>
-          <a:bodyPr/>
-          <a:lstStyle/>
-          <a:p>
-            <a:r>
-              <a:rPr lang="en-IN" dirty="0"/>
-              <a:t>(vi)- Final Conclusion</a:t>
-            </a:r>
-            <a:endParaRPr lang="en-IN" dirty="0"/>
-          </a:p>
-        </p:txBody>
-      </p:sp>
-      <p:sp>
-        <p:nvSpPr>
-          <p:cNvPr id="3" name="Content Placeholder 2"/>
-          <p:cNvSpPr>
-            <a:spLocks noGrp="1"/>
-          </p:cNvSpPr>
-          <p:nvPr>
-            <p:ph sz="half" idx="1"/>
-          </p:nvPr>
-        </p:nvSpPr>
-        <p:spPr/>
-        <p:txBody>
-          <a:bodyPr/>
-          <a:lstStyle/>
-          <a:p>
-            <a:r>
-              <a:rPr lang="en-GB" dirty="0"/>
-              <a:t>Support Vector Machine is much better of this dataset as compared to other datasets</a:t>
-            </a:r>
-            <a:endParaRPr lang="en-IN" dirty="0"/>
-          </a:p>
-        </p:txBody>
-      </p:sp>
-      <p:pic>
-        <p:nvPicPr>
-          <p:cNvPr id="6" name="Content Placeholder 5"/>
-          <p:cNvPicPr>
-            <a:picLocks noGrp="1" noChangeAspect="1"/>
-          </p:cNvPicPr>
-          <p:nvPr>
-            <p:ph sz="half" idx="2"/>
-          </p:nvPr>
-        </p:nvPicPr>
-        <p:blipFill>
-          <a:blip r:embed="rId1">
-            <a:extLst>
-              <a:ext uri="{28A0092B-C50C-407E-A947-70E740481C1C}">
-                <a14:useLocalDpi xmlns:a14="http://schemas.microsoft.com/office/drawing/2010/main" val="0"/>
-              </a:ext>
-            </a:extLst>
-          </a:blip>
-          <a:stretch>
-            <a:fillRect/>
-          </a:stretch>
-        </p:blipFill>
-        <p:spPr>
-          <a:xfrm>
-            <a:off x="6640497" y="3378695"/>
-            <a:ext cx="4529153" cy="1752598"/>
-          </a:xfrm>
-        </p:spPr>
-      </p:pic>
-      <p:sp>
-        <p:nvSpPr>
-          <p:cNvPr id="7" name="Rectangle 6"/>
-          <p:cNvSpPr/>
-          <p:nvPr/>
-        </p:nvSpPr>
-        <p:spPr>
-          <a:xfrm>
-            <a:off x="7387114" y="5301582"/>
-            <a:ext cx="2833148" cy="374077"/>
-          </a:xfrm>
-          <a:prstGeom prst="rect">
-            <a:avLst/>
-          </a:prstGeom>
-        </p:spPr>
-        <p:txBody>
-          <a:bodyPr wrap="none">
-            <a:spAutoFit/>
-          </a:bodyPr>
-          <a:lstStyle/>
-          <a:p>
-            <a:pPr algn="ctr">
-              <a:lnSpc>
-                <a:spcPct val="107000"/>
-              </a:lnSpc>
-              <a:spcAft>
-                <a:spcPts val="800"/>
-              </a:spcAft>
-            </a:pPr>
-            <a:r>
-              <a:rPr lang="en-GB" i="1" dirty="0">
-                <a:latin typeface="Times New Roman" panose="02020603050405020304" pitchFamily="18" charset="0"/>
-                <a:ea typeface="Calibri" panose="020F0502020204030204" charset="0"/>
-                <a:cs typeface="Times New Roman" panose="02020603050405020304" pitchFamily="18" charset="0"/>
-              </a:rPr>
-              <a:t>Fig7.Model Accuracy -Table</a:t>
-            </a:r>
-            <a:endParaRPr lang="en-IN" dirty="0">
-              <a:latin typeface="Calibri" panose="020F0502020204030204" charset="0"/>
-              <a:ea typeface="Calibri" panose="020F0502020204030204" charset="0"/>
-              <a:cs typeface="Times New Roman" panose="02020603050405020304" pitchFamily="18" charset="0"/>
-            </a:endParaRPr>
           </a:p>
         </p:txBody>
       </p:sp>

--- a/Presentation.pptx
+++ b/Presentation.pptx
@@ -6910,70 +6910,75 @@
           </a:p>
         </p:txBody>
       </p:sp>
+      <p:sp>
+        <p:nvSpPr>
+          <p:cNvPr id="6" name="Content Placeholder 5"/>
+          <p:cNvSpPr>
+            <a:spLocks noGrp="1"/>
+          </p:cNvSpPr>
+          <p:nvPr>
+            <p:ph sz="half" idx="2"/>
+          </p:nvPr>
+        </p:nvSpPr>
+        <p:spPr>
+          <a:xfrm>
+            <a:off x="6012180" y="2266315"/>
+            <a:ext cx="5490845" cy="3505200"/>
+          </a:xfrm>
+        </p:spPr>
+        <p:txBody>
+          <a:bodyPr/>
+          <a:lstStyle/>
+          <a:p>
+            <a:r>
+              <a:rPr lang="en-GB" altLang="en-IN" dirty="0"/>
+              <a:t>Logistic Regression create the Decision boundary to solve classification problem.</a:t>
+            </a:r>
+            <a:endParaRPr lang="en-IN" dirty="0"/>
+          </a:p>
+          <a:p>
+            <a:r>
+              <a:rPr lang="en-IN" dirty="0"/>
+              <a:t>In our case, it </a:t>
+            </a:r>
+            <a:r>
+              <a:rPr lang="en-GB" altLang="en-IN" dirty="0"/>
+              <a:t>create the boundary between People having cancer and people not having cancer.</a:t>
+            </a:r>
+            <a:endParaRPr lang="en-GB" altLang="en-IN" dirty="0"/>
+          </a:p>
+          <a:p>
+            <a:pPr marL="0" indent="0">
+              <a:buNone/>
+            </a:pPr>
+            <a:endParaRPr lang="en-GB" altLang="en-IN" dirty="0"/>
+          </a:p>
+        </p:txBody>
+      </p:sp>
       <p:pic>
         <p:nvPicPr>
-          <p:cNvPr id="5" name="Content Placeholder 4"/>
+          <p:cNvPr id="3" name="Picture 2"/>
           <p:cNvPicPr>
-            <a:picLocks noGrp="1" noChangeAspect="1"/>
+            <a:picLocks noChangeAspect="1"/>
           </p:cNvPicPr>
-          <p:nvPr>
-            <p:ph sz="half" idx="1"/>
-          </p:nvPr>
+          <p:nvPr/>
         </p:nvPicPr>
         <p:blipFill>
-          <a:blip r:embed="rId1">
-            <a:extLst>
-              <a:ext uri="{28A0092B-C50C-407E-A947-70E740481C1C}">
-                <a14:useLocalDpi xmlns:a14="http://schemas.microsoft.com/office/drawing/2010/main" val="0"/>
-              </a:ext>
-            </a:extLst>
-          </a:blip>
+          <a:blip r:embed="rId1"/>
           <a:stretch>
             <a:fillRect/>
           </a:stretch>
         </p:blipFill>
         <p:spPr>
           <a:xfrm>
-            <a:off x="2060810" y="2667000"/>
-            <a:ext cx="3346622" cy="2991678"/>
+            <a:off x="1125220" y="2368550"/>
+            <a:ext cx="4805045" cy="3300730"/>
           </a:xfrm>
+          <a:prstGeom prst="rect">
+            <a:avLst/>
+          </a:prstGeom>
         </p:spPr>
       </p:pic>
-      <p:sp>
-        <p:nvSpPr>
-          <p:cNvPr id="6" name="Content Placeholder 5"/>
-          <p:cNvSpPr>
-            <a:spLocks noGrp="1"/>
-          </p:cNvSpPr>
-          <p:nvPr>
-            <p:ph sz="half" idx="2"/>
-          </p:nvPr>
-        </p:nvSpPr>
-        <p:spPr>
-          <a:xfrm>
-            <a:off x="5698436" y="2266121"/>
-            <a:ext cx="5804588" cy="3505200"/>
-          </a:xfrm>
-        </p:spPr>
-        <p:txBody>
-          <a:bodyPr/>
-          <a:lstStyle/>
-          <a:p>
-            <a:r>
-              <a:rPr lang="en-IN" dirty="0"/>
-              <a:t>This method predicts based on the  relationship between given datapoint and  datapoints in the trained set.</a:t>
-            </a:r>
-            <a:endParaRPr lang="en-IN" dirty="0"/>
-          </a:p>
-          <a:p>
-            <a:r>
-              <a:rPr lang="en-IN" dirty="0"/>
-              <a:t>In our case, it finds variation of given sample of clinical results with the trained data set. </a:t>
-            </a:r>
-            <a:endParaRPr lang="en-IN" dirty="0"/>
-          </a:p>
-        </p:txBody>
-      </p:sp>
     </p:spTree>
   </p:cSld>
   <p:clrMapOvr>
@@ -7138,6 +7143,13 @@
             <a:r>
               <a:rPr lang="en-IN" dirty="0"/>
               <a:t>In our case, the given sample will be classified based on the similarity of its clinical results with that of the trained set of clinical set.</a:t>
+            </a:r>
+            <a:endParaRPr lang="en-IN" dirty="0"/>
+          </a:p>
+          <a:p>
+            <a:r>
+              <a:rPr lang="en-GB" altLang="en-IN" dirty="0"/>
+              <a:t>Its also know as lazy algorithm.</a:t>
             </a:r>
             <a:endParaRPr lang="en-IN" dirty="0"/>
           </a:p>

--- a/Presentation.pptx
+++ b/Presentation.pptx
@@ -25,15 +25,13 @@
     <p:sldId id="292" r:id="rId20"/>
     <p:sldId id="296" r:id="rId21"/>
     <p:sldId id="293" r:id="rId22"/>
-    <p:sldId id="294" r:id="rId23"/>
-    <p:sldId id="295" r:id="rId24"/>
-    <p:sldId id="261" r:id="rId25"/>
-    <p:sldId id="262" r:id="rId26"/>
-    <p:sldId id="265" r:id="rId27"/>
-    <p:sldId id="263" r:id="rId28"/>
-    <p:sldId id="266" r:id="rId29"/>
-    <p:sldId id="264" r:id="rId30"/>
-    <p:sldId id="267" r:id="rId31"/>
+    <p:sldId id="295" r:id="rId23"/>
+    <p:sldId id="261" r:id="rId24"/>
+    <p:sldId id="262" r:id="rId25"/>
+    <p:sldId id="265" r:id="rId26"/>
+    <p:sldId id="263" r:id="rId27"/>
+    <p:sldId id="266" r:id="rId28"/>
+    <p:sldId id="264" r:id="rId29"/>
   </p:sldIdLst>
   <p:sldSz cx="12192000" cy="6858000"/>
   <p:notesSz cx="6858000" cy="9144000"/>
@@ -6160,17 +6158,6 @@
             <a:endParaRPr lang="en-IN" dirty="0"/>
           </a:p>
           <a:p>
-            <a:r>
-              <a:rPr lang="en-IN" dirty="0" err="1"/>
-              <a:t>Tejaswinee</a:t>
-            </a:r>
-            <a:r>
-              <a:rPr lang="en-IN" dirty="0"/>
-              <a:t> Langhe M190737CS</a:t>
-            </a:r>
-            <a:endParaRPr lang="en-IN" dirty="0"/>
-          </a:p>
-          <a:p>
             <a:br>
               <a:rPr lang="en-IN" dirty="0"/>
             </a:br>
@@ -6845,13 +6832,6 @@
             <a:r>
               <a:rPr lang="en-GB" dirty="0"/>
               <a:t>(ii) K-Nearest-Neighbours</a:t>
-            </a:r>
-            <a:endParaRPr lang="en-IN" dirty="0"/>
-          </a:p>
-          <a:p>
-            <a:r>
-              <a:rPr lang="en-GB" dirty="0"/>
-              <a:t>(iii) Support Vector Machine</a:t>
             </a:r>
             <a:endParaRPr lang="en-IN" dirty="0"/>
           </a:p>
@@ -7360,43 +7340,79 @@
       </p:grpSpPr>
       <p:sp>
         <p:nvSpPr>
-          <p:cNvPr id="2" name="Title 1"/>
+          <p:cNvPr id="4" name="Title 3"/>
           <p:cNvSpPr>
             <a:spLocks noGrp="1"/>
           </p:cNvSpPr>
           <p:nvPr>
             <p:ph type="title"/>
+          </p:nvPr>
+        </p:nvSpPr>
+        <p:spPr/>
+        <p:txBody>
+          <a:bodyPr/>
+          <a:lstStyle/>
+          <a:p>
+            <a:r>
+              <a:rPr lang="en-GB" dirty="0"/>
+              <a:t>Comparison of 3 Algorithm</a:t>
+            </a:r>
+            <a:endParaRPr lang="en-IN" dirty="0"/>
+          </a:p>
+        </p:txBody>
+      </p:sp>
+      <p:sp>
+        <p:nvSpPr>
+          <p:cNvPr id="5" name="Content Placeholder 4"/>
+          <p:cNvSpPr>
+            <a:spLocks noGrp="1"/>
+          </p:cNvSpPr>
+          <p:nvPr>
+            <p:ph sz="half" idx="1"/>
           </p:nvPr>
         </p:nvSpPr>
         <p:spPr>
           <a:xfrm>
-            <a:off x="-211324" y="694678"/>
-            <a:ext cx="10018713" cy="1752599"/>
+            <a:off x="1484312" y="2666999"/>
+            <a:ext cx="5456238" cy="3440838"/>
           </a:xfrm>
         </p:spPr>
         <p:txBody>
-          <a:bodyPr/>
+          <a:bodyPr>
+            <a:normAutofit/>
+          </a:bodyPr>
           <a:lstStyle/>
           <a:p>
             <a:r>
               <a:rPr lang="en-GB" dirty="0"/>
-              <a:t>(iii) Support Vector Machine</a:t>
-            </a:r>
-            <a:br>
-              <a:rPr lang="en-IN" dirty="0"/>
-            </a:br>
+              <a:t>As we have seen accuracy of Logistic Regression and K-Nearest-Neighbours is almost same. </a:t>
+            </a:r>
+            <a:endParaRPr lang="en-GB" dirty="0"/>
+          </a:p>
+          <a:p>
+            <a:r>
+              <a:rPr lang="en-GB" dirty="0"/>
+              <a:t>Model will give same accuracy but result of both algorithm on same input may give different results. </a:t>
+            </a:r>
+            <a:endParaRPr lang="en-GB" dirty="0"/>
+          </a:p>
+          <a:p>
+            <a:r>
+              <a:rPr lang="en-GB" dirty="0"/>
+              <a:t>So, the final result is model is working with accuracy 87.91% and predicting whether is person is suffering Heart Disease or not. </a:t>
+            </a:r>
             <a:endParaRPr lang="en-IN" dirty="0"/>
           </a:p>
         </p:txBody>
       </p:sp>
       <p:pic>
         <p:nvPicPr>
-          <p:cNvPr id="5" name="Content Placeholder 4"/>
+          <p:cNvPr id="8" name="Content Placeholder 7"/>
           <p:cNvPicPr>
             <a:picLocks noGrp="1" noChangeAspect="1"/>
           </p:cNvPicPr>
           <p:nvPr>
-            <p:ph idx="1"/>
+            <p:ph sz="half" idx="2"/>
           </p:nvPr>
         </p:nvPicPr>
         <p:blipFill>
@@ -7407,15 +7423,19 @@
               </a:ext>
             </a:extLst>
           </a:blip>
+          <a:srcRect b="-33198"/>
           <a:stretch>
             <a:fillRect/>
           </a:stretch>
         </p:blipFill>
         <p:spPr>
           <a:xfrm>
-            <a:off x="4598632" y="2542713"/>
-            <a:ext cx="6587232" cy="3124200"/>
+            <a:off x="7098030" y="6107899"/>
+            <a:ext cx="4405112" cy="1669001"/>
           </a:xfrm>
+          <a:prstGeom prst="roundRect">
+            <a:avLst/>
+          </a:prstGeom>
         </p:spPr>
       </p:pic>
     </p:spTree>
@@ -7445,41 +7465,18 @@
       </p:grpSpPr>
       <p:sp>
         <p:nvSpPr>
-          <p:cNvPr id="4" name="Title 3"/>
-          <p:cNvSpPr>
-            <a:spLocks noGrp="1"/>
-          </p:cNvSpPr>
-          <p:nvPr>
-            <p:ph type="title"/>
-          </p:nvPr>
-        </p:nvSpPr>
-        <p:spPr/>
-        <p:txBody>
-          <a:bodyPr/>
-          <a:lstStyle/>
-          <a:p>
-            <a:r>
-              <a:rPr lang="en-GB" dirty="0"/>
-              <a:t>Comparison of 3 Algorithm</a:t>
-            </a:r>
-            <a:endParaRPr lang="en-IN" dirty="0"/>
-          </a:p>
-        </p:txBody>
-      </p:sp>
-      <p:sp>
-        <p:nvSpPr>
-          <p:cNvPr id="5" name="Content Placeholder 4"/>
-          <p:cNvSpPr>
-            <a:spLocks noGrp="1"/>
-          </p:cNvSpPr>
-          <p:nvPr>
-            <p:ph sz="half" idx="1"/>
+          <p:cNvPr id="2" name="Title 1"/>
+          <p:cNvSpPr>
+            <a:spLocks noGrp="1"/>
+          </p:cNvSpPr>
+          <p:nvPr>
+            <p:ph type="ctrTitle"/>
           </p:nvPr>
         </p:nvSpPr>
         <p:spPr>
           <a:xfrm>
-            <a:off x="1484312" y="2666999"/>
-            <a:ext cx="5456238" cy="3440838"/>
+            <a:off x="0" y="1089123"/>
+            <a:ext cx="8574622" cy="2616199"/>
           </a:xfrm>
         </p:spPr>
         <p:txBody>
@@ -7489,63 +7486,13 @@
           <a:lstStyle/>
           <a:p>
             <a:r>
-              <a:rPr lang="en-GB" dirty="0"/>
-              <a:t>As we have seen accuracy of Logistic Regression and K-Nearest-Neighbours is almost same. </a:t>
-            </a:r>
-            <a:endParaRPr lang="en-GB" dirty="0"/>
-          </a:p>
-          <a:p>
-            <a:r>
-              <a:rPr lang="en-GB" dirty="0"/>
-              <a:t>Model will give same accuracy but result of both algorithm on same input may give different results. </a:t>
-            </a:r>
-            <a:endParaRPr lang="en-GB" dirty="0"/>
-          </a:p>
-          <a:p>
-            <a:r>
-              <a:rPr lang="en-GB" dirty="0"/>
-              <a:t>Support Vector Machine have much accurate result as 93.40% on training and 87.91% in testing. </a:t>
-            </a:r>
-            <a:endParaRPr lang="en-GB" dirty="0"/>
-          </a:p>
-          <a:p>
-            <a:r>
-              <a:rPr lang="en-GB" dirty="0"/>
-              <a:t>So, the final result is model is working with accuracy 87.91% and predicting whether is person is suffering Heart Disease or not. </a:t>
-            </a:r>
-            <a:endParaRPr lang="en-IN" dirty="0"/>
-          </a:p>
-        </p:txBody>
-      </p:sp>
-      <p:pic>
-        <p:nvPicPr>
-          <p:cNvPr id="8" name="Content Placeholder 7"/>
-          <p:cNvPicPr>
-            <a:picLocks noGrp="1" noChangeAspect="1"/>
-          </p:cNvPicPr>
-          <p:nvPr>
-            <p:ph sz="half" idx="2"/>
-          </p:nvPr>
-        </p:nvPicPr>
-        <p:blipFill>
-          <a:blip r:embed="rId1">
-            <a:extLst>
-              <a:ext uri="{28A0092B-C50C-407E-A947-70E740481C1C}">
-                <a14:useLocalDpi xmlns:a14="http://schemas.microsoft.com/office/drawing/2010/main" val="0"/>
-              </a:ext>
-            </a:extLst>
-          </a:blip>
-          <a:stretch>
-            <a:fillRect/>
-          </a:stretch>
-        </p:blipFill>
-        <p:spPr>
-          <a:xfrm>
-            <a:off x="6940550" y="3320249"/>
-            <a:ext cx="4405112" cy="1669001"/>
-          </a:xfrm>
-        </p:spPr>
-      </p:pic>
+              <a:rPr lang="en-IN" sz="4000" dirty="0"/>
+              <a:t>Conclusions</a:t>
+            </a:r>
+            <a:endParaRPr lang="en-IN" sz="4000" dirty="0"/>
+          </a:p>
+        </p:txBody>
+      </p:sp>
     </p:spTree>
   </p:cSld>
   <p:clrMapOvr>
@@ -7578,26 +7525,123 @@
             <a:spLocks noGrp="1"/>
           </p:cNvSpPr>
           <p:nvPr>
-            <p:ph type="ctrTitle"/>
-          </p:nvPr>
-        </p:nvSpPr>
+            <p:ph type="title"/>
+          </p:nvPr>
+        </p:nvSpPr>
+        <p:spPr/>
+        <p:txBody>
+          <a:bodyPr/>
+          <a:lstStyle/>
+          <a:p>
+            <a:r>
+              <a:rPr lang="en-IN" dirty="0"/>
+              <a:t>(</a:t>
+            </a:r>
+            <a:r>
+              <a:rPr lang="en-IN" dirty="0" err="1"/>
+              <a:t>i</a:t>
+            </a:r>
+            <a:r>
+              <a:rPr lang="en-IN" dirty="0"/>
+              <a:t>)- Chest Pain</a:t>
+            </a:r>
+            <a:endParaRPr lang="en-IN" dirty="0"/>
+          </a:p>
+        </p:txBody>
+      </p:sp>
+      <p:sp>
+        <p:nvSpPr>
+          <p:cNvPr id="4" name="Content Placeholder 3"/>
+          <p:cNvSpPr>
+            <a:spLocks noGrp="1"/>
+          </p:cNvSpPr>
+          <p:nvPr>
+            <p:ph sz="half" idx="1"/>
+          </p:nvPr>
+        </p:nvSpPr>
+        <p:spPr/>
+        <p:txBody>
+          <a:bodyPr/>
+          <a:lstStyle/>
+          <a:p>
+            <a:r>
+              <a:rPr lang="en-GB" sz="2000" dirty="0"/>
+              <a:t>People with having chest Pain equal to 1 2 3 have higher chance of heart disease than Chest Pain 0.</a:t>
+            </a:r>
+            <a:endParaRPr lang="en-IN" sz="2000" dirty="0"/>
+          </a:p>
+          <a:p>
+            <a:endParaRPr lang="en-IN" sz="2000" dirty="0"/>
+          </a:p>
+        </p:txBody>
+      </p:sp>
+      <p:pic>
+        <p:nvPicPr>
+          <p:cNvPr id="6" name="Picture 5" descr="cp"/>
+          <p:cNvPicPr/>
+          <p:nvPr/>
+        </p:nvPicPr>
+        <p:blipFill>
+          <a:blip r:embed="rId1"/>
+          <a:stretch>
+            <a:fillRect/>
+          </a:stretch>
+        </p:blipFill>
         <p:spPr>
           <a:xfrm>
-            <a:off x="0" y="1089123"/>
-            <a:ext cx="8574622" cy="2616199"/>
+            <a:off x="6493667" y="2438399"/>
+            <a:ext cx="4647809" cy="3165762"/>
           </a:xfrm>
+          <a:prstGeom prst="rect">
+            <a:avLst/>
+          </a:prstGeom>
         </p:spPr>
-        <p:txBody>
-          <a:bodyPr>
-            <a:normAutofit/>
+      </p:pic>
+      <p:sp>
+        <p:nvSpPr>
+          <p:cNvPr id="3" name="Rectangle 2"/>
+          <p:cNvSpPr/>
+          <p:nvPr/>
+        </p:nvSpPr>
+        <p:spPr>
+          <a:xfrm>
+            <a:off x="6964356" y="5604161"/>
+            <a:ext cx="3743332" cy="374077"/>
+          </a:xfrm>
+          <a:prstGeom prst="rect">
+            <a:avLst/>
+          </a:prstGeom>
+        </p:spPr>
+        <p:txBody>
+          <a:bodyPr wrap="none">
+            <a:spAutoFit/>
           </a:bodyPr>
           <a:lstStyle/>
           <a:p>
-            <a:r>
-              <a:rPr lang="en-IN" sz="4000" dirty="0"/>
-              <a:t>Conclusions</a:t>
-            </a:r>
-            <a:endParaRPr lang="en-IN" sz="4000" dirty="0"/>
+            <a:pPr algn="just">
+              <a:lnSpc>
+                <a:spcPct val="107000"/>
+              </a:lnSpc>
+              <a:spcAft>
+                <a:spcPts val="0"/>
+              </a:spcAft>
+            </a:pPr>
+            <a:r>
+              <a:rPr lang="en-GB" i="1" dirty="0">
+                <a:solidFill>
+                  <a:srgbClr val="000000"/>
+                </a:solidFill>
+                <a:latin typeface="Times New Roman" panose="02020603050405020304" pitchFamily="18" charset="0"/>
+                <a:ea typeface="Calibri" panose="020F0502020204030204" charset="0"/>
+                <a:cs typeface="Times New Roman" panose="02020603050405020304" pitchFamily="18" charset="0"/>
+              </a:rPr>
+              <a:t>Fig3. –chest Pain vs number of people</a:t>
+            </a:r>
+            <a:endParaRPr lang="en-IN" dirty="0">
+              <a:latin typeface="Calibri" panose="020F0502020204030204" charset="0"/>
+              <a:ea typeface="Calibri" panose="020F0502020204030204" charset="0"/>
+              <a:cs typeface="Times New Roman" panose="02020603050405020304" pitchFamily="18" charset="0"/>
+            </a:endParaRPr>
           </a:p>
         </p:txBody>
       </p:sp>
@@ -7642,16 +7686,8 @@
           <a:lstStyle/>
           <a:p>
             <a:r>
-              <a:rPr lang="en-IN" dirty="0"/>
-              <a:t>(</a:t>
-            </a:r>
-            <a:r>
-              <a:rPr lang="en-IN" dirty="0" err="1"/>
-              <a:t>i</a:t>
-            </a:r>
-            <a:r>
-              <a:rPr lang="en-IN" dirty="0"/>
-              <a:t>)- Chest Pain</a:t>
+              <a:rPr lang="en-GB" dirty="0"/>
+              <a:t>(ii)-Resting Electrocardiography Results</a:t>
             </a:r>
             <a:endParaRPr lang="en-IN" dirty="0"/>
           </a:p>
@@ -7659,7 +7695,7 @@
       </p:sp>
       <p:sp>
         <p:nvSpPr>
-          <p:cNvPr id="4" name="Content Placeholder 3"/>
+          <p:cNvPr id="3" name="Content Placeholder 2"/>
           <p:cNvSpPr>
             <a:spLocks noGrp="1"/>
           </p:cNvSpPr>
@@ -7674,47 +7710,51 @@
           <a:p>
             <a:r>
               <a:rPr lang="en-GB" sz="2000" dirty="0"/>
-              <a:t>People with having chest Pain equal to 1 2 3 have higher chance of heart disease than Chest Pain 0.</a:t>
-            </a:r>
-            <a:endParaRPr lang="en-IN" sz="2000" dirty="0"/>
-          </a:p>
-          <a:p>
+              <a:t> People with value non-normal heart beat and having mild symptoms are having high chance to have heart disease than normal heart beat people.</a:t>
+            </a:r>
             <a:endParaRPr lang="en-IN" sz="2000" dirty="0"/>
           </a:p>
         </p:txBody>
       </p:sp>
       <p:pic>
         <p:nvPicPr>
-          <p:cNvPr id="6" name="Picture 5" descr="cp"/>
-          <p:cNvPicPr/>
-          <p:nvPr/>
+          <p:cNvPr id="8" name="Content Placeholder 7"/>
+          <p:cNvPicPr>
+            <a:picLocks noGrp="1" noChangeAspect="1"/>
+          </p:cNvPicPr>
+          <p:nvPr>
+            <p:ph sz="half" idx="2"/>
+          </p:nvPr>
         </p:nvPicPr>
         <p:blipFill>
-          <a:blip r:embed="rId1"/>
+          <a:blip r:embed="rId1">
+            <a:extLst>
+              <a:ext uri="{28A0092B-C50C-407E-A947-70E740481C1C}">
+                <a14:useLocalDpi xmlns:a14="http://schemas.microsoft.com/office/drawing/2010/main" val="0"/>
+              </a:ext>
+            </a:extLst>
+          </a:blip>
           <a:stretch>
             <a:fillRect/>
           </a:stretch>
         </p:blipFill>
         <p:spPr>
           <a:xfrm>
-            <a:off x="6493667" y="2438399"/>
-            <a:ext cx="4647809" cy="3165762"/>
+            <a:off x="6507331" y="2574524"/>
+            <a:ext cx="4341181" cy="3124200"/>
           </a:xfrm>
-          <a:prstGeom prst="rect">
-            <a:avLst/>
-          </a:prstGeom>
         </p:spPr>
       </p:pic>
       <p:sp>
         <p:nvSpPr>
-          <p:cNvPr id="3" name="Rectangle 2"/>
+          <p:cNvPr id="9" name="Rectangle 8"/>
           <p:cNvSpPr/>
           <p:nvPr/>
         </p:nvSpPr>
         <p:spPr>
           <a:xfrm>
-            <a:off x="6964356" y="5604161"/>
-            <a:ext cx="3743332" cy="374077"/>
+            <a:off x="6980469" y="5834849"/>
+            <a:ext cx="3394904" cy="374077"/>
           </a:xfrm>
           <a:prstGeom prst="rect">
             <a:avLst/>
@@ -7743,7 +7783,29 @@
                 <a:ea typeface="Calibri" panose="020F0502020204030204" charset="0"/>
                 <a:cs typeface="Times New Roman" panose="02020603050405020304" pitchFamily="18" charset="0"/>
               </a:rPr>
-              <a:t>Fig3. –chest Pain vs number of people</a:t>
+              <a:t>Fig3. -</a:t>
+            </a:r>
+            <a:r>
+              <a:rPr lang="en-GB" i="1" dirty="0" err="1">
+                <a:solidFill>
+                  <a:srgbClr val="000000"/>
+                </a:solidFill>
+                <a:latin typeface="Times New Roman" panose="02020603050405020304" pitchFamily="18" charset="0"/>
+                <a:ea typeface="Calibri" panose="020F0502020204030204" charset="0"/>
+                <a:cs typeface="Times New Roman" panose="02020603050405020304" pitchFamily="18" charset="0"/>
+              </a:rPr>
+              <a:t>restecg</a:t>
+            </a:r>
+            <a:r>
+              <a:rPr lang="en-GB" i="1" dirty="0">
+                <a:solidFill>
+                  <a:srgbClr val="000000"/>
+                </a:solidFill>
+                <a:latin typeface="Times New Roman" panose="02020603050405020304" pitchFamily="18" charset="0"/>
+                <a:ea typeface="Calibri" panose="020F0502020204030204" charset="0"/>
+                <a:cs typeface="Times New Roman" panose="02020603050405020304" pitchFamily="18" charset="0"/>
+              </a:rPr>
+              <a:t> vs number of people</a:t>
             </a:r>
             <a:endParaRPr lang="en-IN" dirty="0">
               <a:latin typeface="Calibri" panose="020F0502020204030204" charset="0"/>
@@ -7795,7 +7857,7 @@
           <a:p>
             <a:r>
               <a:rPr lang="en-GB" dirty="0"/>
-              <a:t>(ii)-Resting Electrocardiography Results</a:t>
+              <a:t>(iii)- Exercise induced angina</a:t>
             </a:r>
             <a:endParaRPr lang="en-IN" dirty="0"/>
           </a:p>
@@ -7818,111 +7880,41 @@
           <a:p>
             <a:r>
               <a:rPr lang="en-GB" sz="2000" dirty="0"/>
-              <a:t> People with value non-normal heart beat and having mild symptoms are having high chance to have heart disease than normal heart beat people.</a:t>
-            </a:r>
-            <a:endParaRPr lang="en-IN" sz="2000" dirty="0"/>
+              <a:t>People not having exercise induced angina have high chance heart disease more than people with exercise induced angina.</a:t>
+            </a:r>
+            <a:endParaRPr lang="en-IN" sz="2400" dirty="0"/>
+          </a:p>
+          <a:p>
+            <a:endParaRPr lang="en-IN" dirty="0"/>
           </a:p>
         </p:txBody>
       </p:sp>
       <p:pic>
         <p:nvPicPr>
-          <p:cNvPr id="8" name="Content Placeholder 7"/>
+          <p:cNvPr id="5" name="Content Placeholder 4" descr="exang"/>
           <p:cNvPicPr>
-            <a:picLocks noGrp="1" noChangeAspect="1"/>
+            <a:picLocks noGrp="1"/>
           </p:cNvPicPr>
           <p:nvPr>
             <p:ph sz="half" idx="2"/>
           </p:nvPr>
         </p:nvPicPr>
         <p:blipFill>
-          <a:blip r:embed="rId1">
-            <a:extLst>
-              <a:ext uri="{28A0092B-C50C-407E-A947-70E740481C1C}">
-                <a14:useLocalDpi xmlns:a14="http://schemas.microsoft.com/office/drawing/2010/main" val="0"/>
-              </a:ext>
-            </a:extLst>
-          </a:blip>
+          <a:blip r:embed="rId1"/>
           <a:stretch>
             <a:fillRect/>
           </a:stretch>
         </p:blipFill>
         <p:spPr>
           <a:xfrm>
-            <a:off x="6507331" y="2574524"/>
-            <a:ext cx="4341181" cy="3124200"/>
-          </a:xfrm>
-        </p:spPr>
-      </p:pic>
-      <p:sp>
-        <p:nvSpPr>
-          <p:cNvPr id="9" name="Rectangle 8"/>
-          <p:cNvSpPr/>
-          <p:nvPr/>
-        </p:nvSpPr>
-        <p:spPr>
-          <a:xfrm>
-            <a:off x="6980469" y="5834849"/>
-            <a:ext cx="3394904" cy="374077"/>
+            <a:off x="7245927" y="2895600"/>
+            <a:ext cx="3893127" cy="3006436"/>
           </a:xfrm>
           <a:prstGeom prst="rect">
             <a:avLst/>
           </a:prstGeom>
         </p:spPr>
-        <p:txBody>
-          <a:bodyPr wrap="none">
-            <a:spAutoFit/>
-          </a:bodyPr>
-          <a:lstStyle/>
-          <a:p>
-            <a:pPr algn="just">
-              <a:lnSpc>
-                <a:spcPct val="107000"/>
-              </a:lnSpc>
-              <a:spcAft>
-                <a:spcPts val="0"/>
-              </a:spcAft>
-            </a:pPr>
-            <a:r>
-              <a:rPr lang="en-GB" i="1" dirty="0">
-                <a:solidFill>
-                  <a:srgbClr val="000000"/>
-                </a:solidFill>
-                <a:latin typeface="Times New Roman" panose="02020603050405020304" pitchFamily="18" charset="0"/>
-                <a:ea typeface="Calibri" panose="020F0502020204030204" charset="0"/>
-                <a:cs typeface="Times New Roman" panose="02020603050405020304" pitchFamily="18" charset="0"/>
-              </a:rPr>
-              <a:t>Fig3. -</a:t>
-            </a:r>
-            <a:r>
-              <a:rPr lang="en-GB" i="1" dirty="0" err="1">
-                <a:solidFill>
-                  <a:srgbClr val="000000"/>
-                </a:solidFill>
-                <a:latin typeface="Times New Roman" panose="02020603050405020304" pitchFamily="18" charset="0"/>
-                <a:ea typeface="Calibri" panose="020F0502020204030204" charset="0"/>
-                <a:cs typeface="Times New Roman" panose="02020603050405020304" pitchFamily="18" charset="0"/>
-              </a:rPr>
-              <a:t>restecg</a:t>
-            </a:r>
-            <a:r>
-              <a:rPr lang="en-GB" i="1" dirty="0">
-                <a:solidFill>
-                  <a:srgbClr val="000000"/>
-                </a:solidFill>
-                <a:latin typeface="Times New Roman" panose="02020603050405020304" pitchFamily="18" charset="0"/>
-                <a:ea typeface="Calibri" panose="020F0502020204030204" charset="0"/>
-                <a:cs typeface="Times New Roman" panose="02020603050405020304" pitchFamily="18" charset="0"/>
-              </a:rPr>
-              <a:t> vs number of people</a:t>
-            </a:r>
-            <a:endParaRPr lang="en-IN" dirty="0">
-              <a:latin typeface="Calibri" panose="020F0502020204030204" charset="0"/>
-              <a:ea typeface="Calibri" panose="020F0502020204030204" charset="0"/>
-              <a:cs typeface="Times New Roman" panose="02020603050405020304" pitchFamily="18" charset="0"/>
-            </a:endParaRPr>
-          </a:p>
-        </p:txBody>
-      </p:sp>
+      </p:pic>
     </p:spTree>
   </p:cSld>
   <p:clrMapOvr>
@@ -7965,7 +7957,7 @@
           <a:p>
             <a:r>
               <a:rPr lang="en-GB" dirty="0"/>
-              <a:t>(iii)- Exercise induced angina</a:t>
+              <a:t>(iv)- The slope of the peak exercise ST segment</a:t>
             </a:r>
             <a:endParaRPr lang="en-IN" dirty="0"/>
           </a:p>
@@ -7981,48 +7973,101 @@
             <p:ph sz="half" idx="1"/>
           </p:nvPr>
         </p:nvSpPr>
-        <p:spPr/>
+        <p:spPr>
+          <a:xfrm>
+            <a:off x="873125" y="2438400"/>
+            <a:ext cx="5506085" cy="3352800"/>
+          </a:xfrm>
+        </p:spPr>
         <p:txBody>
           <a:bodyPr/>
           <a:lstStyle/>
           <a:p>
             <a:r>
               <a:rPr lang="en-GB" sz="2000" dirty="0"/>
-              <a:t>People not having exercise induced angina have high chance heart disease more than people with exercise induced angina.</a:t>
-            </a:r>
-            <a:endParaRPr lang="en-IN" sz="2400" dirty="0"/>
-          </a:p>
-          <a:p>
-            <a:endParaRPr lang="en-IN" dirty="0"/>
+              <a:t>People with slope value Down-sloping means unhealthy heart are having high chance of heart disease than people with slope value Up-sloping means better heart rate with exercise</a:t>
+            </a:r>
+            <a:endParaRPr lang="en-IN" sz="2000" dirty="0"/>
           </a:p>
         </p:txBody>
       </p:sp>
       <p:pic>
         <p:nvPicPr>
-          <p:cNvPr id="5" name="Content Placeholder 4" descr="exang"/>
+          <p:cNvPr id="6" name="Content Placeholder 5"/>
           <p:cNvPicPr>
-            <a:picLocks noGrp="1"/>
+            <a:picLocks noGrp="1" noChangeAspect="1"/>
           </p:cNvPicPr>
           <p:nvPr>
             <p:ph sz="half" idx="2"/>
           </p:nvPr>
         </p:nvPicPr>
         <p:blipFill>
-          <a:blip r:embed="rId1"/>
+          <a:blip r:embed="rId1">
+            <a:extLst>
+              <a:ext uri="{28A0092B-C50C-407E-A947-70E740481C1C}">
+                <a14:useLocalDpi xmlns:a14="http://schemas.microsoft.com/office/drawing/2010/main" val="0"/>
+              </a:ext>
+            </a:extLst>
+          </a:blip>
           <a:stretch>
             <a:fillRect/>
           </a:stretch>
         </p:blipFill>
         <p:spPr>
           <a:xfrm>
-            <a:off x="7245927" y="2895600"/>
-            <a:ext cx="3893127" cy="3006436"/>
+            <a:off x="6702641" y="2666999"/>
+            <a:ext cx="4412202" cy="3050220"/>
+          </a:xfrm>
+        </p:spPr>
+      </p:pic>
+      <p:sp>
+        <p:nvSpPr>
+          <p:cNvPr id="7" name="Rectangle 6"/>
+          <p:cNvSpPr/>
+          <p:nvPr/>
+        </p:nvSpPr>
+        <p:spPr>
+          <a:xfrm>
+            <a:off x="6945343" y="5798123"/>
+            <a:ext cx="3627916" cy="374077"/>
           </a:xfrm>
           <a:prstGeom prst="rect">
             <a:avLst/>
           </a:prstGeom>
         </p:spPr>
-      </p:pic>
+        <p:txBody>
+          <a:bodyPr wrap="none">
+            <a:spAutoFit/>
+          </a:bodyPr>
+          <a:lstStyle/>
+          <a:p>
+            <a:pPr indent="457200" algn="just">
+              <a:lnSpc>
+                <a:spcPct val="107000"/>
+              </a:lnSpc>
+              <a:spcAft>
+                <a:spcPts val="0"/>
+              </a:spcAft>
+            </a:pPr>
+            <a:r>
+              <a:rPr lang="en-GB" i="1" dirty="0">
+                <a:solidFill>
+                  <a:srgbClr val="000000"/>
+                </a:solidFill>
+                <a:latin typeface="Times New Roman" panose="02020603050405020304" pitchFamily="18" charset="0"/>
+                <a:ea typeface="Calibri" panose="020F0502020204030204" charset="0"/>
+                <a:cs typeface="Times New Roman" panose="02020603050405020304" pitchFamily="18" charset="0"/>
+              </a:rPr>
+              <a:t>Fig5- slope vs number of people</a:t>
+            </a:r>
+            <a:endParaRPr lang="en-IN" dirty="0">
+              <a:latin typeface="Calibri" panose="020F0502020204030204" charset="0"/>
+              <a:ea typeface="Calibri" panose="020F0502020204030204" charset="0"/>
+              <a:cs typeface="Times New Roman" panose="02020603050405020304" pitchFamily="18" charset="0"/>
+            </a:endParaRPr>
+          </a:p>
+        </p:txBody>
+      </p:sp>
     </p:spTree>
   </p:cSld>
   <p:clrMapOvr>
@@ -8065,159 +8110,6 @@
           <a:p>
             <a:r>
               <a:rPr lang="en-GB" dirty="0"/>
-              <a:t>(iv)- The slope of the peak exercise ST segment</a:t>
-            </a:r>
-            <a:endParaRPr lang="en-IN" dirty="0"/>
-          </a:p>
-        </p:txBody>
-      </p:sp>
-      <p:sp>
-        <p:nvSpPr>
-          <p:cNvPr id="3" name="Content Placeholder 2"/>
-          <p:cNvSpPr>
-            <a:spLocks noGrp="1"/>
-          </p:cNvSpPr>
-          <p:nvPr>
-            <p:ph sz="half" idx="1"/>
-          </p:nvPr>
-        </p:nvSpPr>
-        <p:spPr>
-          <a:xfrm>
-            <a:off x="873125" y="2438400"/>
-            <a:ext cx="5506085" cy="3352800"/>
-          </a:xfrm>
-        </p:spPr>
-        <p:txBody>
-          <a:bodyPr/>
-          <a:lstStyle/>
-          <a:p>
-            <a:r>
-              <a:rPr lang="en-GB" sz="2000" dirty="0"/>
-              <a:t>People with slope value Down-sloping means unhealthy heart are having high chance of heart disease than people with slope value Up-sloping means better heart rate with exercise</a:t>
-            </a:r>
-            <a:endParaRPr lang="en-IN" sz="2000" dirty="0"/>
-          </a:p>
-        </p:txBody>
-      </p:sp>
-      <p:pic>
-        <p:nvPicPr>
-          <p:cNvPr id="6" name="Content Placeholder 5"/>
-          <p:cNvPicPr>
-            <a:picLocks noGrp="1" noChangeAspect="1"/>
-          </p:cNvPicPr>
-          <p:nvPr>
-            <p:ph sz="half" idx="2"/>
-          </p:nvPr>
-        </p:nvPicPr>
-        <p:blipFill>
-          <a:blip r:embed="rId1">
-            <a:extLst>
-              <a:ext uri="{28A0092B-C50C-407E-A947-70E740481C1C}">
-                <a14:useLocalDpi xmlns:a14="http://schemas.microsoft.com/office/drawing/2010/main" val="0"/>
-              </a:ext>
-            </a:extLst>
-          </a:blip>
-          <a:stretch>
-            <a:fillRect/>
-          </a:stretch>
-        </p:blipFill>
-        <p:spPr>
-          <a:xfrm>
-            <a:off x="6702641" y="2666999"/>
-            <a:ext cx="4412202" cy="3050220"/>
-          </a:xfrm>
-        </p:spPr>
-      </p:pic>
-      <p:sp>
-        <p:nvSpPr>
-          <p:cNvPr id="7" name="Rectangle 6"/>
-          <p:cNvSpPr/>
-          <p:nvPr/>
-        </p:nvSpPr>
-        <p:spPr>
-          <a:xfrm>
-            <a:off x="6945343" y="5798123"/>
-            <a:ext cx="3627916" cy="374077"/>
-          </a:xfrm>
-          <a:prstGeom prst="rect">
-            <a:avLst/>
-          </a:prstGeom>
-        </p:spPr>
-        <p:txBody>
-          <a:bodyPr wrap="none">
-            <a:spAutoFit/>
-          </a:bodyPr>
-          <a:lstStyle/>
-          <a:p>
-            <a:pPr indent="457200" algn="just">
-              <a:lnSpc>
-                <a:spcPct val="107000"/>
-              </a:lnSpc>
-              <a:spcAft>
-                <a:spcPts val="0"/>
-              </a:spcAft>
-            </a:pPr>
-            <a:r>
-              <a:rPr lang="en-GB" i="1" dirty="0">
-                <a:solidFill>
-                  <a:srgbClr val="000000"/>
-                </a:solidFill>
-                <a:latin typeface="Times New Roman" panose="02020603050405020304" pitchFamily="18" charset="0"/>
-                <a:ea typeface="Calibri" panose="020F0502020204030204" charset="0"/>
-                <a:cs typeface="Times New Roman" panose="02020603050405020304" pitchFamily="18" charset="0"/>
-              </a:rPr>
-              <a:t>Fig5- slope vs number of people</a:t>
-            </a:r>
-            <a:endParaRPr lang="en-IN" dirty="0">
-              <a:latin typeface="Calibri" panose="020F0502020204030204" charset="0"/>
-              <a:ea typeface="Calibri" panose="020F0502020204030204" charset="0"/>
-              <a:cs typeface="Times New Roman" panose="02020603050405020304" pitchFamily="18" charset="0"/>
-            </a:endParaRPr>
-          </a:p>
-        </p:txBody>
-      </p:sp>
-    </p:spTree>
-  </p:cSld>
-  <p:clrMapOvr>
-    <a:masterClrMapping/>
-  </p:clrMapOvr>
-</p:sld>
-</file>
-
-<file path=ppt/slides/slide28.xml><?xml version="1.0" encoding="utf-8"?>
-<p:sld xmlns:a="http://schemas.openxmlformats.org/drawingml/2006/main" xmlns:r="http://schemas.openxmlformats.org/officeDocument/2006/relationships" xmlns:p="http://schemas.openxmlformats.org/presentationml/2006/main">
-  <p:cSld>
-    <p:spTree>
-      <p:nvGrpSpPr>
-        <p:cNvPr id="1" name=""/>
-        <p:cNvGrpSpPr/>
-        <p:nvPr/>
-      </p:nvGrpSpPr>
-      <p:grpSpPr>
-        <a:xfrm>
-          <a:off x="0" y="0"/>
-          <a:ext cx="0" cy="0"/>
-          <a:chOff x="0" y="0"/>
-          <a:chExt cx="0" cy="0"/>
-        </a:xfrm>
-      </p:grpSpPr>
-      <p:sp>
-        <p:nvSpPr>
-          <p:cNvPr id="2" name="Title 1"/>
-          <p:cNvSpPr>
-            <a:spLocks noGrp="1"/>
-          </p:cNvSpPr>
-          <p:nvPr>
-            <p:ph type="title"/>
-          </p:nvPr>
-        </p:nvSpPr>
-        <p:spPr/>
-        <p:txBody>
-          <a:bodyPr/>
-          <a:lstStyle/>
-          <a:p>
-            <a:r>
-              <a:rPr lang="en-GB" dirty="0"/>
               <a:t>(v)- Thali-um stress result</a:t>
             </a:r>
             <a:endParaRPr lang="en-IN" dirty="0"/>
@@ -8337,151 +8229,6 @@
                 <a:cs typeface="Times New Roman" panose="02020603050405020304" pitchFamily="18" charset="0"/>
               </a:rPr>
               <a:t> vs number of people</a:t>
-            </a:r>
-            <a:endParaRPr lang="en-IN" dirty="0">
-              <a:latin typeface="Calibri" panose="020F0502020204030204" charset="0"/>
-              <a:ea typeface="Calibri" panose="020F0502020204030204" charset="0"/>
-              <a:cs typeface="Times New Roman" panose="02020603050405020304" pitchFamily="18" charset="0"/>
-            </a:endParaRPr>
-          </a:p>
-        </p:txBody>
-      </p:sp>
-    </p:spTree>
-  </p:cSld>
-  <p:clrMapOvr>
-    <a:masterClrMapping/>
-  </p:clrMapOvr>
-</p:sld>
-</file>
-
-<file path=ppt/slides/slide29.xml><?xml version="1.0" encoding="utf-8"?>
-<p:sld xmlns:a="http://schemas.openxmlformats.org/drawingml/2006/main" xmlns:r="http://schemas.openxmlformats.org/officeDocument/2006/relationships" xmlns:p="http://schemas.openxmlformats.org/presentationml/2006/main">
-  <p:cSld>
-    <p:spTree>
-      <p:nvGrpSpPr>
-        <p:cNvPr id="1" name=""/>
-        <p:cNvGrpSpPr/>
-        <p:nvPr/>
-      </p:nvGrpSpPr>
-      <p:grpSpPr>
-        <a:xfrm>
-          <a:off x="0" y="0"/>
-          <a:ext cx="0" cy="0"/>
-          <a:chOff x="0" y="0"/>
-          <a:chExt cx="0" cy="0"/>
-        </a:xfrm>
-      </p:grpSpPr>
-      <p:sp>
-        <p:nvSpPr>
-          <p:cNvPr id="2" name="Title 1"/>
-          <p:cNvSpPr>
-            <a:spLocks noGrp="1"/>
-          </p:cNvSpPr>
-          <p:nvPr>
-            <p:ph type="title"/>
-          </p:nvPr>
-        </p:nvSpPr>
-        <p:spPr/>
-        <p:txBody>
-          <a:bodyPr/>
-          <a:lstStyle/>
-          <a:p>
-            <a:r>
-              <a:rPr lang="en-IN" dirty="0"/>
-              <a:t>(vi)- Final Conclusion</a:t>
-            </a:r>
-            <a:endParaRPr lang="en-IN" dirty="0"/>
-          </a:p>
-        </p:txBody>
-      </p:sp>
-      <p:sp>
-        <p:nvSpPr>
-          <p:cNvPr id="3" name="Content Placeholder 2"/>
-          <p:cNvSpPr>
-            <a:spLocks noGrp="1"/>
-          </p:cNvSpPr>
-          <p:nvPr>
-            <p:ph sz="half" idx="1"/>
-          </p:nvPr>
-        </p:nvSpPr>
-        <p:spPr/>
-        <p:txBody>
-          <a:bodyPr/>
-          <a:lstStyle/>
-          <a:p>
-            <a:r>
-              <a:rPr lang="en-GB" sz="2000" dirty="0"/>
-              <a:t>Support Vector Machine is much better of this dataset as compared to other datasets</a:t>
-            </a:r>
-            <a:endParaRPr lang="en-IN" sz="2000" dirty="0"/>
-          </a:p>
-        </p:txBody>
-      </p:sp>
-      <p:pic>
-        <p:nvPicPr>
-          <p:cNvPr id="6" name="Content Placeholder 5"/>
-          <p:cNvPicPr>
-            <a:picLocks noGrp="1" noChangeAspect="1"/>
-          </p:cNvPicPr>
-          <p:nvPr>
-            <p:ph sz="half" idx="2"/>
-          </p:nvPr>
-        </p:nvPicPr>
-        <p:blipFill>
-          <a:blip r:embed="rId1">
-            <a:extLst>
-              <a:ext uri="{28A0092B-C50C-407E-A947-70E740481C1C}">
-                <a14:useLocalDpi xmlns:a14="http://schemas.microsoft.com/office/drawing/2010/main" val="0"/>
-              </a:ext>
-            </a:extLst>
-          </a:blip>
-          <a:stretch>
-            <a:fillRect/>
-          </a:stretch>
-        </p:blipFill>
-        <p:spPr>
-          <a:xfrm>
-            <a:off x="6640497" y="3378695"/>
-            <a:ext cx="4529153" cy="1752598"/>
-          </a:xfrm>
-        </p:spPr>
-      </p:pic>
-      <p:sp>
-        <p:nvSpPr>
-          <p:cNvPr id="7" name="Rectangle 6"/>
-          <p:cNvSpPr/>
-          <p:nvPr/>
-        </p:nvSpPr>
-        <p:spPr>
-          <a:xfrm>
-            <a:off x="7387114" y="5301582"/>
-            <a:ext cx="2833148" cy="374077"/>
-          </a:xfrm>
-          <a:prstGeom prst="rect">
-            <a:avLst/>
-          </a:prstGeom>
-        </p:spPr>
-        <p:txBody>
-          <a:bodyPr wrap="none">
-            <a:spAutoFit/>
-          </a:bodyPr>
-          <a:lstStyle/>
-          <a:p>
-            <a:pPr algn="ctr">
-              <a:lnSpc>
-                <a:spcPct val="107000"/>
-              </a:lnSpc>
-              <a:spcAft>
-                <a:spcPts val="800"/>
-              </a:spcAft>
-            </a:pPr>
-            <a:r>
-              <a:rPr lang="en-GB" i="1" dirty="0">
-                <a:latin typeface="Times New Roman" panose="02020603050405020304" pitchFamily="18" charset="0"/>
-                <a:ea typeface="Calibri" panose="020F0502020204030204" charset="0"/>
-                <a:cs typeface="Times New Roman" panose="02020603050405020304" pitchFamily="18" charset="0"/>
-              </a:rPr>
-              <a:t>Fig7.Model Accuracy -Table</a:t>
             </a:r>
             <a:endParaRPr lang="en-IN" dirty="0">
               <a:latin typeface="Calibri" panose="020F0502020204030204" charset="0"/>
